--- a/labs/WSAA 9 DR 6.3 AJAX JQuery_ed.pptx
+++ b/labs/WSAA 9 DR 6.3 AJAX JQuery_ed.pptx
@@ -70,20 +70,17 @@
             <a:noAutofit/>
           </a:bodyPr>
           <a:p>
-            <a:r>
-              <a:rPr b="0" lang="en-US" sz="1800" spc="-1" strike="noStrike">
-                <a:solidFill>
-                  <a:srgbClr val="000000"/>
-                </a:solidFill>
-                <a:latin typeface="Rockwell"/>
+            <a:pPr algn="ctr">
+              <a:buNone/>
+            </a:pPr>
+            <a:r>
+              <a:rPr b="0" lang="en-IE" sz="4400" spc="-1" strike="noStrike">
+                <a:latin typeface="Arial"/>
               </a:rPr>
               <a:t>Click to move the slide</a:t>
             </a:r>
-            <a:endParaRPr b="0" lang="en-US" sz="1800" spc="-1" strike="noStrike">
-              <a:solidFill>
-                <a:srgbClr val="000000"/>
-              </a:solidFill>
-              <a:latin typeface="Rockwell"/>
+            <a:endParaRPr b="0" lang="en-IE" sz="4400" spc="-1" strike="noStrike">
+              <a:latin typeface="Arial"/>
             </a:endParaRPr>
           </a:p>
         </p:txBody>
@@ -305,7 +302,7 @@
             <a:pPr algn="r">
               <a:buNone/>
             </a:pPr>
-            <a:fld id="{92ED9775-F0D5-4A59-8BE4-6E0EC51274CE}" type="slidenum">
+            <a:fld id="{A735C1C1-1EB7-49EC-8E25-46DFE01219D1}" type="slidenum">
               <a:rPr b="0" lang="en-IE" sz="1400" spc="-1" strike="noStrike">
                 <a:latin typeface="Times New Roman"/>
               </a:rPr>
@@ -353,6 +350,114 @@
         <p:spPr>
           <a:xfrm>
             <a:off x="216000" y="812520"/>
+            <a:ext cx="7126920" cy="4008600"/>
+          </a:xfrm>
+          <a:prstGeom prst="rect">
+            <a:avLst/>
+          </a:prstGeom>
+          <a:ln w="0">
+            <a:noFill/>
+          </a:ln>
+        </p:spPr>
+      </p:sp>
+      <p:sp>
+        <p:nvSpPr>
+          <p:cNvPr id="128" name="PlaceHolder 2"/>
+          <p:cNvSpPr>
+            <a:spLocks noGrp="1"/>
+          </p:cNvSpPr>
+          <p:nvPr>
+            <p:ph type="body"/>
+          </p:nvPr>
+        </p:nvSpPr>
+        <p:spPr>
+          <a:xfrm>
+            <a:off x="135000" y="5078520"/>
+            <a:ext cx="7289640" cy="5451120"/>
+          </a:xfrm>
+          <a:prstGeom prst="rect">
+            <a:avLst/>
+          </a:prstGeom>
+          <a:noFill/>
+          <a:ln w="0">
+            <a:noFill/>
+          </a:ln>
+        </p:spPr>
+        <p:txBody>
+          <a:bodyPr lIns="0" rIns="0" tIns="0" bIns="0" anchor="t">
+            <a:noAutofit/>
+          </a:bodyPr>
+          <a:p>
+            <a:pPr marL="216000" indent="-216000">
+              <a:lnSpc>
+                <a:spcPct val="100000"/>
+              </a:lnSpc>
+              <a:buNone/>
+            </a:pPr>
+            <a:r>
+              <a:rPr b="0" lang="en-IE" sz="2000" spc="-1" strike="noStrike">
+                <a:latin typeface="Arial"/>
+              </a:rPr>
+              <a:t>This is the knub of it, using AJAX to interact with API that is on a server.</a:t>
+            </a:r>
+            <a:endParaRPr b="0" lang="en-IE" sz="2000" spc="-1" strike="noStrike">
+              <a:latin typeface="Arial"/>
+            </a:endParaRPr>
+          </a:p>
+          <a:p>
+            <a:pPr marL="216000" indent="-216000">
+              <a:lnSpc>
+                <a:spcPct val="100000"/>
+              </a:lnSpc>
+              <a:buNone/>
+            </a:pPr>
+            <a:r>
+              <a:rPr b="0" lang="en-IE" sz="2000" spc="-1" strike="noStrike">
+                <a:latin typeface="Arial"/>
+              </a:rPr>
+              <a:t>Ajax is JavaScript and jQuery is way of basically making HTTP calls. You would use this with HTML and jQuery to make a nice interface to some API somewhere.</a:t>
+            </a:r>
+            <a:endParaRPr b="0" lang="en-IE" sz="2000" spc="-1" strike="noStrike">
+              <a:latin typeface="Arial"/>
+            </a:endParaRPr>
+          </a:p>
+        </p:txBody>
+      </p:sp>
+    </p:spTree>
+  </p:cSld>
+</p:notes>
+</file>
+
+<file path=ppt/notesSlides/notesSlide10.xml><?xml version="1.0" encoding="utf-8"?>
+<p:notes xmlns:a="http://schemas.openxmlformats.org/drawingml/2006/main" xmlns:p="http://schemas.openxmlformats.org/presentationml/2006/main" xmlns:r="http://schemas.openxmlformats.org/officeDocument/2006/relationships" xmlns:p14="http://schemas.microsoft.com/office/powerpoint/2010/main" xmlns:p15="http://schemas.microsoft.com/office/powerpoint/2012/main" xmlns:mc="http://schemas.openxmlformats.org/markup-compatibility/2006">
+  <p:cSld>
+    <p:spTree>
+      <p:nvGrpSpPr>
+        <p:cNvPr id="1" name=""/>
+        <p:cNvGrpSpPr/>
+        <p:nvPr/>
+      </p:nvGrpSpPr>
+      <p:grpSpPr>
+        <a:xfrm>
+          <a:off x="0" y="0"/>
+          <a:ext cx="0" cy="0"/>
+          <a:chOff x="0" y="0"/>
+          <a:chExt cx="0" cy="0"/>
+        </a:xfrm>
+      </p:grpSpPr>
+      <p:sp>
+        <p:nvSpPr>
+          <p:cNvPr id="143" name="PlaceHolder 1"/>
+          <p:cNvSpPr>
+            <a:spLocks noGrp="1"/>
+          </p:cNvSpPr>
+          <p:nvPr>
+            <p:ph type="sldImg"/>
+          </p:nvPr>
+        </p:nvSpPr>
+        <p:spPr>
+          <a:xfrm>
+            <a:off x="216000" y="812520"/>
             <a:ext cx="7127280" cy="4008960"/>
           </a:xfrm>
           <a:prstGeom prst="rect">
@@ -365,7 +470,7 @@
       </p:sp>
       <p:sp>
         <p:nvSpPr>
-          <p:cNvPr id="128" name="PlaceHolder 2"/>
+          <p:cNvPr id="144" name="PlaceHolder 2"/>
           <p:cNvSpPr>
             <a:spLocks noGrp="1"/>
           </p:cNvSpPr>
@@ -375,8 +480,8 @@
         </p:nvSpPr>
         <p:spPr>
           <a:xfrm>
-            <a:off x="135000" y="5078520"/>
-            <a:ext cx="7290000" cy="5451480"/>
+            <a:off x="0" y="5078520"/>
+            <a:ext cx="7559640" cy="5613120"/>
           </a:xfrm>
           <a:prstGeom prst="rect">
             <a:avLst/>
@@ -392,11 +497,834 @@
           </a:bodyPr>
           <a:p>
             <a:r>
+              <a:rPr b="0" lang="en-IE" sz="1600" spc="-1" strike="noStrike">
+                <a:latin typeface="Arial"/>
+              </a:rPr>
+              <a:t>So if we were doing this for CRUD as I'm going to get to do For if you want to do what I call the boring project. If you want to do a project which is just doing basic interaction with an API,you would need to have an Ajax call to do each of the different things We have to do the get everything in the Restful API, the get, the get by ID, the create, update and delete. You would put those into functions and make put them into a separate JavaScript file so that they are nice and neat in one place.</a:t>
+            </a:r>
+            <a:endParaRPr b="0" lang="en-IE" sz="1600" spc="-1" strike="noStrike">
+              <a:latin typeface="Arial"/>
+            </a:endParaRPr>
+          </a:p>
+          <a:p>
+            <a:endParaRPr b="0" lang="en-IE" sz="2000" spc="-1" strike="noStrike">
+              <a:latin typeface="Arial"/>
+            </a:endParaRPr>
+          </a:p>
+          <a:p>
+            <a:r>
+              <a:rPr b="0" lang="en-IE" sz="1600" spc="-1" strike="noStrike">
+                <a:latin typeface="Arial"/>
+              </a:rPr>
+              <a:t>That will do your job and then you could concentrate on making your page look nice.</a:t>
+            </a:r>
+            <a:endParaRPr b="0" lang="en-IE" sz="1600" spc="-1" strike="noStrike">
+              <a:latin typeface="Arial"/>
+            </a:endParaRPr>
+          </a:p>
+          <a:p>
+            <a:r>
+              <a:rPr b="0" lang="en-IE" sz="1600" spc="-1" strike="noStrike">
+                <a:latin typeface="Arial"/>
+              </a:rPr>
+              <a:t>The main thing, as I said, I want you to get out of this lecture is this is what Ajax looks like. This is how you interact with a API somewhere. If you want to interact with Andrew Beattypythonanywhere.com to get all the data down, you would just put that in here.</a:t>
+            </a:r>
+            <a:endParaRPr b="0" lang="en-IE" sz="1600" spc="-1" strike="noStrike">
+              <a:latin typeface="Arial"/>
+            </a:endParaRPr>
+          </a:p>
+          <a:p>
+            <a:r>
+              <a:rPr b="0" lang="en-IE" sz="1600" spc="-1" strike="noStrike">
+                <a:latin typeface="Arial"/>
+              </a:rPr>
+              <a:t>So the only thing I want to get out of this lecture is that you can call Restful APIs </a:t>
+            </a:r>
+            <a:endParaRPr b="0" lang="en-IE" sz="1600" spc="-1" strike="noStrike">
+              <a:latin typeface="Arial"/>
+            </a:endParaRPr>
+          </a:p>
+          <a:p>
+            <a:r>
+              <a:rPr b="0" lang="en-IE" sz="1600" spc="-1" strike="noStrike">
+                <a:latin typeface="Arial"/>
+              </a:rPr>
+              <a:t>like you did. By the way, you can also put in all the keys and all the rest with Ajax. You can do all that with Ajax. You can set headers and all the rest that you can with Ajax. And so you can call Restful APIs from HTML stroke JavaScript pages using Ajax. Why would you do this? Because it provides a nice interface for end users to use. So if you want to give something that somebody can use an end user instead of just putting it all into an XML file or an excel file somebody else, you can use HTML stroke JavaScript. </a:t>
+            </a:r>
+            <a:endParaRPr b="0" lang="en-IE" sz="1600" spc="-1" strike="noStrike">
+              <a:latin typeface="Arial"/>
+            </a:endParaRPr>
+          </a:p>
+        </p:txBody>
+      </p:sp>
+    </p:spTree>
+  </p:cSld>
+</p:notes>
+</file>
+
+<file path=ppt/notesSlides/notesSlide2.xml><?xml version="1.0" encoding="utf-8"?>
+<p:notes xmlns:a="http://schemas.openxmlformats.org/drawingml/2006/main" xmlns:p="http://schemas.openxmlformats.org/presentationml/2006/main" xmlns:r="http://schemas.openxmlformats.org/officeDocument/2006/relationships" xmlns:p14="http://schemas.microsoft.com/office/powerpoint/2010/main" xmlns:p15="http://schemas.microsoft.com/office/powerpoint/2012/main" xmlns:mc="http://schemas.openxmlformats.org/markup-compatibility/2006">
+  <p:cSld>
+    <p:spTree>
+      <p:nvGrpSpPr>
+        <p:cNvPr id="1" name=""/>
+        <p:cNvGrpSpPr/>
+        <p:nvPr/>
+      </p:nvGrpSpPr>
+      <p:grpSpPr>
+        <a:xfrm>
+          <a:off x="0" y="0"/>
+          <a:ext cx="0" cy="0"/>
+          <a:chOff x="0" y="0"/>
+          <a:chExt cx="0" cy="0"/>
+        </a:xfrm>
+      </p:grpSpPr>
+      <p:sp>
+        <p:nvSpPr>
+          <p:cNvPr id="129" name="PlaceHolder 1"/>
+          <p:cNvSpPr>
+            <a:spLocks noGrp="1"/>
+          </p:cNvSpPr>
+          <p:nvPr>
+            <p:ph type="sldImg"/>
+          </p:nvPr>
+        </p:nvSpPr>
+        <p:spPr>
+          <a:xfrm>
+            <a:off x="216000" y="812520"/>
+            <a:ext cx="7127280" cy="4008960"/>
+          </a:xfrm>
+          <a:prstGeom prst="rect">
+            <a:avLst/>
+          </a:prstGeom>
+          <a:ln w="0">
+            <a:noFill/>
+          </a:ln>
+        </p:spPr>
+      </p:sp>
+      <p:sp>
+        <p:nvSpPr>
+          <p:cNvPr id="130" name="PlaceHolder 2"/>
+          <p:cNvSpPr>
+            <a:spLocks noGrp="1"/>
+          </p:cNvSpPr>
+          <p:nvPr>
+            <p:ph type="body"/>
+          </p:nvPr>
+        </p:nvSpPr>
+        <p:spPr>
+          <a:xfrm>
+            <a:off x="135000" y="5078520"/>
+            <a:ext cx="7335000" cy="4816800"/>
+          </a:xfrm>
+          <a:prstGeom prst="rect">
+            <a:avLst/>
+          </a:prstGeom>
+          <a:noFill/>
+          <a:ln w="0">
+            <a:noFill/>
+          </a:ln>
+        </p:spPr>
+        <p:txBody>
+          <a:bodyPr lIns="0" rIns="0" tIns="0" bIns="0" anchor="t">
+            <a:noAutofit/>
+          </a:bodyPr>
+          <a:p>
+            <a:r>
               <a:rPr b="0" lang="en-IE" sz="2000" spc="-1" strike="noStrike">
                 <a:latin typeface="Arial"/>
               </a:rPr>
-              <a:t>This is the knub of it, using AJAX to interact with API that is on a server.</a:t>
-            </a:r>
+              <a:t>When you make an Ajax call, it doesn't block the code. The code will continue to run and in the background it will make a HTTP request up to server somewhere which can take a couple of milliseconds or even a couple of seconds to execute. So your code continues to run.</a:t>
+            </a:r>
+            <a:endParaRPr b="0" lang="en-IE" sz="2000" spc="-1" strike="noStrike">
+              <a:latin typeface="Arial"/>
+            </a:endParaRPr>
+          </a:p>
+          <a:p>
+            <a:endParaRPr b="0" lang="en-IE" sz="2000" spc="-1" strike="noStrike">
+              <a:latin typeface="Arial"/>
+            </a:endParaRPr>
+          </a:p>
+          <a:p>
+            <a:r>
+              <a:rPr b="0" lang="en-IE" sz="2000" spc="-1" strike="noStrike">
+                <a:latin typeface="Arial"/>
+              </a:rPr>
+              <a:t>JavaScript is known for callbacks. A lot of functions in JavaScript asynchronous, so you need to make a function that gets called when the Ajax is finished. </a:t>
+            </a:r>
+            <a:endParaRPr b="0" lang="en-IE" sz="2000" spc="-1" strike="noStrike">
+              <a:latin typeface="Arial"/>
+            </a:endParaRPr>
+          </a:p>
+          <a:p>
+            <a:endParaRPr b="0" lang="en-IE" sz="2000" spc="-1" strike="noStrike">
+              <a:latin typeface="Arial"/>
+            </a:endParaRPr>
+          </a:p>
+          <a:p>
+            <a:r>
+              <a:rPr b="0" lang="en-IE" sz="2000" spc="-1" strike="noStrike">
+                <a:latin typeface="Arial"/>
+              </a:rPr>
+              <a:t>We were going to be using Ajax with jQuery and not the plain JavaScript version. You could use JJX which JavaScript is a little bit more complicated.</a:t>
+            </a:r>
+            <a:endParaRPr b="0" lang="en-IE" sz="2000" spc="-1" strike="noStrike">
+              <a:latin typeface="Arial"/>
+            </a:endParaRPr>
+          </a:p>
+          <a:p>
+            <a:endParaRPr b="0" lang="en-IE" sz="2000" spc="-1" strike="noStrike">
+              <a:latin typeface="Arial"/>
+            </a:endParaRPr>
+          </a:p>
+          <a:p>
+            <a:r>
+              <a:rPr b="0" lang="en-IE" sz="2000" spc="-1" strike="noStrike">
+                <a:latin typeface="Arial"/>
+              </a:rPr>
+              <a:t>I just reckon it's jump straight to jQuery, it makes life a lot easier. jQuery is a language that's based on JavaScript. It expands JavaScript to make life easier.</a:t>
+            </a:r>
+            <a:endParaRPr b="0" lang="en-IE" sz="2000" spc="-1" strike="noStrike">
+              <a:latin typeface="Arial"/>
+            </a:endParaRPr>
+          </a:p>
+        </p:txBody>
+      </p:sp>
+    </p:spTree>
+  </p:cSld>
+</p:notes>
+</file>
+
+<file path=ppt/notesSlides/notesSlide3.xml><?xml version="1.0" encoding="utf-8"?>
+<p:notes xmlns:a="http://schemas.openxmlformats.org/drawingml/2006/main" xmlns:p="http://schemas.openxmlformats.org/presentationml/2006/main" xmlns:r="http://schemas.openxmlformats.org/officeDocument/2006/relationships" xmlns:p14="http://schemas.microsoft.com/office/powerpoint/2010/main" xmlns:p15="http://schemas.microsoft.com/office/powerpoint/2012/main" xmlns:mc="http://schemas.openxmlformats.org/markup-compatibility/2006">
+  <p:cSld>
+    <p:spTree>
+      <p:nvGrpSpPr>
+        <p:cNvPr id="1" name=""/>
+        <p:cNvGrpSpPr/>
+        <p:nvPr/>
+      </p:nvGrpSpPr>
+      <p:grpSpPr>
+        <a:xfrm>
+          <a:off x="0" y="0"/>
+          <a:ext cx="0" cy="0"/>
+          <a:chOff x="0" y="0"/>
+          <a:chExt cx="0" cy="0"/>
+        </a:xfrm>
+      </p:grpSpPr>
+      <p:sp>
+        <p:nvSpPr>
+          <p:cNvPr id="131" name="PlaceHolder 1"/>
+          <p:cNvSpPr>
+            <a:spLocks noGrp="1"/>
+          </p:cNvSpPr>
+          <p:nvPr>
+            <p:ph type="sldImg"/>
+          </p:nvPr>
+        </p:nvSpPr>
+        <p:spPr>
+          <a:xfrm>
+            <a:off x="216000" y="812520"/>
+            <a:ext cx="7127280" cy="4008960"/>
+          </a:xfrm>
+          <a:prstGeom prst="rect">
+            <a:avLst/>
+          </a:prstGeom>
+          <a:ln w="0">
+            <a:noFill/>
+          </a:ln>
+        </p:spPr>
+      </p:sp>
+      <p:sp>
+        <p:nvSpPr>
+          <p:cNvPr id="132" name="PlaceHolder 2"/>
+          <p:cNvSpPr>
+            <a:spLocks noGrp="1"/>
+          </p:cNvSpPr>
+          <p:nvPr>
+            <p:ph type="body"/>
+          </p:nvPr>
+        </p:nvSpPr>
+        <p:spPr>
+          <a:xfrm>
+            <a:off x="90000" y="5078520"/>
+            <a:ext cx="7335000" cy="5451480"/>
+          </a:xfrm>
+          <a:prstGeom prst="rect">
+            <a:avLst/>
+          </a:prstGeom>
+          <a:noFill/>
+          <a:ln w="0">
+            <a:noFill/>
+          </a:ln>
+        </p:spPr>
+        <p:txBody>
+          <a:bodyPr lIns="0" rIns="0" tIns="0" bIns="0" anchor="t">
+            <a:noAutofit/>
+          </a:bodyPr>
+          <a:p>
+            <a:r>
+              <a:rPr b="0" lang="en-IE" sz="2000" spc="-1" strike="noStrike">
+                <a:latin typeface="Arial"/>
+              </a:rPr>
+              <a:t>XML HTTP request object. This is done in JavaScript and then it will send that HTTP request like we did with Python through the Internet to the server</a:t>
+            </a:r>
+            <a:endParaRPr b="0" lang="en-IE" sz="2000" spc="-1" strike="noStrike">
+              <a:latin typeface="Arial"/>
+            </a:endParaRPr>
+          </a:p>
+        </p:txBody>
+      </p:sp>
+    </p:spTree>
+  </p:cSld>
+</p:notes>
+</file>
+
+<file path=ppt/notesSlides/notesSlide4.xml><?xml version="1.0" encoding="utf-8"?>
+<p:notes xmlns:a="http://schemas.openxmlformats.org/drawingml/2006/main" xmlns:p="http://schemas.openxmlformats.org/presentationml/2006/main" xmlns:r="http://schemas.openxmlformats.org/officeDocument/2006/relationships" xmlns:p14="http://schemas.microsoft.com/office/powerpoint/2010/main" xmlns:p15="http://schemas.microsoft.com/office/powerpoint/2012/main" xmlns:mc="http://schemas.openxmlformats.org/markup-compatibility/2006">
+  <p:cSld>
+    <p:spTree>
+      <p:nvGrpSpPr>
+        <p:cNvPr id="1" name=""/>
+        <p:cNvGrpSpPr/>
+        <p:nvPr/>
+      </p:nvGrpSpPr>
+      <p:grpSpPr>
+        <a:xfrm>
+          <a:off x="0" y="0"/>
+          <a:ext cx="0" cy="0"/>
+          <a:chOff x="0" y="0"/>
+          <a:chExt cx="0" cy="0"/>
+        </a:xfrm>
+      </p:grpSpPr>
+      <p:sp>
+        <p:nvSpPr>
+          <p:cNvPr id="133" name="PlaceHolder 1"/>
+          <p:cNvSpPr>
+            <a:spLocks noGrp="1"/>
+          </p:cNvSpPr>
+          <p:nvPr>
+            <p:ph type="sldImg"/>
+          </p:nvPr>
+        </p:nvSpPr>
+        <p:spPr>
+          <a:xfrm>
+            <a:off x="216000" y="812520"/>
+            <a:ext cx="7127280" cy="4008960"/>
+          </a:xfrm>
+          <a:prstGeom prst="rect">
+            <a:avLst/>
+          </a:prstGeom>
+          <a:ln w="0">
+            <a:noFill/>
+          </a:ln>
+        </p:spPr>
+      </p:sp>
+      <p:sp>
+        <p:nvSpPr>
+          <p:cNvPr id="134" name="PlaceHolder 2"/>
+          <p:cNvSpPr>
+            <a:spLocks noGrp="1"/>
+          </p:cNvSpPr>
+          <p:nvPr>
+            <p:ph type="body"/>
+          </p:nvPr>
+        </p:nvSpPr>
+        <p:spPr>
+          <a:xfrm>
+            <a:off x="90000" y="5078520"/>
+            <a:ext cx="7380000" cy="5496480"/>
+          </a:xfrm>
+          <a:prstGeom prst="rect">
+            <a:avLst/>
+          </a:prstGeom>
+          <a:noFill/>
+          <a:ln w="0">
+            <a:noFill/>
+          </a:ln>
+        </p:spPr>
+        <p:txBody>
+          <a:bodyPr lIns="0" rIns="0" tIns="0" bIns="0" anchor="t">
+            <a:noAutofit/>
+          </a:bodyPr>
+          <a:p>
+            <a:r>
+              <a:rPr b="0" lang="en-IE" sz="2000" spc="-1" strike="noStrike">
+                <a:latin typeface="Arial"/>
+              </a:rPr>
+              <a:t>So let's have a look at this JSON. This is by the way Jason that would often get sent with the jQuery Ajax calls.</a:t>
+            </a:r>
+            <a:endParaRPr b="0" lang="en-IE" sz="2000" spc="-1" strike="noStrike">
+              <a:latin typeface="Arial"/>
+            </a:endParaRPr>
+          </a:p>
+          <a:p>
+            <a:endParaRPr b="0" lang="en-IE" sz="2000" spc="-1" strike="noStrike">
+              <a:latin typeface="Arial"/>
+            </a:endParaRPr>
+          </a:p>
+          <a:p>
+            <a:r>
+              <a:rPr b="0" lang="en-IE" sz="2000" spc="-1" strike="noStrike">
+                <a:latin typeface="Arial"/>
+              </a:rPr>
+              <a:t>So here is a JSON object you put into your loft and put this into the Ajax calls. </a:t>
+            </a:r>
+            <a:endParaRPr b="0" lang="en-IE" sz="2000" spc="-1" strike="noStrike">
+              <a:latin typeface="Arial"/>
+            </a:endParaRPr>
+          </a:p>
+          <a:p>
+            <a:endParaRPr b="0" lang="en-IE" sz="2000" spc="-1" strike="noStrike">
+              <a:latin typeface="Arial"/>
+            </a:endParaRPr>
+          </a:p>
+          <a:p>
+            <a:r>
+              <a:rPr b="0" lang="en-IE" sz="2000" spc="-1" strike="noStrike">
+                <a:latin typeface="Arial"/>
+              </a:rPr>
+              <a:t>Url, METHOD IS GET (So they could GET, POST, PUT, DELETE, or whatever), data is the data that you're sending up inside the HTTP request body. Often this will be an adjacent format.Data type is the data that's coming back (json etc). On success it will call the function with a result. In my case I just output a console log. If there's an error, it calls the second function, which has XHR which is the header of the response, the status and an error code. So you can do some debugging if that happens. So as I said there are 6 attributes URL, method, data, data type, success and error. That data types is function, because JavaScript you can have functions like Python you can have functions as those variables</a:t>
+            </a:r>
+            <a:endParaRPr b="0" lang="en-IE" sz="2000" spc="-1" strike="noStrike">
+              <a:latin typeface="Arial"/>
+            </a:endParaRPr>
+          </a:p>
+        </p:txBody>
+      </p:sp>
+    </p:spTree>
+  </p:cSld>
+</p:notes>
+</file>
+
+<file path=ppt/notesSlides/notesSlide5.xml><?xml version="1.0" encoding="utf-8"?>
+<p:notes xmlns:a="http://schemas.openxmlformats.org/drawingml/2006/main" xmlns:p="http://schemas.openxmlformats.org/presentationml/2006/main" xmlns:r="http://schemas.openxmlformats.org/officeDocument/2006/relationships" xmlns:p14="http://schemas.microsoft.com/office/powerpoint/2010/main" xmlns:p15="http://schemas.microsoft.com/office/powerpoint/2012/main" xmlns:mc="http://schemas.openxmlformats.org/markup-compatibility/2006">
+  <p:cSld>
+    <p:spTree>
+      <p:nvGrpSpPr>
+        <p:cNvPr id="1" name=""/>
+        <p:cNvGrpSpPr/>
+        <p:nvPr/>
+      </p:nvGrpSpPr>
+      <p:grpSpPr>
+        <a:xfrm>
+          <a:off x="0" y="0"/>
+          <a:ext cx="0" cy="0"/>
+          <a:chOff x="0" y="0"/>
+          <a:chExt cx="0" cy="0"/>
+        </a:xfrm>
+      </p:grpSpPr>
+      <p:sp>
+        <p:nvSpPr>
+          <p:cNvPr id="135" name="PlaceHolder 1"/>
+          <p:cNvSpPr>
+            <a:spLocks noGrp="1"/>
+          </p:cNvSpPr>
+          <p:nvPr>
+            <p:ph type="sldImg"/>
+          </p:nvPr>
+        </p:nvSpPr>
+        <p:spPr>
+          <a:xfrm>
+            <a:off x="216000" y="812520"/>
+            <a:ext cx="7127280" cy="4008960"/>
+          </a:xfrm>
+          <a:prstGeom prst="rect">
+            <a:avLst/>
+          </a:prstGeom>
+          <a:ln w="0">
+            <a:noFill/>
+          </a:ln>
+        </p:spPr>
+      </p:sp>
+      <p:sp>
+        <p:nvSpPr>
+          <p:cNvPr id="136" name="PlaceHolder 2"/>
+          <p:cNvSpPr>
+            <a:spLocks noGrp="1"/>
+          </p:cNvSpPr>
+          <p:nvPr>
+            <p:ph type="body"/>
+          </p:nvPr>
+        </p:nvSpPr>
+        <p:spPr>
+          <a:xfrm>
+            <a:off x="755640" y="5078520"/>
+            <a:ext cx="6047280" cy="4810680"/>
+          </a:xfrm>
+          <a:prstGeom prst="rect">
+            <a:avLst/>
+          </a:prstGeom>
+          <a:noFill/>
+          <a:ln w="0">
+            <a:noFill/>
+          </a:ln>
+        </p:spPr>
+        <p:txBody>
+          <a:bodyPr lIns="0" rIns="0" tIns="0" bIns="0" anchor="t">
+            <a:noAutofit/>
+          </a:bodyPr>
+          <a:p>
+            <a:r>
+              <a:rPr b="0" lang="en-IE" sz="2000" spc="-1" strike="noStrike">
+                <a:latin typeface="Arial"/>
+              </a:rPr>
+              <a:t>It gets run often that the jQuery gets run on the page to put the JavaScript that's required on the page afterwards. So when you're dealing with dynamic pages it can be a bit squiffy, can be a bit strange, so just be aware of that. But first of all for us you'll just need the magic line of code at the beginning, which in the head say script and you look for the source, </a:t>
+            </a:r>
+            <a:r>
+              <a:rPr b="0" lang="en-IE" sz="2000" spc="-1" strike="noStrike">
+                <a:latin typeface="Arial"/>
+                <a:hlinkClick r:id="rId1"/>
+              </a:rPr>
+              <a:t>https://ajaxgoogleapis.com</a:t>
+            </a:r>
+            <a:r>
+              <a:rPr b="0" lang="en-IE" sz="2000" spc="-1" strike="noStrike">
+                <a:latin typeface="Arial"/>
+              </a:rPr>
+              <a:t>, Ajax libs, jQuery, whatever the version is and min is where it's basically compacted to make it really small so it comes down off the Internet as quickly as possible.</a:t>
+            </a:r>
+            <a:endParaRPr b="0" lang="en-IE" sz="2000" spc="-1" strike="noStrike">
+              <a:latin typeface="Arial"/>
+            </a:endParaRPr>
+          </a:p>
+          <a:p>
+            <a:r>
+              <a:rPr b="0" lang="en-IE" sz="2000" spc="-1" strike="noStrike">
+                <a:latin typeface="Arial"/>
+              </a:rPr>
+              <a:t> </a:t>
+            </a:r>
+            <a:r>
+              <a:rPr b="0" lang="en-IE" sz="2000" spc="-1" strike="noStrike">
+                <a:latin typeface="Arial"/>
+              </a:rPr>
+              <a:t>with jQuery. You may also hear things like Angular and React. They also built on top of these, again to make interactive interactive pages.  </a:t>
+            </a:r>
+            <a:endParaRPr b="0" lang="en-IE" sz="2000" spc="-1" strike="noStrike">
+              <a:latin typeface="Arial"/>
+            </a:endParaRPr>
+          </a:p>
+        </p:txBody>
+      </p:sp>
+    </p:spTree>
+  </p:cSld>
+</p:notes>
+</file>
+
+<file path=ppt/notesSlides/notesSlide6.xml><?xml version="1.0" encoding="utf-8"?>
+<p:notes xmlns:a="http://schemas.openxmlformats.org/drawingml/2006/main" xmlns:p="http://schemas.openxmlformats.org/presentationml/2006/main" xmlns:r="http://schemas.openxmlformats.org/officeDocument/2006/relationships" xmlns:p14="http://schemas.microsoft.com/office/powerpoint/2010/main" xmlns:p15="http://schemas.microsoft.com/office/powerpoint/2012/main" xmlns:mc="http://schemas.openxmlformats.org/markup-compatibility/2006">
+  <p:cSld>
+    <p:spTree>
+      <p:nvGrpSpPr>
+        <p:cNvPr id="1" name=""/>
+        <p:cNvGrpSpPr/>
+        <p:nvPr/>
+      </p:nvGrpSpPr>
+      <p:grpSpPr>
+        <a:xfrm>
+          <a:off x="0" y="0"/>
+          <a:ext cx="0" cy="0"/>
+          <a:chOff x="0" y="0"/>
+          <a:chExt cx="0" cy="0"/>
+        </a:xfrm>
+      </p:grpSpPr>
+      <p:sp>
+        <p:nvSpPr>
+          <p:cNvPr id="137" name="PlaceHolder 1"/>
+          <p:cNvSpPr>
+            <a:spLocks noGrp="1"/>
+          </p:cNvSpPr>
+          <p:nvPr>
+            <p:ph type="sldImg"/>
+          </p:nvPr>
+        </p:nvSpPr>
+        <p:spPr>
+          <a:xfrm>
+            <a:off x="216000" y="812520"/>
+            <a:ext cx="7127280" cy="4008960"/>
+          </a:xfrm>
+          <a:prstGeom prst="rect">
+            <a:avLst/>
+          </a:prstGeom>
+          <a:ln w="0">
+            <a:noFill/>
+          </a:ln>
+        </p:spPr>
+      </p:sp>
+      <p:sp>
+        <p:nvSpPr>
+          <p:cNvPr id="138" name="PlaceHolder 2"/>
+          <p:cNvSpPr>
+            <a:spLocks noGrp="1"/>
+          </p:cNvSpPr>
+          <p:nvPr>
+            <p:ph type="body"/>
+          </p:nvPr>
+        </p:nvSpPr>
+        <p:spPr>
+          <a:xfrm>
+            <a:off x="27720" y="4905000"/>
+            <a:ext cx="7487280" cy="5715000"/>
+          </a:xfrm>
+          <a:prstGeom prst="rect">
+            <a:avLst/>
+          </a:prstGeom>
+          <a:noFill/>
+          <a:ln w="0">
+            <a:noFill/>
+          </a:ln>
+        </p:spPr>
+        <p:txBody>
+          <a:bodyPr lIns="0" rIns="0" tIns="0" bIns="0" anchor="t">
+            <a:noAutofit/>
+          </a:bodyPr>
+          <a:p>
+            <a:r>
+              <a:rPr b="0" lang="en-IE" sz="2000" spc="-1" strike="noStrike">
+                <a:latin typeface="Arial"/>
+              </a:rPr>
+              <a:t>Dot Ajax open round brackets and then there's the JSON object URL, the method which is GET in this case, no data being passed up, the data type is JSON. On success, we'll just print out the result and on error we'll print out the result.</a:t>
+            </a:r>
+            <a:endParaRPr b="0" lang="en-IE" sz="2000" spc="-1" strike="noStrike">
+              <a:latin typeface="Arial"/>
+            </a:endParaRPr>
+          </a:p>
+        </p:txBody>
+      </p:sp>
+    </p:spTree>
+  </p:cSld>
+</p:notes>
+</file>
+
+<file path=ppt/notesSlides/notesSlide8.xml><?xml version="1.0" encoding="utf-8"?>
+<p:notes xmlns:a="http://schemas.openxmlformats.org/drawingml/2006/main" xmlns:p="http://schemas.openxmlformats.org/presentationml/2006/main" xmlns:r="http://schemas.openxmlformats.org/officeDocument/2006/relationships" xmlns:p14="http://schemas.microsoft.com/office/powerpoint/2010/main" xmlns:p15="http://schemas.microsoft.com/office/powerpoint/2012/main" xmlns:mc="http://schemas.openxmlformats.org/markup-compatibility/2006">
+  <p:cSld>
+    <p:spTree>
+      <p:nvGrpSpPr>
+        <p:cNvPr id="1" name=""/>
+        <p:cNvGrpSpPr/>
+        <p:nvPr/>
+      </p:nvGrpSpPr>
+      <p:grpSpPr>
+        <a:xfrm>
+          <a:off x="0" y="0"/>
+          <a:ext cx="0" cy="0"/>
+          <a:chOff x="0" y="0"/>
+          <a:chExt cx="0" cy="0"/>
+        </a:xfrm>
+      </p:grpSpPr>
+      <p:sp>
+        <p:nvSpPr>
+          <p:cNvPr id="139" name="PlaceHolder 1"/>
+          <p:cNvSpPr>
+            <a:spLocks noGrp="1"/>
+          </p:cNvSpPr>
+          <p:nvPr>
+            <p:ph type="sldImg"/>
+          </p:nvPr>
+        </p:nvSpPr>
+        <p:spPr>
+          <a:xfrm>
+            <a:off x="216000" y="812520"/>
+            <a:ext cx="7127280" cy="4008960"/>
+          </a:xfrm>
+          <a:prstGeom prst="rect">
+            <a:avLst/>
+          </a:prstGeom>
+          <a:ln w="0">
+            <a:noFill/>
+          </a:ln>
+        </p:spPr>
+      </p:sp>
+      <p:sp>
+        <p:nvSpPr>
+          <p:cNvPr id="140" name="PlaceHolder 2"/>
+          <p:cNvSpPr>
+            <a:spLocks noGrp="1"/>
+          </p:cNvSpPr>
+          <p:nvPr>
+            <p:ph type="body"/>
+          </p:nvPr>
+        </p:nvSpPr>
+        <p:spPr>
+          <a:xfrm>
+            <a:off x="90000" y="5078520"/>
+            <a:ext cx="7469640" cy="5383440"/>
+          </a:xfrm>
+          <a:prstGeom prst="rect">
+            <a:avLst/>
+          </a:prstGeom>
+          <a:noFill/>
+          <a:ln w="0">
+            <a:noFill/>
+          </a:ln>
+        </p:spPr>
+        <p:txBody>
+          <a:bodyPr lIns="0" rIns="0" tIns="0" bIns="0" anchor="t">
+            <a:noAutofit/>
+          </a:bodyPr>
+          <a:p>
+            <a:r>
+              <a:rPr b="0" lang="en-IE" sz="2000" spc="-1" strike="noStrike">
+                <a:latin typeface="Arial"/>
+              </a:rPr>
+              <a:t>So if you put this together here is a quick HTML page. I'll run this down in a second so HTML, HTML. There's the tags and the markup language. As I said, it looks very like XML ahead,so inside the head of the page there is the magic piece of code that you need to put in Google apis.com Ajax/ libs, jQuery and the version and then the min version which again is compact one. It's much harder to read. If you go to that one, the Max is easy to read, little uh just the title of the page and then inside the body I have the HTML. Body just has one button which says when it calls on click it calls read JSON and the button has go in it and then there's the script. So the script read function, all the read function does is it calls Ajax.</a:t>
+            </a:r>
+            <a:endParaRPr b="0" lang="en-IE" sz="2000" spc="-1" strike="noStrike">
+              <a:latin typeface="Arial"/>
+            </a:endParaRPr>
+          </a:p>
+          <a:p>
+            <a:r>
+              <a:rPr b="0" lang="en-IE" sz="2000" spc="-1" strike="noStrike">
+                <a:latin typeface="Arial"/>
+              </a:rPr>
+              <a:t>The function then ends, but when the Ajax returns sometime far far in the distant future, it will call, hopefully success, and it will log out the result.</a:t>
+            </a:r>
+            <a:endParaRPr b="0" lang="en-IE" sz="2000" spc="-1" strike="noStrike">
+              <a:latin typeface="Arial"/>
+            </a:endParaRPr>
+          </a:p>
+          <a:p>
+            <a:endParaRPr b="0" lang="en-IE" sz="2000" spc="-1" strike="noStrike">
+              <a:latin typeface="Arial"/>
+            </a:endParaRPr>
+          </a:p>
+          <a:p>
+            <a:r>
+              <a:rPr b="0" lang="en-IE" sz="2000" spc="-1" strike="noStrike">
+                <a:latin typeface="Arial"/>
+              </a:rPr>
+              <a:t>m9ajax1-readSimple.html (remember to open, right click, copy path, open in browser), my9coindesk is its json</a:t>
+            </a:r>
+            <a:endParaRPr b="0" lang="en-IE" sz="2000" spc="-1" strike="noStrike">
+              <a:latin typeface="Arial"/>
+            </a:endParaRPr>
+          </a:p>
+          <a:p>
+            <a:endParaRPr b="0" lang="en-IE" sz="2000" spc="-1" strike="noStrike">
+              <a:latin typeface="Arial"/>
+            </a:endParaRPr>
+          </a:p>
+        </p:txBody>
+      </p:sp>
+    </p:spTree>
+  </p:cSld>
+</p:notes>
+</file>
+
+<file path=ppt/notesSlides/notesSlide9.xml><?xml version="1.0" encoding="utf-8"?>
+<p:notes xmlns:a="http://schemas.openxmlformats.org/drawingml/2006/main" xmlns:p="http://schemas.openxmlformats.org/presentationml/2006/main" xmlns:r="http://schemas.openxmlformats.org/officeDocument/2006/relationships" xmlns:p14="http://schemas.microsoft.com/office/powerpoint/2010/main" xmlns:p15="http://schemas.microsoft.com/office/powerpoint/2012/main" xmlns:mc="http://schemas.openxmlformats.org/markup-compatibility/2006">
+  <p:cSld>
+    <p:spTree>
+      <p:nvGrpSpPr>
+        <p:cNvPr id="1" name=""/>
+        <p:cNvGrpSpPr/>
+        <p:nvPr/>
+      </p:nvGrpSpPr>
+      <p:grpSpPr>
+        <a:xfrm>
+          <a:off x="0" y="0"/>
+          <a:ext cx="0" cy="0"/>
+          <a:chOff x="0" y="0"/>
+          <a:chExt cx="0" cy="0"/>
+        </a:xfrm>
+      </p:grpSpPr>
+      <p:sp>
+        <p:nvSpPr>
+          <p:cNvPr id="141" name="PlaceHolder 1"/>
+          <p:cNvSpPr>
+            <a:spLocks noGrp="1"/>
+          </p:cNvSpPr>
+          <p:nvPr>
+            <p:ph type="sldImg"/>
+          </p:nvPr>
+        </p:nvSpPr>
+        <p:spPr>
+          <a:xfrm>
+            <a:off x="216000" y="812520"/>
+            <a:ext cx="7127280" cy="4008960"/>
+          </a:xfrm>
+          <a:prstGeom prst="rect">
+            <a:avLst/>
+          </a:prstGeom>
+          <a:ln w="0">
+            <a:noFill/>
+          </a:ln>
+        </p:spPr>
+      </p:sp>
+      <p:sp>
+        <p:nvSpPr>
+          <p:cNvPr id="142" name="PlaceHolder 2"/>
+          <p:cNvSpPr>
+            <a:spLocks noGrp="1"/>
+          </p:cNvSpPr>
+          <p:nvPr>
+            <p:ph type="body"/>
+          </p:nvPr>
+        </p:nvSpPr>
+        <p:spPr>
+          <a:xfrm>
+            <a:off x="755640" y="5078520"/>
+            <a:ext cx="6047280" cy="4810680"/>
+          </a:xfrm>
+          <a:prstGeom prst="rect">
+            <a:avLst/>
+          </a:prstGeom>
+          <a:noFill/>
+          <a:ln w="0">
+            <a:noFill/>
+          </a:ln>
+        </p:spPr>
+        <p:txBody>
+          <a:bodyPr lIns="0" rIns="0" tIns="0" bIns="0" anchor="t">
+            <a:noAutofit/>
+          </a:bodyPr>
+          <a:p>
+            <a:r>
+              <a:rPr b="0" lang="en-IE" sz="2000" spc="-1" strike="noStrike">
+                <a:latin typeface="Arial"/>
+              </a:rPr>
+              <a:t>I have the result and you get the BPI and then from there you get the Euro and then you get the rate. No square brackets, no inverted commas. This is a JavaScript object, so you can just get the attribute directly with dots and then you could print out the rate.</a:t>
+            </a:r>
+            <a:endParaRPr b="0" lang="en-IE" sz="2000" spc="-1" strike="noStrike">
+              <a:latin typeface="Arial"/>
+            </a:endParaRPr>
+          </a:p>
+          <a:p>
+            <a:endParaRPr b="0" lang="en-IE" sz="2000" spc="-1" strike="noStrike">
+              <a:latin typeface="Arial"/>
+            </a:endParaRPr>
+          </a:p>
+          <a:p>
+            <a:r>
+              <a:rPr b="0" lang="en-IE" sz="2000" spc="-1" strike="noStrike">
+                <a:latin typeface="Arial"/>
+              </a:rPr>
+              <a:t>m9ajax1-readSimple.html (remember to open, right click, copy path, open in browser), my9coindesk is its json</a:t>
+            </a:r>
+            <a:endParaRPr b="0" lang="en-IE" sz="2000" spc="-1" strike="noStrike">
+              <a:latin typeface="Arial"/>
+            </a:endParaRPr>
+          </a:p>
+          <a:p>
+            <a:endParaRPr b="0" lang="en-IE" sz="2000" spc="-1" strike="noStrike">
+              <a:latin typeface="Arial"/>
+            </a:endParaRPr>
+          </a:p>
+          <a:p>
+            <a:r>
+              <a:rPr b="0" lang="en-IE" sz="2000" spc="-1" strike="noStrike">
+                <a:latin typeface="Arial"/>
+              </a:rPr>
+              <a:t>To comment out in html is //</a:t>
+            </a:r>
+            <a:endParaRPr b="0" lang="en-IE" sz="2000" spc="-1" strike="noStrike">
+              <a:latin typeface="Arial"/>
+            </a:endParaRPr>
+          </a:p>
+          <a:p>
             <a:endParaRPr b="0" lang="en-IE" sz="2000" spc="-1" strike="noStrike">
               <a:latin typeface="Arial"/>
             </a:endParaRPr>
@@ -432,7 +1360,7 @@
             <a:spLocks noGrp="1"/>
           </p:cNvSpPr>
           <p:nvPr>
-            <p:ph type="ftr" idx="2"/>
+            <p:ph type="ftr" idx="1"/>
           </p:nvPr>
         </p:nvSpPr>
         <p:spPr/>
@@ -452,14 +1380,14 @@
             <a:spLocks noGrp="1"/>
           </p:cNvSpPr>
           <p:nvPr>
-            <p:ph type="sldNum" idx="3"/>
+            <p:ph type="sldNum" idx="2"/>
           </p:nvPr>
         </p:nvSpPr>
         <p:spPr/>
         <p:txBody>
           <a:bodyPr/>
           <a:p>
-            <a:fld id="{94A19732-80C4-41C5-B0C8-9D825E318CA1}" type="slidenum">
+            <a:fld id="{163DC9E9-E475-4A34-8F9C-AA35773245CB}" type="slidenum">
               <a:t>&lt;#&gt;</a:t>
             </a:fld>
           </a:p>
@@ -472,7 +1400,7 @@
             <a:spLocks noGrp="1"/>
           </p:cNvSpPr>
           <p:nvPr>
-            <p:ph type="dt" idx="1"/>
+            <p:ph type="dt" idx="3"/>
           </p:nvPr>
         </p:nvSpPr>
         <p:spPr/>
@@ -520,8 +1448,8 @@
         </p:nvSpPr>
         <p:spPr>
           <a:xfrm>
-            <a:off x="1069920" y="484560"/>
-            <a:ext cx="10058040" cy="1608840"/>
+            <a:off x="609480" y="273600"/>
+            <a:ext cx="10972440" cy="1144800"/>
           </a:xfrm>
           <a:prstGeom prst="rect">
             <a:avLst/>
@@ -536,11 +1464,11 @@
             <a:noAutofit/>
           </a:bodyPr>
           <a:p>
-            <a:endParaRPr b="0" lang="en-US" sz="1800" spc="-1" strike="noStrike">
-              <a:solidFill>
-                <a:srgbClr val="000000"/>
-              </a:solidFill>
-              <a:latin typeface="Rockwell"/>
+            <a:pPr algn="ctr">
+              <a:buNone/>
+            </a:pPr>
+            <a:endParaRPr b="0" lang="en-IE" sz="4400" spc="-1" strike="noStrike">
+              <a:latin typeface="Arial"/>
             </a:endParaRPr>
           </a:p>
         </p:txBody>
@@ -557,8 +1485,8 @@
         </p:nvSpPr>
         <p:spPr>
           <a:xfrm>
-            <a:off x="1069920" y="2121480"/>
-            <a:ext cx="10058040" cy="1931760"/>
+            <a:off x="609480" y="1604520"/>
+            <a:ext cx="10972440" cy="1896840"/>
           </a:xfrm>
           <a:prstGeom prst="rect">
             <a:avLst/>
@@ -573,20 +1501,8 @@
             <a:normAutofit/>
           </a:bodyPr>
           <a:p>
-            <a:pPr>
-              <a:lnSpc>
-                <a:spcPct val="90000"/>
-              </a:lnSpc>
-              <a:spcBef>
-                <a:spcPts val="1417"/>
-              </a:spcBef>
-              <a:buNone/>
-            </a:pPr>
-            <a:endParaRPr b="0" lang="en-US" sz="2000" spc="-1" strike="noStrike">
-              <a:solidFill>
-                <a:srgbClr val="000000"/>
-              </a:solidFill>
-              <a:latin typeface="Rockwell"/>
+            <a:endParaRPr b="0" lang="en-IE" sz="3200" spc="-1" strike="noStrike">
+              <a:latin typeface="Arial"/>
             </a:endParaRPr>
           </a:p>
         </p:txBody>
@@ -603,8 +1519,8 @@
         </p:nvSpPr>
         <p:spPr>
           <a:xfrm>
-            <a:off x="1069920" y="4237200"/>
-            <a:ext cx="10058040" cy="1931760"/>
+            <a:off x="609480" y="3682080"/>
+            <a:ext cx="10972440" cy="1896840"/>
           </a:xfrm>
           <a:prstGeom prst="rect">
             <a:avLst/>
@@ -619,20 +1535,8 @@
             <a:normAutofit/>
           </a:bodyPr>
           <a:p>
-            <a:pPr>
-              <a:lnSpc>
-                <a:spcPct val="90000"/>
-              </a:lnSpc>
-              <a:spcBef>
-                <a:spcPts val="1417"/>
-              </a:spcBef>
-              <a:buNone/>
-            </a:pPr>
-            <a:endParaRPr b="0" lang="en-US" sz="2000" spc="-1" strike="noStrike">
-              <a:solidFill>
-                <a:srgbClr val="000000"/>
-              </a:solidFill>
-              <a:latin typeface="Rockwell"/>
+            <a:endParaRPr b="0" lang="en-IE" sz="3200" spc="-1" strike="noStrike">
+              <a:latin typeface="Arial"/>
             </a:endParaRPr>
           </a:p>
         </p:txBody>
@@ -644,7 +1548,7 @@
             <a:spLocks noGrp="1"/>
           </p:cNvSpPr>
           <p:nvPr>
-            <p:ph type="ftr" idx="2"/>
+            <p:ph type="ftr" idx="1"/>
           </p:nvPr>
         </p:nvSpPr>
         <p:spPr/>
@@ -664,14 +1568,14 @@
             <a:spLocks noGrp="1"/>
           </p:cNvSpPr>
           <p:nvPr>
-            <p:ph type="sldNum" idx="3"/>
+            <p:ph type="sldNum" idx="2"/>
           </p:nvPr>
         </p:nvSpPr>
         <p:spPr/>
         <p:txBody>
           <a:bodyPr/>
           <a:p>
-            <a:fld id="{D1677213-4C52-49EA-8754-B9BAC30822F1}" type="slidenum">
+            <a:fld id="{4390BC36-78F4-49C2-8C88-DBD45C6A5876}" type="slidenum">
               <a:t>&lt;#&gt;</a:t>
             </a:fld>
           </a:p>
@@ -684,7 +1588,7 @@
             <a:spLocks noGrp="1"/>
           </p:cNvSpPr>
           <p:nvPr>
-            <p:ph type="dt" idx="1"/>
+            <p:ph type="dt" idx="3"/>
           </p:nvPr>
         </p:nvSpPr>
         <p:spPr/>
@@ -732,8 +1636,8 @@
         </p:nvSpPr>
         <p:spPr>
           <a:xfrm>
-            <a:off x="1069920" y="484560"/>
-            <a:ext cx="10058040" cy="1608840"/>
+            <a:off x="609480" y="273600"/>
+            <a:ext cx="10972440" cy="1144800"/>
           </a:xfrm>
           <a:prstGeom prst="rect">
             <a:avLst/>
@@ -748,11 +1652,11 @@
             <a:noAutofit/>
           </a:bodyPr>
           <a:p>
-            <a:endParaRPr b="0" lang="en-US" sz="1800" spc="-1" strike="noStrike">
-              <a:solidFill>
-                <a:srgbClr val="000000"/>
-              </a:solidFill>
-              <a:latin typeface="Rockwell"/>
+            <a:pPr algn="ctr">
+              <a:buNone/>
+            </a:pPr>
+            <a:endParaRPr b="0" lang="en-IE" sz="4400" spc="-1" strike="noStrike">
+              <a:latin typeface="Arial"/>
             </a:endParaRPr>
           </a:p>
         </p:txBody>
@@ -769,8 +1673,8 @@
         </p:nvSpPr>
         <p:spPr>
           <a:xfrm>
-            <a:off x="1069920" y="2121480"/>
-            <a:ext cx="4908240" cy="1931760"/>
+            <a:off x="609480" y="1604520"/>
+            <a:ext cx="5354280" cy="1896840"/>
           </a:xfrm>
           <a:prstGeom prst="rect">
             <a:avLst/>
@@ -785,20 +1689,8 @@
             <a:normAutofit/>
           </a:bodyPr>
           <a:p>
-            <a:pPr>
-              <a:lnSpc>
-                <a:spcPct val="90000"/>
-              </a:lnSpc>
-              <a:spcBef>
-                <a:spcPts val="1417"/>
-              </a:spcBef>
-              <a:buNone/>
-            </a:pPr>
-            <a:endParaRPr b="0" lang="en-US" sz="2000" spc="-1" strike="noStrike">
-              <a:solidFill>
-                <a:srgbClr val="000000"/>
-              </a:solidFill>
-              <a:latin typeface="Rockwell"/>
+            <a:endParaRPr b="0" lang="en-IE" sz="3200" spc="-1" strike="noStrike">
+              <a:latin typeface="Arial"/>
             </a:endParaRPr>
           </a:p>
         </p:txBody>
@@ -815,8 +1707,8 @@
         </p:nvSpPr>
         <p:spPr>
           <a:xfrm>
-            <a:off x="6224040" y="2121480"/>
-            <a:ext cx="4908240" cy="1931760"/>
+            <a:off x="6231960" y="1604520"/>
+            <a:ext cx="5354280" cy="1896840"/>
           </a:xfrm>
           <a:prstGeom prst="rect">
             <a:avLst/>
@@ -831,20 +1723,8 @@
             <a:normAutofit/>
           </a:bodyPr>
           <a:p>
-            <a:pPr>
-              <a:lnSpc>
-                <a:spcPct val="90000"/>
-              </a:lnSpc>
-              <a:spcBef>
-                <a:spcPts val="1417"/>
-              </a:spcBef>
-              <a:buNone/>
-            </a:pPr>
-            <a:endParaRPr b="0" lang="en-US" sz="2000" spc="-1" strike="noStrike">
-              <a:solidFill>
-                <a:srgbClr val="000000"/>
-              </a:solidFill>
-              <a:latin typeface="Rockwell"/>
+            <a:endParaRPr b="0" lang="en-IE" sz="3200" spc="-1" strike="noStrike">
+              <a:latin typeface="Arial"/>
             </a:endParaRPr>
           </a:p>
         </p:txBody>
@@ -861,8 +1741,8 @@
         </p:nvSpPr>
         <p:spPr>
           <a:xfrm>
-            <a:off x="1069920" y="4237200"/>
-            <a:ext cx="4908240" cy="1931760"/>
+            <a:off x="609480" y="3682080"/>
+            <a:ext cx="5354280" cy="1896840"/>
           </a:xfrm>
           <a:prstGeom prst="rect">
             <a:avLst/>
@@ -877,20 +1757,8 @@
             <a:normAutofit/>
           </a:bodyPr>
           <a:p>
-            <a:pPr>
-              <a:lnSpc>
-                <a:spcPct val="90000"/>
-              </a:lnSpc>
-              <a:spcBef>
-                <a:spcPts val="1417"/>
-              </a:spcBef>
-              <a:buNone/>
-            </a:pPr>
-            <a:endParaRPr b="0" lang="en-US" sz="2000" spc="-1" strike="noStrike">
-              <a:solidFill>
-                <a:srgbClr val="000000"/>
-              </a:solidFill>
-              <a:latin typeface="Rockwell"/>
+            <a:endParaRPr b="0" lang="en-IE" sz="3200" spc="-1" strike="noStrike">
+              <a:latin typeface="Arial"/>
             </a:endParaRPr>
           </a:p>
         </p:txBody>
@@ -907,8 +1775,8 @@
         </p:nvSpPr>
         <p:spPr>
           <a:xfrm>
-            <a:off x="6224040" y="4237200"/>
-            <a:ext cx="4908240" cy="1931760"/>
+            <a:off x="6231960" y="3682080"/>
+            <a:ext cx="5354280" cy="1896840"/>
           </a:xfrm>
           <a:prstGeom prst="rect">
             <a:avLst/>
@@ -923,20 +1791,8 @@
             <a:normAutofit/>
           </a:bodyPr>
           <a:p>
-            <a:pPr>
-              <a:lnSpc>
-                <a:spcPct val="90000"/>
-              </a:lnSpc>
-              <a:spcBef>
-                <a:spcPts val="1417"/>
-              </a:spcBef>
-              <a:buNone/>
-            </a:pPr>
-            <a:endParaRPr b="0" lang="en-US" sz="2000" spc="-1" strike="noStrike">
-              <a:solidFill>
-                <a:srgbClr val="000000"/>
-              </a:solidFill>
-              <a:latin typeface="Rockwell"/>
+            <a:endParaRPr b="0" lang="en-IE" sz="3200" spc="-1" strike="noStrike">
+              <a:latin typeface="Arial"/>
             </a:endParaRPr>
           </a:p>
         </p:txBody>
@@ -948,7 +1804,7 @@
             <a:spLocks noGrp="1"/>
           </p:cNvSpPr>
           <p:nvPr>
-            <p:ph type="ftr" idx="2"/>
+            <p:ph type="ftr" idx="1"/>
           </p:nvPr>
         </p:nvSpPr>
         <p:spPr/>
@@ -968,14 +1824,14 @@
             <a:spLocks noGrp="1"/>
           </p:cNvSpPr>
           <p:nvPr>
-            <p:ph type="sldNum" idx="3"/>
+            <p:ph type="sldNum" idx="2"/>
           </p:nvPr>
         </p:nvSpPr>
         <p:spPr/>
         <p:txBody>
           <a:bodyPr/>
           <a:p>
-            <a:fld id="{908D9B92-6EDE-4E93-B3D1-75192DE153E9}" type="slidenum">
+            <a:fld id="{0A1E8856-31C3-4962-8D59-087D5552A41C}" type="slidenum">
               <a:t>&lt;#&gt;</a:t>
             </a:fld>
           </a:p>
@@ -988,7 +1844,7 @@
             <a:spLocks noGrp="1"/>
           </p:cNvSpPr>
           <p:nvPr>
-            <p:ph type="dt" idx="1"/>
+            <p:ph type="dt" idx="3"/>
           </p:nvPr>
         </p:nvSpPr>
         <p:spPr/>
@@ -1036,8 +1892,8 @@
         </p:nvSpPr>
         <p:spPr>
           <a:xfrm>
-            <a:off x="1069920" y="484560"/>
-            <a:ext cx="10058040" cy="1608840"/>
+            <a:off x="609480" y="273600"/>
+            <a:ext cx="10972440" cy="1144800"/>
           </a:xfrm>
           <a:prstGeom prst="rect">
             <a:avLst/>
@@ -1052,11 +1908,11 @@
             <a:noAutofit/>
           </a:bodyPr>
           <a:p>
-            <a:endParaRPr b="0" lang="en-US" sz="1800" spc="-1" strike="noStrike">
-              <a:solidFill>
-                <a:srgbClr val="000000"/>
-              </a:solidFill>
-              <a:latin typeface="Rockwell"/>
+            <a:pPr algn="ctr">
+              <a:buNone/>
+            </a:pPr>
+            <a:endParaRPr b="0" lang="en-IE" sz="4400" spc="-1" strike="noStrike">
+              <a:latin typeface="Arial"/>
             </a:endParaRPr>
           </a:p>
         </p:txBody>
@@ -1073,8 +1929,8 @@
         </p:nvSpPr>
         <p:spPr>
           <a:xfrm>
-            <a:off x="1069920" y="2121480"/>
-            <a:ext cx="3238560" cy="1931760"/>
+            <a:off x="609480" y="1604520"/>
+            <a:ext cx="3533040" cy="1896840"/>
           </a:xfrm>
           <a:prstGeom prst="rect">
             <a:avLst/>
@@ -1089,20 +1945,8 @@
             <a:normAutofit/>
           </a:bodyPr>
           <a:p>
-            <a:pPr>
-              <a:lnSpc>
-                <a:spcPct val="90000"/>
-              </a:lnSpc>
-              <a:spcBef>
-                <a:spcPts val="1417"/>
-              </a:spcBef>
-              <a:buNone/>
-            </a:pPr>
-            <a:endParaRPr b="0" lang="en-US" sz="2000" spc="-1" strike="noStrike">
-              <a:solidFill>
-                <a:srgbClr val="000000"/>
-              </a:solidFill>
-              <a:latin typeface="Rockwell"/>
+            <a:endParaRPr b="0" lang="en-IE" sz="3200" spc="-1" strike="noStrike">
+              <a:latin typeface="Arial"/>
             </a:endParaRPr>
           </a:p>
         </p:txBody>
@@ -1119,8 +1963,8 @@
         </p:nvSpPr>
         <p:spPr>
           <a:xfrm>
-            <a:off x="4470840" y="2121480"/>
-            <a:ext cx="3238560" cy="1931760"/>
+            <a:off x="4319640" y="1604520"/>
+            <a:ext cx="3533040" cy="1896840"/>
           </a:xfrm>
           <a:prstGeom prst="rect">
             <a:avLst/>
@@ -1135,20 +1979,8 @@
             <a:normAutofit/>
           </a:bodyPr>
           <a:p>
-            <a:pPr>
-              <a:lnSpc>
-                <a:spcPct val="90000"/>
-              </a:lnSpc>
-              <a:spcBef>
-                <a:spcPts val="1417"/>
-              </a:spcBef>
-              <a:buNone/>
-            </a:pPr>
-            <a:endParaRPr b="0" lang="en-US" sz="2000" spc="-1" strike="noStrike">
-              <a:solidFill>
-                <a:srgbClr val="000000"/>
-              </a:solidFill>
-              <a:latin typeface="Rockwell"/>
+            <a:endParaRPr b="0" lang="en-IE" sz="3200" spc="-1" strike="noStrike">
+              <a:latin typeface="Arial"/>
             </a:endParaRPr>
           </a:p>
         </p:txBody>
@@ -1165,8 +1997,8 @@
         </p:nvSpPr>
         <p:spPr>
           <a:xfrm>
-            <a:off x="7871760" y="2121480"/>
-            <a:ext cx="3238560" cy="1931760"/>
+            <a:off x="8029800" y="1604520"/>
+            <a:ext cx="3533040" cy="1896840"/>
           </a:xfrm>
           <a:prstGeom prst="rect">
             <a:avLst/>
@@ -1181,20 +2013,8 @@
             <a:normAutofit/>
           </a:bodyPr>
           <a:p>
-            <a:pPr>
-              <a:lnSpc>
-                <a:spcPct val="90000"/>
-              </a:lnSpc>
-              <a:spcBef>
-                <a:spcPts val="1417"/>
-              </a:spcBef>
-              <a:buNone/>
-            </a:pPr>
-            <a:endParaRPr b="0" lang="en-US" sz="2000" spc="-1" strike="noStrike">
-              <a:solidFill>
-                <a:srgbClr val="000000"/>
-              </a:solidFill>
-              <a:latin typeface="Rockwell"/>
+            <a:endParaRPr b="0" lang="en-IE" sz="3200" spc="-1" strike="noStrike">
+              <a:latin typeface="Arial"/>
             </a:endParaRPr>
           </a:p>
         </p:txBody>
@@ -1211,8 +2031,8 @@
         </p:nvSpPr>
         <p:spPr>
           <a:xfrm>
-            <a:off x="1069920" y="4237200"/>
-            <a:ext cx="3238560" cy="1931760"/>
+            <a:off x="609480" y="3682080"/>
+            <a:ext cx="3533040" cy="1896840"/>
           </a:xfrm>
           <a:prstGeom prst="rect">
             <a:avLst/>
@@ -1227,20 +2047,8 @@
             <a:normAutofit/>
           </a:bodyPr>
           <a:p>
-            <a:pPr>
-              <a:lnSpc>
-                <a:spcPct val="90000"/>
-              </a:lnSpc>
-              <a:spcBef>
-                <a:spcPts val="1417"/>
-              </a:spcBef>
-              <a:buNone/>
-            </a:pPr>
-            <a:endParaRPr b="0" lang="en-US" sz="2000" spc="-1" strike="noStrike">
-              <a:solidFill>
-                <a:srgbClr val="000000"/>
-              </a:solidFill>
-              <a:latin typeface="Rockwell"/>
+            <a:endParaRPr b="0" lang="en-IE" sz="3200" spc="-1" strike="noStrike">
+              <a:latin typeface="Arial"/>
             </a:endParaRPr>
           </a:p>
         </p:txBody>
@@ -1257,8 +2065,8 @@
         </p:nvSpPr>
         <p:spPr>
           <a:xfrm>
-            <a:off x="4470840" y="4237200"/>
-            <a:ext cx="3238560" cy="1931760"/>
+            <a:off x="4319640" y="3682080"/>
+            <a:ext cx="3533040" cy="1896840"/>
           </a:xfrm>
           <a:prstGeom prst="rect">
             <a:avLst/>
@@ -1273,20 +2081,8 @@
             <a:normAutofit/>
           </a:bodyPr>
           <a:p>
-            <a:pPr>
-              <a:lnSpc>
-                <a:spcPct val="90000"/>
-              </a:lnSpc>
-              <a:spcBef>
-                <a:spcPts val="1417"/>
-              </a:spcBef>
-              <a:buNone/>
-            </a:pPr>
-            <a:endParaRPr b="0" lang="en-US" sz="2000" spc="-1" strike="noStrike">
-              <a:solidFill>
-                <a:srgbClr val="000000"/>
-              </a:solidFill>
-              <a:latin typeface="Rockwell"/>
+            <a:endParaRPr b="0" lang="en-IE" sz="3200" spc="-1" strike="noStrike">
+              <a:latin typeface="Arial"/>
             </a:endParaRPr>
           </a:p>
         </p:txBody>
@@ -1303,8 +2099,8 @@
         </p:nvSpPr>
         <p:spPr>
           <a:xfrm>
-            <a:off x="7871760" y="4237200"/>
-            <a:ext cx="3238560" cy="1931760"/>
+            <a:off x="8029800" y="3682080"/>
+            <a:ext cx="3533040" cy="1896840"/>
           </a:xfrm>
           <a:prstGeom prst="rect">
             <a:avLst/>
@@ -1319,20 +2115,8 @@
             <a:normAutofit/>
           </a:bodyPr>
           <a:p>
-            <a:pPr>
-              <a:lnSpc>
-                <a:spcPct val="90000"/>
-              </a:lnSpc>
-              <a:spcBef>
-                <a:spcPts val="1417"/>
-              </a:spcBef>
-              <a:buNone/>
-            </a:pPr>
-            <a:endParaRPr b="0" lang="en-US" sz="2000" spc="-1" strike="noStrike">
-              <a:solidFill>
-                <a:srgbClr val="000000"/>
-              </a:solidFill>
-              <a:latin typeface="Rockwell"/>
+            <a:endParaRPr b="0" lang="en-IE" sz="3200" spc="-1" strike="noStrike">
+              <a:latin typeface="Arial"/>
             </a:endParaRPr>
           </a:p>
         </p:txBody>
@@ -1344,7 +2128,7 @@
             <a:spLocks noGrp="1"/>
           </p:cNvSpPr>
           <p:nvPr>
-            <p:ph type="ftr" idx="2"/>
+            <p:ph type="ftr" idx="1"/>
           </p:nvPr>
         </p:nvSpPr>
         <p:spPr/>
@@ -1364,14 +2148,14 @@
             <a:spLocks noGrp="1"/>
           </p:cNvSpPr>
           <p:nvPr>
-            <p:ph type="sldNum" idx="3"/>
+            <p:ph type="sldNum" idx="2"/>
           </p:nvPr>
         </p:nvSpPr>
         <p:spPr/>
         <p:txBody>
           <a:bodyPr/>
           <a:p>
-            <a:fld id="{8E15D15F-BA4A-43C4-B157-8C0C479D8437}" type="slidenum">
+            <a:fld id="{371B4C0A-8C23-48D4-8671-332221AE726B}" type="slidenum">
               <a:t>&lt;#&gt;</a:t>
             </a:fld>
           </a:p>
@@ -1384,7 +2168,7 @@
             <a:spLocks noGrp="1"/>
           </p:cNvSpPr>
           <p:nvPr>
-            <p:ph type="dt" idx="1"/>
+            <p:ph type="dt" idx="3"/>
           </p:nvPr>
         </p:nvSpPr>
         <p:spPr/>
@@ -1427,7 +2211,7 @@
             <a:spLocks noGrp="1"/>
           </p:cNvSpPr>
           <p:nvPr>
-            <p:ph type="ftr" idx="5"/>
+            <p:ph type="ftr" idx="4"/>
           </p:nvPr>
         </p:nvSpPr>
         <p:spPr/>
@@ -1447,14 +2231,14 @@
             <a:spLocks noGrp="1"/>
           </p:cNvSpPr>
           <p:nvPr>
-            <p:ph type="sldNum" idx="6"/>
+            <p:ph type="sldNum" idx="5"/>
           </p:nvPr>
         </p:nvSpPr>
         <p:spPr/>
         <p:txBody>
           <a:bodyPr/>
           <a:p>
-            <a:fld id="{0FBF685B-0E75-43BC-8CC2-467D5E31D78E}" type="slidenum">
+            <a:fld id="{DA2C9DFD-A4A6-438E-832F-30559D9EF962}" type="slidenum">
               <a:t>&lt;#&gt;</a:t>
             </a:fld>
           </a:p>
@@ -1467,7 +2251,7 @@
             <a:spLocks noGrp="1"/>
           </p:cNvSpPr>
           <p:nvPr>
-            <p:ph type="dt" idx="4"/>
+            <p:ph type="dt" idx="6"/>
           </p:nvPr>
         </p:nvSpPr>
         <p:spPr/>
@@ -1515,8 +2299,8 @@
         </p:nvSpPr>
         <p:spPr>
           <a:xfrm>
-            <a:off x="1069920" y="484560"/>
-            <a:ext cx="10058040" cy="1608840"/>
+            <a:off x="609480" y="273600"/>
+            <a:ext cx="10972440" cy="1144800"/>
           </a:xfrm>
           <a:prstGeom prst="rect">
             <a:avLst/>
@@ -1531,11 +2315,11 @@
             <a:noAutofit/>
           </a:bodyPr>
           <a:p>
-            <a:endParaRPr b="0" lang="en-US" sz="1800" spc="-1" strike="noStrike">
-              <a:solidFill>
-                <a:srgbClr val="000000"/>
-              </a:solidFill>
-              <a:latin typeface="Rockwell"/>
+            <a:pPr algn="ctr">
+              <a:buNone/>
+            </a:pPr>
+            <a:endParaRPr b="0" lang="en-IE" sz="4400" spc="-1" strike="noStrike">
+              <a:latin typeface="Arial"/>
             </a:endParaRPr>
           </a:p>
         </p:txBody>
@@ -1552,8 +2336,8 @@
         </p:nvSpPr>
         <p:spPr>
           <a:xfrm>
-            <a:off x="1069920" y="2121480"/>
-            <a:ext cx="10058040" cy="4050360"/>
+            <a:off x="609480" y="1604520"/>
+            <a:ext cx="10972440" cy="3977280"/>
           </a:xfrm>
           <a:prstGeom prst="rect">
             <a:avLst/>
@@ -1584,7 +2368,7 @@
             <a:spLocks noGrp="1"/>
           </p:cNvSpPr>
           <p:nvPr>
-            <p:ph type="ftr" idx="5"/>
+            <p:ph type="ftr" idx="4"/>
           </p:nvPr>
         </p:nvSpPr>
         <p:spPr/>
@@ -1604,14 +2388,14 @@
             <a:spLocks noGrp="1"/>
           </p:cNvSpPr>
           <p:nvPr>
-            <p:ph type="sldNum" idx="6"/>
+            <p:ph type="sldNum" idx="5"/>
           </p:nvPr>
         </p:nvSpPr>
         <p:spPr/>
         <p:txBody>
           <a:bodyPr/>
           <a:p>
-            <a:fld id="{23E36EEB-A086-4FEA-920E-66D7A6738C92}" type="slidenum">
+            <a:fld id="{A00C72FD-6AD8-4787-B48D-97B19AC4074A}" type="slidenum">
               <a:t>&lt;#&gt;</a:t>
             </a:fld>
           </a:p>
@@ -1624,7 +2408,7 @@
             <a:spLocks noGrp="1"/>
           </p:cNvSpPr>
           <p:nvPr>
-            <p:ph type="dt" idx="4"/>
+            <p:ph type="dt" idx="6"/>
           </p:nvPr>
         </p:nvSpPr>
         <p:spPr/>
@@ -1672,8 +2456,8 @@
         </p:nvSpPr>
         <p:spPr>
           <a:xfrm>
-            <a:off x="1069920" y="484560"/>
-            <a:ext cx="10058040" cy="1608840"/>
+            <a:off x="609480" y="273600"/>
+            <a:ext cx="10972440" cy="1144800"/>
           </a:xfrm>
           <a:prstGeom prst="rect">
             <a:avLst/>
@@ -1688,11 +2472,11 @@
             <a:noAutofit/>
           </a:bodyPr>
           <a:p>
-            <a:endParaRPr b="0" lang="en-US" sz="1800" spc="-1" strike="noStrike">
-              <a:solidFill>
-                <a:srgbClr val="000000"/>
-              </a:solidFill>
-              <a:latin typeface="Rockwell"/>
+            <a:pPr algn="ctr">
+              <a:buNone/>
+            </a:pPr>
+            <a:endParaRPr b="0" lang="en-IE" sz="4400" spc="-1" strike="noStrike">
+              <a:latin typeface="Arial"/>
             </a:endParaRPr>
           </a:p>
         </p:txBody>
@@ -1709,8 +2493,8 @@
         </p:nvSpPr>
         <p:spPr>
           <a:xfrm>
-            <a:off x="1069920" y="2121480"/>
-            <a:ext cx="10058040" cy="4050360"/>
+            <a:off x="609480" y="1604520"/>
+            <a:ext cx="10972440" cy="3977280"/>
           </a:xfrm>
           <a:prstGeom prst="rect">
             <a:avLst/>
@@ -1725,20 +2509,8 @@
             <a:normAutofit/>
           </a:bodyPr>
           <a:p>
-            <a:pPr>
-              <a:lnSpc>
-                <a:spcPct val="90000"/>
-              </a:lnSpc>
-              <a:spcBef>
-                <a:spcPts val="1417"/>
-              </a:spcBef>
-              <a:buNone/>
-            </a:pPr>
-            <a:endParaRPr b="0" lang="en-US" sz="2000" spc="-1" strike="noStrike">
-              <a:solidFill>
-                <a:srgbClr val="000000"/>
-              </a:solidFill>
-              <a:latin typeface="Rockwell"/>
+            <a:endParaRPr b="0" lang="en-IE" sz="3200" spc="-1" strike="noStrike">
+              <a:latin typeface="Arial"/>
             </a:endParaRPr>
           </a:p>
         </p:txBody>
@@ -1750,7 +2522,7 @@
             <a:spLocks noGrp="1"/>
           </p:cNvSpPr>
           <p:nvPr>
-            <p:ph type="ftr" idx="5"/>
+            <p:ph type="ftr" idx="4"/>
           </p:nvPr>
         </p:nvSpPr>
         <p:spPr/>
@@ -1770,14 +2542,14 @@
             <a:spLocks noGrp="1"/>
           </p:cNvSpPr>
           <p:nvPr>
-            <p:ph type="sldNum" idx="6"/>
+            <p:ph type="sldNum" idx="5"/>
           </p:nvPr>
         </p:nvSpPr>
         <p:spPr/>
         <p:txBody>
           <a:bodyPr/>
           <a:p>
-            <a:fld id="{6D053659-DA74-44FE-BA2D-BB0276553224}" type="slidenum">
+            <a:fld id="{8849AE1F-1094-4D8F-A22C-69C75BFF3840}" type="slidenum">
               <a:t>&lt;#&gt;</a:t>
             </a:fld>
           </a:p>
@@ -1790,7 +2562,7 @@
             <a:spLocks noGrp="1"/>
           </p:cNvSpPr>
           <p:nvPr>
-            <p:ph type="dt" idx="4"/>
+            <p:ph type="dt" idx="6"/>
           </p:nvPr>
         </p:nvSpPr>
         <p:spPr/>
@@ -1838,8 +2610,8 @@
         </p:nvSpPr>
         <p:spPr>
           <a:xfrm>
-            <a:off x="1069920" y="484560"/>
-            <a:ext cx="10058040" cy="1608840"/>
+            <a:off x="609480" y="273600"/>
+            <a:ext cx="10972440" cy="1144800"/>
           </a:xfrm>
           <a:prstGeom prst="rect">
             <a:avLst/>
@@ -1854,11 +2626,11 @@
             <a:noAutofit/>
           </a:bodyPr>
           <a:p>
-            <a:endParaRPr b="0" lang="en-US" sz="1800" spc="-1" strike="noStrike">
-              <a:solidFill>
-                <a:srgbClr val="000000"/>
-              </a:solidFill>
-              <a:latin typeface="Rockwell"/>
+            <a:pPr algn="ctr">
+              <a:buNone/>
+            </a:pPr>
+            <a:endParaRPr b="0" lang="en-IE" sz="4400" spc="-1" strike="noStrike">
+              <a:latin typeface="Arial"/>
             </a:endParaRPr>
           </a:p>
         </p:txBody>
@@ -1875,8 +2647,8 @@
         </p:nvSpPr>
         <p:spPr>
           <a:xfrm>
-            <a:off x="1069920" y="2121480"/>
-            <a:ext cx="4908240" cy="4050360"/>
+            <a:off x="609480" y="1604520"/>
+            <a:ext cx="5354280" cy="3977280"/>
           </a:xfrm>
           <a:prstGeom prst="rect">
             <a:avLst/>
@@ -1891,20 +2663,8 @@
             <a:normAutofit/>
           </a:bodyPr>
           <a:p>
-            <a:pPr>
-              <a:lnSpc>
-                <a:spcPct val="90000"/>
-              </a:lnSpc>
-              <a:spcBef>
-                <a:spcPts val="1417"/>
-              </a:spcBef>
-              <a:buNone/>
-            </a:pPr>
-            <a:endParaRPr b="0" lang="en-US" sz="2000" spc="-1" strike="noStrike">
-              <a:solidFill>
-                <a:srgbClr val="000000"/>
-              </a:solidFill>
-              <a:latin typeface="Rockwell"/>
+            <a:endParaRPr b="0" lang="en-IE" sz="3200" spc="-1" strike="noStrike">
+              <a:latin typeface="Arial"/>
             </a:endParaRPr>
           </a:p>
         </p:txBody>
@@ -1921,8 +2681,8 @@
         </p:nvSpPr>
         <p:spPr>
           <a:xfrm>
-            <a:off x="6224040" y="2121480"/>
-            <a:ext cx="4908240" cy="4050360"/>
+            <a:off x="6231960" y="1604520"/>
+            <a:ext cx="5354280" cy="3977280"/>
           </a:xfrm>
           <a:prstGeom prst="rect">
             <a:avLst/>
@@ -1937,20 +2697,8 @@
             <a:normAutofit/>
           </a:bodyPr>
           <a:p>
-            <a:pPr>
-              <a:lnSpc>
-                <a:spcPct val="90000"/>
-              </a:lnSpc>
-              <a:spcBef>
-                <a:spcPts val="1417"/>
-              </a:spcBef>
-              <a:buNone/>
-            </a:pPr>
-            <a:endParaRPr b="0" lang="en-US" sz="2000" spc="-1" strike="noStrike">
-              <a:solidFill>
-                <a:srgbClr val="000000"/>
-              </a:solidFill>
-              <a:latin typeface="Rockwell"/>
+            <a:endParaRPr b="0" lang="en-IE" sz="3200" spc="-1" strike="noStrike">
+              <a:latin typeface="Arial"/>
             </a:endParaRPr>
           </a:p>
         </p:txBody>
@@ -1962,7 +2710,7 @@
             <a:spLocks noGrp="1"/>
           </p:cNvSpPr>
           <p:nvPr>
-            <p:ph type="ftr" idx="5"/>
+            <p:ph type="ftr" idx="4"/>
           </p:nvPr>
         </p:nvSpPr>
         <p:spPr/>
@@ -1982,14 +2730,14 @@
             <a:spLocks noGrp="1"/>
           </p:cNvSpPr>
           <p:nvPr>
-            <p:ph type="sldNum" idx="6"/>
+            <p:ph type="sldNum" idx="5"/>
           </p:nvPr>
         </p:nvSpPr>
         <p:spPr/>
         <p:txBody>
           <a:bodyPr/>
           <a:p>
-            <a:fld id="{D156A26F-2BB4-488F-A85A-D338B26CAD05}" type="slidenum">
+            <a:fld id="{E9730502-7248-471B-8466-F0071A59009F}" type="slidenum">
               <a:t>&lt;#&gt;</a:t>
             </a:fld>
           </a:p>
@@ -2002,7 +2750,7 @@
             <a:spLocks noGrp="1"/>
           </p:cNvSpPr>
           <p:nvPr>
-            <p:ph type="dt" idx="4"/>
+            <p:ph type="dt" idx="6"/>
           </p:nvPr>
         </p:nvSpPr>
         <p:spPr/>
@@ -2050,8 +2798,8 @@
         </p:nvSpPr>
         <p:spPr>
           <a:xfrm>
-            <a:off x="1069920" y="484560"/>
-            <a:ext cx="10058040" cy="1608840"/>
+            <a:off x="609480" y="273600"/>
+            <a:ext cx="10972440" cy="1144800"/>
           </a:xfrm>
           <a:prstGeom prst="rect">
             <a:avLst/>
@@ -2066,11 +2814,11 @@
             <a:noAutofit/>
           </a:bodyPr>
           <a:p>
-            <a:endParaRPr b="0" lang="en-US" sz="1800" spc="-1" strike="noStrike">
-              <a:solidFill>
-                <a:srgbClr val="000000"/>
-              </a:solidFill>
-              <a:latin typeface="Rockwell"/>
+            <a:pPr algn="ctr">
+              <a:buNone/>
+            </a:pPr>
+            <a:endParaRPr b="0" lang="en-IE" sz="4400" spc="-1" strike="noStrike">
+              <a:latin typeface="Arial"/>
             </a:endParaRPr>
           </a:p>
         </p:txBody>
@@ -2082,7 +2830,7 @@
             <a:spLocks noGrp="1"/>
           </p:cNvSpPr>
           <p:nvPr>
-            <p:ph type="ftr" idx="5"/>
+            <p:ph type="ftr" idx="4"/>
           </p:nvPr>
         </p:nvSpPr>
         <p:spPr/>
@@ -2102,14 +2850,14 @@
             <a:spLocks noGrp="1"/>
           </p:cNvSpPr>
           <p:nvPr>
-            <p:ph type="sldNum" idx="6"/>
+            <p:ph type="sldNum" idx="5"/>
           </p:nvPr>
         </p:nvSpPr>
         <p:spPr/>
         <p:txBody>
           <a:bodyPr/>
           <a:p>
-            <a:fld id="{1157A20E-1D0D-4522-BE09-CAEF2B402A08}" type="slidenum">
+            <a:fld id="{20649684-4B28-4C4C-970C-AA1E045275E9}" type="slidenum">
               <a:t>&lt;#&gt;</a:t>
             </a:fld>
           </a:p>
@@ -2122,7 +2870,7 @@
             <a:spLocks noGrp="1"/>
           </p:cNvSpPr>
           <p:nvPr>
-            <p:ph type="dt" idx="4"/>
+            <p:ph type="dt" idx="6"/>
           </p:nvPr>
         </p:nvSpPr>
         <p:spPr/>
@@ -2170,8 +2918,8 @@
         </p:nvSpPr>
         <p:spPr>
           <a:xfrm>
-            <a:off x="1069920" y="484560"/>
-            <a:ext cx="10058040" cy="7458840"/>
+            <a:off x="609480" y="273600"/>
+            <a:ext cx="10972440" cy="5307840"/>
           </a:xfrm>
           <a:prstGeom prst="rect">
             <a:avLst/>
@@ -2202,7 +2950,7 @@
             <a:spLocks noGrp="1"/>
           </p:cNvSpPr>
           <p:nvPr>
-            <p:ph type="ftr" idx="5"/>
+            <p:ph type="ftr" idx="4"/>
           </p:nvPr>
         </p:nvSpPr>
         <p:spPr/>
@@ -2222,14 +2970,14 @@
             <a:spLocks noGrp="1"/>
           </p:cNvSpPr>
           <p:nvPr>
-            <p:ph type="sldNum" idx="6"/>
+            <p:ph type="sldNum" idx="5"/>
           </p:nvPr>
         </p:nvSpPr>
         <p:spPr/>
         <p:txBody>
           <a:bodyPr/>
           <a:p>
-            <a:fld id="{B439265A-3B2C-473C-9EB1-44AD8535CCE9}" type="slidenum">
+            <a:fld id="{29B433DA-1FC0-4CBA-934D-DCAA19151C46}" type="slidenum">
               <a:t>&lt;#&gt;</a:t>
             </a:fld>
           </a:p>
@@ -2242,7 +2990,7 @@
             <a:spLocks noGrp="1"/>
           </p:cNvSpPr>
           <p:nvPr>
-            <p:ph type="dt" idx="4"/>
+            <p:ph type="dt" idx="6"/>
           </p:nvPr>
         </p:nvSpPr>
         <p:spPr/>
@@ -2290,8 +3038,8 @@
         </p:nvSpPr>
         <p:spPr>
           <a:xfrm>
-            <a:off x="1069920" y="484560"/>
-            <a:ext cx="10058040" cy="1608840"/>
+            <a:off x="609480" y="273600"/>
+            <a:ext cx="10972440" cy="1144800"/>
           </a:xfrm>
           <a:prstGeom prst="rect">
             <a:avLst/>
@@ -2306,11 +3054,11 @@
             <a:noAutofit/>
           </a:bodyPr>
           <a:p>
-            <a:endParaRPr b="0" lang="en-US" sz="1800" spc="-1" strike="noStrike">
-              <a:solidFill>
-                <a:srgbClr val="000000"/>
-              </a:solidFill>
-              <a:latin typeface="Rockwell"/>
+            <a:pPr algn="ctr">
+              <a:buNone/>
+            </a:pPr>
+            <a:endParaRPr b="0" lang="en-IE" sz="4400" spc="-1" strike="noStrike">
+              <a:latin typeface="Arial"/>
             </a:endParaRPr>
           </a:p>
         </p:txBody>
@@ -2327,8 +3075,8 @@
         </p:nvSpPr>
         <p:spPr>
           <a:xfrm>
-            <a:off x="1069920" y="2121480"/>
-            <a:ext cx="4908240" cy="1931760"/>
+            <a:off x="609480" y="1604520"/>
+            <a:ext cx="5354280" cy="1896840"/>
           </a:xfrm>
           <a:prstGeom prst="rect">
             <a:avLst/>
@@ -2343,20 +3091,8 @@
             <a:normAutofit/>
           </a:bodyPr>
           <a:p>
-            <a:pPr>
-              <a:lnSpc>
-                <a:spcPct val="90000"/>
-              </a:lnSpc>
-              <a:spcBef>
-                <a:spcPts val="1417"/>
-              </a:spcBef>
-              <a:buNone/>
-            </a:pPr>
-            <a:endParaRPr b="0" lang="en-US" sz="2000" spc="-1" strike="noStrike">
-              <a:solidFill>
-                <a:srgbClr val="000000"/>
-              </a:solidFill>
-              <a:latin typeface="Rockwell"/>
+            <a:endParaRPr b="0" lang="en-IE" sz="3200" spc="-1" strike="noStrike">
+              <a:latin typeface="Arial"/>
             </a:endParaRPr>
           </a:p>
         </p:txBody>
@@ -2373,8 +3109,8 @@
         </p:nvSpPr>
         <p:spPr>
           <a:xfrm>
-            <a:off x="6224040" y="2121480"/>
-            <a:ext cx="4908240" cy="4050360"/>
+            <a:off x="6231960" y="1604520"/>
+            <a:ext cx="5354280" cy="3977280"/>
           </a:xfrm>
           <a:prstGeom prst="rect">
             <a:avLst/>
@@ -2389,20 +3125,8 @@
             <a:normAutofit/>
           </a:bodyPr>
           <a:p>
-            <a:pPr>
-              <a:lnSpc>
-                <a:spcPct val="90000"/>
-              </a:lnSpc>
-              <a:spcBef>
-                <a:spcPts val="1417"/>
-              </a:spcBef>
-              <a:buNone/>
-            </a:pPr>
-            <a:endParaRPr b="0" lang="en-US" sz="2000" spc="-1" strike="noStrike">
-              <a:solidFill>
-                <a:srgbClr val="000000"/>
-              </a:solidFill>
-              <a:latin typeface="Rockwell"/>
+            <a:endParaRPr b="0" lang="en-IE" sz="3200" spc="-1" strike="noStrike">
+              <a:latin typeface="Arial"/>
             </a:endParaRPr>
           </a:p>
         </p:txBody>
@@ -2419,8 +3143,8 @@
         </p:nvSpPr>
         <p:spPr>
           <a:xfrm>
-            <a:off x="1069920" y="4237200"/>
-            <a:ext cx="4908240" cy="1931760"/>
+            <a:off x="609480" y="3682080"/>
+            <a:ext cx="5354280" cy="1896840"/>
           </a:xfrm>
           <a:prstGeom prst="rect">
             <a:avLst/>
@@ -2435,20 +3159,8 @@
             <a:normAutofit/>
           </a:bodyPr>
           <a:p>
-            <a:pPr>
-              <a:lnSpc>
-                <a:spcPct val="90000"/>
-              </a:lnSpc>
-              <a:spcBef>
-                <a:spcPts val="1417"/>
-              </a:spcBef>
-              <a:buNone/>
-            </a:pPr>
-            <a:endParaRPr b="0" lang="en-US" sz="2000" spc="-1" strike="noStrike">
-              <a:solidFill>
-                <a:srgbClr val="000000"/>
-              </a:solidFill>
-              <a:latin typeface="Rockwell"/>
+            <a:endParaRPr b="0" lang="en-IE" sz="3200" spc="-1" strike="noStrike">
+              <a:latin typeface="Arial"/>
             </a:endParaRPr>
           </a:p>
         </p:txBody>
@@ -2460,7 +3172,7 @@
             <a:spLocks noGrp="1"/>
           </p:cNvSpPr>
           <p:nvPr>
-            <p:ph type="ftr" idx="5"/>
+            <p:ph type="ftr" idx="4"/>
           </p:nvPr>
         </p:nvSpPr>
         <p:spPr/>
@@ -2480,14 +3192,14 @@
             <a:spLocks noGrp="1"/>
           </p:cNvSpPr>
           <p:nvPr>
-            <p:ph type="sldNum" idx="6"/>
+            <p:ph type="sldNum" idx="5"/>
           </p:nvPr>
         </p:nvSpPr>
         <p:spPr/>
         <p:txBody>
           <a:bodyPr/>
           <a:p>
-            <a:fld id="{9FF2E4BF-F95B-4BC3-8A1D-8D360A394ED8}" type="slidenum">
+            <a:fld id="{B88D159F-1A31-4959-99A3-B7AB3E4C8EE4}" type="slidenum">
               <a:t>&lt;#&gt;</a:t>
             </a:fld>
           </a:p>
@@ -2500,7 +3212,7 @@
             <a:spLocks noGrp="1"/>
           </p:cNvSpPr>
           <p:nvPr>
-            <p:ph type="dt" idx="4"/>
+            <p:ph type="dt" idx="6"/>
           </p:nvPr>
         </p:nvSpPr>
         <p:spPr/>
@@ -2548,8 +3260,8 @@
         </p:nvSpPr>
         <p:spPr>
           <a:xfrm>
-            <a:off x="1069920" y="484560"/>
-            <a:ext cx="10058040" cy="1608840"/>
+            <a:off x="609480" y="273600"/>
+            <a:ext cx="10972440" cy="1144800"/>
           </a:xfrm>
           <a:prstGeom prst="rect">
             <a:avLst/>
@@ -2564,11 +3276,11 @@
             <a:noAutofit/>
           </a:bodyPr>
           <a:p>
-            <a:endParaRPr b="0" lang="en-US" sz="1800" spc="-1" strike="noStrike">
-              <a:solidFill>
-                <a:srgbClr val="000000"/>
-              </a:solidFill>
-              <a:latin typeface="Rockwell"/>
+            <a:pPr algn="ctr">
+              <a:buNone/>
+            </a:pPr>
+            <a:endParaRPr b="0" lang="en-IE" sz="4400" spc="-1" strike="noStrike">
+              <a:latin typeface="Arial"/>
             </a:endParaRPr>
           </a:p>
         </p:txBody>
@@ -2585,8 +3297,8 @@
         </p:nvSpPr>
         <p:spPr>
           <a:xfrm>
-            <a:off x="1069920" y="2121480"/>
-            <a:ext cx="10058040" cy="4050360"/>
+            <a:off x="609480" y="1604520"/>
+            <a:ext cx="10972440" cy="3977280"/>
           </a:xfrm>
           <a:prstGeom prst="rect">
             <a:avLst/>
@@ -2617,7 +3329,7 @@
             <a:spLocks noGrp="1"/>
           </p:cNvSpPr>
           <p:nvPr>
-            <p:ph type="ftr" idx="2"/>
+            <p:ph type="ftr" idx="1"/>
           </p:nvPr>
         </p:nvSpPr>
         <p:spPr/>
@@ -2637,14 +3349,14 @@
             <a:spLocks noGrp="1"/>
           </p:cNvSpPr>
           <p:nvPr>
-            <p:ph type="sldNum" idx="3"/>
+            <p:ph type="sldNum" idx="2"/>
           </p:nvPr>
         </p:nvSpPr>
         <p:spPr/>
         <p:txBody>
           <a:bodyPr/>
           <a:p>
-            <a:fld id="{6BDD8473-6E78-4B25-8586-A0C3EA6AC7A2}" type="slidenum">
+            <a:fld id="{7CF31AC0-BF43-4691-8F09-2F987FEBB44D}" type="slidenum">
               <a:t>&lt;#&gt;</a:t>
             </a:fld>
           </a:p>
@@ -2657,7 +3369,7 @@
             <a:spLocks noGrp="1"/>
           </p:cNvSpPr>
           <p:nvPr>
-            <p:ph type="dt" idx="1"/>
+            <p:ph type="dt" idx="3"/>
           </p:nvPr>
         </p:nvSpPr>
         <p:spPr/>
@@ -2705,8 +3417,8 @@
         </p:nvSpPr>
         <p:spPr>
           <a:xfrm>
-            <a:off x="1069920" y="484560"/>
-            <a:ext cx="10058040" cy="1608840"/>
+            <a:off x="609480" y="273600"/>
+            <a:ext cx="10972440" cy="1144800"/>
           </a:xfrm>
           <a:prstGeom prst="rect">
             <a:avLst/>
@@ -2721,11 +3433,11 @@
             <a:noAutofit/>
           </a:bodyPr>
           <a:p>
-            <a:endParaRPr b="0" lang="en-US" sz="1800" spc="-1" strike="noStrike">
-              <a:solidFill>
-                <a:srgbClr val="000000"/>
-              </a:solidFill>
-              <a:latin typeface="Rockwell"/>
+            <a:pPr algn="ctr">
+              <a:buNone/>
+            </a:pPr>
+            <a:endParaRPr b="0" lang="en-IE" sz="4400" spc="-1" strike="noStrike">
+              <a:latin typeface="Arial"/>
             </a:endParaRPr>
           </a:p>
         </p:txBody>
@@ -2742,8 +3454,8 @@
         </p:nvSpPr>
         <p:spPr>
           <a:xfrm>
-            <a:off x="1069920" y="2121480"/>
-            <a:ext cx="4908240" cy="4050360"/>
+            <a:off x="609480" y="1604520"/>
+            <a:ext cx="5354280" cy="3977280"/>
           </a:xfrm>
           <a:prstGeom prst="rect">
             <a:avLst/>
@@ -2758,20 +3470,8 @@
             <a:normAutofit/>
           </a:bodyPr>
           <a:p>
-            <a:pPr>
-              <a:lnSpc>
-                <a:spcPct val="90000"/>
-              </a:lnSpc>
-              <a:spcBef>
-                <a:spcPts val="1417"/>
-              </a:spcBef>
-              <a:buNone/>
-            </a:pPr>
-            <a:endParaRPr b="0" lang="en-US" sz="2000" spc="-1" strike="noStrike">
-              <a:solidFill>
-                <a:srgbClr val="000000"/>
-              </a:solidFill>
-              <a:latin typeface="Rockwell"/>
+            <a:endParaRPr b="0" lang="en-IE" sz="3200" spc="-1" strike="noStrike">
+              <a:latin typeface="Arial"/>
             </a:endParaRPr>
           </a:p>
         </p:txBody>
@@ -2788,8 +3488,8 @@
         </p:nvSpPr>
         <p:spPr>
           <a:xfrm>
-            <a:off x="6224040" y="2121480"/>
-            <a:ext cx="4908240" cy="1931760"/>
+            <a:off x="6231960" y="1604520"/>
+            <a:ext cx="5354280" cy="1896840"/>
           </a:xfrm>
           <a:prstGeom prst="rect">
             <a:avLst/>
@@ -2804,20 +3504,8 @@
             <a:normAutofit/>
           </a:bodyPr>
           <a:p>
-            <a:pPr>
-              <a:lnSpc>
-                <a:spcPct val="90000"/>
-              </a:lnSpc>
-              <a:spcBef>
-                <a:spcPts val="1417"/>
-              </a:spcBef>
-              <a:buNone/>
-            </a:pPr>
-            <a:endParaRPr b="0" lang="en-US" sz="2000" spc="-1" strike="noStrike">
-              <a:solidFill>
-                <a:srgbClr val="000000"/>
-              </a:solidFill>
-              <a:latin typeface="Rockwell"/>
+            <a:endParaRPr b="0" lang="en-IE" sz="3200" spc="-1" strike="noStrike">
+              <a:latin typeface="Arial"/>
             </a:endParaRPr>
           </a:p>
         </p:txBody>
@@ -2834,8 +3522,8 @@
         </p:nvSpPr>
         <p:spPr>
           <a:xfrm>
-            <a:off x="6224040" y="4237200"/>
-            <a:ext cx="4908240" cy="1931760"/>
+            <a:off x="6231960" y="3682080"/>
+            <a:ext cx="5354280" cy="1896840"/>
           </a:xfrm>
           <a:prstGeom prst="rect">
             <a:avLst/>
@@ -2850,20 +3538,8 @@
             <a:normAutofit/>
           </a:bodyPr>
           <a:p>
-            <a:pPr>
-              <a:lnSpc>
-                <a:spcPct val="90000"/>
-              </a:lnSpc>
-              <a:spcBef>
-                <a:spcPts val="1417"/>
-              </a:spcBef>
-              <a:buNone/>
-            </a:pPr>
-            <a:endParaRPr b="0" lang="en-US" sz="2000" spc="-1" strike="noStrike">
-              <a:solidFill>
-                <a:srgbClr val="000000"/>
-              </a:solidFill>
-              <a:latin typeface="Rockwell"/>
+            <a:endParaRPr b="0" lang="en-IE" sz="3200" spc="-1" strike="noStrike">
+              <a:latin typeface="Arial"/>
             </a:endParaRPr>
           </a:p>
         </p:txBody>
@@ -2875,7 +3551,7 @@
             <a:spLocks noGrp="1"/>
           </p:cNvSpPr>
           <p:nvPr>
-            <p:ph type="ftr" idx="5"/>
+            <p:ph type="ftr" idx="4"/>
           </p:nvPr>
         </p:nvSpPr>
         <p:spPr/>
@@ -2895,14 +3571,14 @@
             <a:spLocks noGrp="1"/>
           </p:cNvSpPr>
           <p:nvPr>
-            <p:ph type="sldNum" idx="6"/>
+            <p:ph type="sldNum" idx="5"/>
           </p:nvPr>
         </p:nvSpPr>
         <p:spPr/>
         <p:txBody>
           <a:bodyPr/>
           <a:p>
-            <a:fld id="{5B4F542E-A2FF-45BD-90CD-A6FE9ECD1DCF}" type="slidenum">
+            <a:fld id="{01308542-7307-4B9D-AA74-B3EC2026347D}" type="slidenum">
               <a:t>&lt;#&gt;</a:t>
             </a:fld>
           </a:p>
@@ -2915,7 +3591,7 @@
             <a:spLocks noGrp="1"/>
           </p:cNvSpPr>
           <p:nvPr>
-            <p:ph type="dt" idx="4"/>
+            <p:ph type="dt" idx="6"/>
           </p:nvPr>
         </p:nvSpPr>
         <p:spPr/>
@@ -2963,8 +3639,8 @@
         </p:nvSpPr>
         <p:spPr>
           <a:xfrm>
-            <a:off x="1069920" y="484560"/>
-            <a:ext cx="10058040" cy="1608840"/>
+            <a:off x="609480" y="273600"/>
+            <a:ext cx="10972440" cy="1144800"/>
           </a:xfrm>
           <a:prstGeom prst="rect">
             <a:avLst/>
@@ -2979,11 +3655,11 @@
             <a:noAutofit/>
           </a:bodyPr>
           <a:p>
-            <a:endParaRPr b="0" lang="en-US" sz="1800" spc="-1" strike="noStrike">
-              <a:solidFill>
-                <a:srgbClr val="000000"/>
-              </a:solidFill>
-              <a:latin typeface="Rockwell"/>
+            <a:pPr algn="ctr">
+              <a:buNone/>
+            </a:pPr>
+            <a:endParaRPr b="0" lang="en-IE" sz="4400" spc="-1" strike="noStrike">
+              <a:latin typeface="Arial"/>
             </a:endParaRPr>
           </a:p>
         </p:txBody>
@@ -3000,8 +3676,8 @@
         </p:nvSpPr>
         <p:spPr>
           <a:xfrm>
-            <a:off x="1069920" y="2121480"/>
-            <a:ext cx="4908240" cy="1931760"/>
+            <a:off x="609480" y="1604520"/>
+            <a:ext cx="5354280" cy="1896840"/>
           </a:xfrm>
           <a:prstGeom prst="rect">
             <a:avLst/>
@@ -3016,20 +3692,8 @@
             <a:normAutofit/>
           </a:bodyPr>
           <a:p>
-            <a:pPr>
-              <a:lnSpc>
-                <a:spcPct val="90000"/>
-              </a:lnSpc>
-              <a:spcBef>
-                <a:spcPts val="1417"/>
-              </a:spcBef>
-              <a:buNone/>
-            </a:pPr>
-            <a:endParaRPr b="0" lang="en-US" sz="2000" spc="-1" strike="noStrike">
-              <a:solidFill>
-                <a:srgbClr val="000000"/>
-              </a:solidFill>
-              <a:latin typeface="Rockwell"/>
+            <a:endParaRPr b="0" lang="en-IE" sz="3200" spc="-1" strike="noStrike">
+              <a:latin typeface="Arial"/>
             </a:endParaRPr>
           </a:p>
         </p:txBody>
@@ -3046,8 +3710,8 @@
         </p:nvSpPr>
         <p:spPr>
           <a:xfrm>
-            <a:off x="6224040" y="2121480"/>
-            <a:ext cx="4908240" cy="1931760"/>
+            <a:off x="6231960" y="1604520"/>
+            <a:ext cx="5354280" cy="1896840"/>
           </a:xfrm>
           <a:prstGeom prst="rect">
             <a:avLst/>
@@ -3062,20 +3726,8 @@
             <a:normAutofit/>
           </a:bodyPr>
           <a:p>
-            <a:pPr>
-              <a:lnSpc>
-                <a:spcPct val="90000"/>
-              </a:lnSpc>
-              <a:spcBef>
-                <a:spcPts val="1417"/>
-              </a:spcBef>
-              <a:buNone/>
-            </a:pPr>
-            <a:endParaRPr b="0" lang="en-US" sz="2000" spc="-1" strike="noStrike">
-              <a:solidFill>
-                <a:srgbClr val="000000"/>
-              </a:solidFill>
-              <a:latin typeface="Rockwell"/>
+            <a:endParaRPr b="0" lang="en-IE" sz="3200" spc="-1" strike="noStrike">
+              <a:latin typeface="Arial"/>
             </a:endParaRPr>
           </a:p>
         </p:txBody>
@@ -3092,8 +3744,8 @@
         </p:nvSpPr>
         <p:spPr>
           <a:xfrm>
-            <a:off x="1069920" y="4237200"/>
-            <a:ext cx="10058040" cy="1931760"/>
+            <a:off x="609480" y="3682080"/>
+            <a:ext cx="10972440" cy="1896840"/>
           </a:xfrm>
           <a:prstGeom prst="rect">
             <a:avLst/>
@@ -3108,20 +3760,8 @@
             <a:normAutofit/>
           </a:bodyPr>
           <a:p>
-            <a:pPr>
-              <a:lnSpc>
-                <a:spcPct val="90000"/>
-              </a:lnSpc>
-              <a:spcBef>
-                <a:spcPts val="1417"/>
-              </a:spcBef>
-              <a:buNone/>
-            </a:pPr>
-            <a:endParaRPr b="0" lang="en-US" sz="2000" spc="-1" strike="noStrike">
-              <a:solidFill>
-                <a:srgbClr val="000000"/>
-              </a:solidFill>
-              <a:latin typeface="Rockwell"/>
+            <a:endParaRPr b="0" lang="en-IE" sz="3200" spc="-1" strike="noStrike">
+              <a:latin typeface="Arial"/>
             </a:endParaRPr>
           </a:p>
         </p:txBody>
@@ -3133,7 +3773,7 @@
             <a:spLocks noGrp="1"/>
           </p:cNvSpPr>
           <p:nvPr>
-            <p:ph type="ftr" idx="5"/>
+            <p:ph type="ftr" idx="4"/>
           </p:nvPr>
         </p:nvSpPr>
         <p:spPr/>
@@ -3153,14 +3793,14 @@
             <a:spLocks noGrp="1"/>
           </p:cNvSpPr>
           <p:nvPr>
-            <p:ph type="sldNum" idx="6"/>
+            <p:ph type="sldNum" idx="5"/>
           </p:nvPr>
         </p:nvSpPr>
         <p:spPr/>
         <p:txBody>
           <a:bodyPr/>
           <a:p>
-            <a:fld id="{7A2686D7-3366-44E8-9871-598038A4EBFF}" type="slidenum">
+            <a:fld id="{EBB095C9-78D5-4EB8-ABB5-47D0A17D658D}" type="slidenum">
               <a:t>&lt;#&gt;</a:t>
             </a:fld>
           </a:p>
@@ -3173,7 +3813,7 @@
             <a:spLocks noGrp="1"/>
           </p:cNvSpPr>
           <p:nvPr>
-            <p:ph type="dt" idx="4"/>
+            <p:ph type="dt" idx="6"/>
           </p:nvPr>
         </p:nvSpPr>
         <p:spPr/>
@@ -3221,8 +3861,8 @@
         </p:nvSpPr>
         <p:spPr>
           <a:xfrm>
-            <a:off x="1069920" y="484560"/>
-            <a:ext cx="10058040" cy="1608840"/>
+            <a:off x="609480" y="273600"/>
+            <a:ext cx="10972440" cy="1144800"/>
           </a:xfrm>
           <a:prstGeom prst="rect">
             <a:avLst/>
@@ -3237,11 +3877,11 @@
             <a:noAutofit/>
           </a:bodyPr>
           <a:p>
-            <a:endParaRPr b="0" lang="en-US" sz="1800" spc="-1" strike="noStrike">
-              <a:solidFill>
-                <a:srgbClr val="000000"/>
-              </a:solidFill>
-              <a:latin typeface="Rockwell"/>
+            <a:pPr algn="ctr">
+              <a:buNone/>
+            </a:pPr>
+            <a:endParaRPr b="0" lang="en-IE" sz="4400" spc="-1" strike="noStrike">
+              <a:latin typeface="Arial"/>
             </a:endParaRPr>
           </a:p>
         </p:txBody>
@@ -3258,8 +3898,8 @@
         </p:nvSpPr>
         <p:spPr>
           <a:xfrm>
-            <a:off x="1069920" y="2121480"/>
-            <a:ext cx="10058040" cy="1931760"/>
+            <a:off x="609480" y="1604520"/>
+            <a:ext cx="10972440" cy="1896840"/>
           </a:xfrm>
           <a:prstGeom prst="rect">
             <a:avLst/>
@@ -3274,20 +3914,8 @@
             <a:normAutofit/>
           </a:bodyPr>
           <a:p>
-            <a:pPr>
-              <a:lnSpc>
-                <a:spcPct val="90000"/>
-              </a:lnSpc>
-              <a:spcBef>
-                <a:spcPts val="1417"/>
-              </a:spcBef>
-              <a:buNone/>
-            </a:pPr>
-            <a:endParaRPr b="0" lang="en-US" sz="2000" spc="-1" strike="noStrike">
-              <a:solidFill>
-                <a:srgbClr val="000000"/>
-              </a:solidFill>
-              <a:latin typeface="Rockwell"/>
+            <a:endParaRPr b="0" lang="en-IE" sz="3200" spc="-1" strike="noStrike">
+              <a:latin typeface="Arial"/>
             </a:endParaRPr>
           </a:p>
         </p:txBody>
@@ -3304,8 +3932,8 @@
         </p:nvSpPr>
         <p:spPr>
           <a:xfrm>
-            <a:off x="1069920" y="4237200"/>
-            <a:ext cx="10058040" cy="1931760"/>
+            <a:off x="609480" y="3682080"/>
+            <a:ext cx="10972440" cy="1896840"/>
           </a:xfrm>
           <a:prstGeom prst="rect">
             <a:avLst/>
@@ -3320,20 +3948,8 @@
             <a:normAutofit/>
           </a:bodyPr>
           <a:p>
-            <a:pPr>
-              <a:lnSpc>
-                <a:spcPct val="90000"/>
-              </a:lnSpc>
-              <a:spcBef>
-                <a:spcPts val="1417"/>
-              </a:spcBef>
-              <a:buNone/>
-            </a:pPr>
-            <a:endParaRPr b="0" lang="en-US" sz="2000" spc="-1" strike="noStrike">
-              <a:solidFill>
-                <a:srgbClr val="000000"/>
-              </a:solidFill>
-              <a:latin typeface="Rockwell"/>
+            <a:endParaRPr b="0" lang="en-IE" sz="3200" spc="-1" strike="noStrike">
+              <a:latin typeface="Arial"/>
             </a:endParaRPr>
           </a:p>
         </p:txBody>
@@ -3345,7 +3961,7 @@
             <a:spLocks noGrp="1"/>
           </p:cNvSpPr>
           <p:nvPr>
-            <p:ph type="ftr" idx="5"/>
+            <p:ph type="ftr" idx="4"/>
           </p:nvPr>
         </p:nvSpPr>
         <p:spPr/>
@@ -3365,14 +3981,14 @@
             <a:spLocks noGrp="1"/>
           </p:cNvSpPr>
           <p:nvPr>
-            <p:ph type="sldNum" idx="6"/>
+            <p:ph type="sldNum" idx="5"/>
           </p:nvPr>
         </p:nvSpPr>
         <p:spPr/>
         <p:txBody>
           <a:bodyPr/>
           <a:p>
-            <a:fld id="{C8D0D006-ACB3-42B9-A3B3-72E45DD26BF3}" type="slidenum">
+            <a:fld id="{A71476CB-FC1A-4338-ADE1-4428E891A6DD}" type="slidenum">
               <a:t>&lt;#&gt;</a:t>
             </a:fld>
           </a:p>
@@ -3385,7 +4001,7 @@
             <a:spLocks noGrp="1"/>
           </p:cNvSpPr>
           <p:nvPr>
-            <p:ph type="dt" idx="4"/>
+            <p:ph type="dt" idx="6"/>
           </p:nvPr>
         </p:nvSpPr>
         <p:spPr/>
@@ -3433,8 +4049,8 @@
         </p:nvSpPr>
         <p:spPr>
           <a:xfrm>
-            <a:off x="1069920" y="484560"/>
-            <a:ext cx="10058040" cy="1608840"/>
+            <a:off x="609480" y="273600"/>
+            <a:ext cx="10972440" cy="1144800"/>
           </a:xfrm>
           <a:prstGeom prst="rect">
             <a:avLst/>
@@ -3449,11 +4065,11 @@
             <a:noAutofit/>
           </a:bodyPr>
           <a:p>
-            <a:endParaRPr b="0" lang="en-US" sz="1800" spc="-1" strike="noStrike">
-              <a:solidFill>
-                <a:srgbClr val="000000"/>
-              </a:solidFill>
-              <a:latin typeface="Rockwell"/>
+            <a:pPr algn="ctr">
+              <a:buNone/>
+            </a:pPr>
+            <a:endParaRPr b="0" lang="en-IE" sz="4400" spc="-1" strike="noStrike">
+              <a:latin typeface="Arial"/>
             </a:endParaRPr>
           </a:p>
         </p:txBody>
@@ -3470,8 +4086,8 @@
         </p:nvSpPr>
         <p:spPr>
           <a:xfrm>
-            <a:off x="1069920" y="2121480"/>
-            <a:ext cx="4908240" cy="1931760"/>
+            <a:off x="609480" y="1604520"/>
+            <a:ext cx="5354280" cy="1896840"/>
           </a:xfrm>
           <a:prstGeom prst="rect">
             <a:avLst/>
@@ -3486,20 +4102,8 @@
             <a:normAutofit/>
           </a:bodyPr>
           <a:p>
-            <a:pPr>
-              <a:lnSpc>
-                <a:spcPct val="90000"/>
-              </a:lnSpc>
-              <a:spcBef>
-                <a:spcPts val="1417"/>
-              </a:spcBef>
-              <a:buNone/>
-            </a:pPr>
-            <a:endParaRPr b="0" lang="en-US" sz="2000" spc="-1" strike="noStrike">
-              <a:solidFill>
-                <a:srgbClr val="000000"/>
-              </a:solidFill>
-              <a:latin typeface="Rockwell"/>
+            <a:endParaRPr b="0" lang="en-IE" sz="3200" spc="-1" strike="noStrike">
+              <a:latin typeface="Arial"/>
             </a:endParaRPr>
           </a:p>
         </p:txBody>
@@ -3516,8 +4120,8 @@
         </p:nvSpPr>
         <p:spPr>
           <a:xfrm>
-            <a:off x="6224040" y="2121480"/>
-            <a:ext cx="4908240" cy="1931760"/>
+            <a:off x="6231960" y="1604520"/>
+            <a:ext cx="5354280" cy="1896840"/>
           </a:xfrm>
           <a:prstGeom prst="rect">
             <a:avLst/>
@@ -3532,20 +4136,8 @@
             <a:normAutofit/>
           </a:bodyPr>
           <a:p>
-            <a:pPr>
-              <a:lnSpc>
-                <a:spcPct val="90000"/>
-              </a:lnSpc>
-              <a:spcBef>
-                <a:spcPts val="1417"/>
-              </a:spcBef>
-              <a:buNone/>
-            </a:pPr>
-            <a:endParaRPr b="0" lang="en-US" sz="2000" spc="-1" strike="noStrike">
-              <a:solidFill>
-                <a:srgbClr val="000000"/>
-              </a:solidFill>
-              <a:latin typeface="Rockwell"/>
+            <a:endParaRPr b="0" lang="en-IE" sz="3200" spc="-1" strike="noStrike">
+              <a:latin typeface="Arial"/>
             </a:endParaRPr>
           </a:p>
         </p:txBody>
@@ -3562,8 +4154,8 @@
         </p:nvSpPr>
         <p:spPr>
           <a:xfrm>
-            <a:off x="1069920" y="4237200"/>
-            <a:ext cx="4908240" cy="1931760"/>
+            <a:off x="609480" y="3682080"/>
+            <a:ext cx="5354280" cy="1896840"/>
           </a:xfrm>
           <a:prstGeom prst="rect">
             <a:avLst/>
@@ -3578,20 +4170,8 @@
             <a:normAutofit/>
           </a:bodyPr>
           <a:p>
-            <a:pPr>
-              <a:lnSpc>
-                <a:spcPct val="90000"/>
-              </a:lnSpc>
-              <a:spcBef>
-                <a:spcPts val="1417"/>
-              </a:spcBef>
-              <a:buNone/>
-            </a:pPr>
-            <a:endParaRPr b="0" lang="en-US" sz="2000" spc="-1" strike="noStrike">
-              <a:solidFill>
-                <a:srgbClr val="000000"/>
-              </a:solidFill>
-              <a:latin typeface="Rockwell"/>
+            <a:endParaRPr b="0" lang="en-IE" sz="3200" spc="-1" strike="noStrike">
+              <a:latin typeface="Arial"/>
             </a:endParaRPr>
           </a:p>
         </p:txBody>
@@ -3608,8 +4188,8 @@
         </p:nvSpPr>
         <p:spPr>
           <a:xfrm>
-            <a:off x="6224040" y="4237200"/>
-            <a:ext cx="4908240" cy="1931760"/>
+            <a:off x="6231960" y="3682080"/>
+            <a:ext cx="5354280" cy="1896840"/>
           </a:xfrm>
           <a:prstGeom prst="rect">
             <a:avLst/>
@@ -3624,20 +4204,8 @@
             <a:normAutofit/>
           </a:bodyPr>
           <a:p>
-            <a:pPr>
-              <a:lnSpc>
-                <a:spcPct val="90000"/>
-              </a:lnSpc>
-              <a:spcBef>
-                <a:spcPts val="1417"/>
-              </a:spcBef>
-              <a:buNone/>
-            </a:pPr>
-            <a:endParaRPr b="0" lang="en-US" sz="2000" spc="-1" strike="noStrike">
-              <a:solidFill>
-                <a:srgbClr val="000000"/>
-              </a:solidFill>
-              <a:latin typeface="Rockwell"/>
+            <a:endParaRPr b="0" lang="en-IE" sz="3200" spc="-1" strike="noStrike">
+              <a:latin typeface="Arial"/>
             </a:endParaRPr>
           </a:p>
         </p:txBody>
@@ -3649,7 +4217,7 @@
             <a:spLocks noGrp="1"/>
           </p:cNvSpPr>
           <p:nvPr>
-            <p:ph type="ftr" idx="5"/>
+            <p:ph type="ftr" idx="4"/>
           </p:nvPr>
         </p:nvSpPr>
         <p:spPr/>
@@ -3669,14 +4237,14 @@
             <a:spLocks noGrp="1"/>
           </p:cNvSpPr>
           <p:nvPr>
-            <p:ph type="sldNum" idx="6"/>
+            <p:ph type="sldNum" idx="5"/>
           </p:nvPr>
         </p:nvSpPr>
         <p:spPr/>
         <p:txBody>
           <a:bodyPr/>
           <a:p>
-            <a:fld id="{FFC1F741-642A-4205-9133-AE6556E0755B}" type="slidenum">
+            <a:fld id="{3800E4AB-AEE4-44B7-B6C9-DF597CE722AF}" type="slidenum">
               <a:t>&lt;#&gt;</a:t>
             </a:fld>
           </a:p>
@@ -3689,7 +4257,7 @@
             <a:spLocks noGrp="1"/>
           </p:cNvSpPr>
           <p:nvPr>
-            <p:ph type="dt" idx="4"/>
+            <p:ph type="dt" idx="6"/>
           </p:nvPr>
         </p:nvSpPr>
         <p:spPr/>
@@ -3737,8 +4305,8 @@
         </p:nvSpPr>
         <p:spPr>
           <a:xfrm>
-            <a:off x="1069920" y="484560"/>
-            <a:ext cx="10058040" cy="1608840"/>
+            <a:off x="609480" y="273600"/>
+            <a:ext cx="10972440" cy="1144800"/>
           </a:xfrm>
           <a:prstGeom prst="rect">
             <a:avLst/>
@@ -3753,11 +4321,11 @@
             <a:noAutofit/>
           </a:bodyPr>
           <a:p>
-            <a:endParaRPr b="0" lang="en-US" sz="1800" spc="-1" strike="noStrike">
-              <a:solidFill>
-                <a:srgbClr val="000000"/>
-              </a:solidFill>
-              <a:latin typeface="Rockwell"/>
+            <a:pPr algn="ctr">
+              <a:buNone/>
+            </a:pPr>
+            <a:endParaRPr b="0" lang="en-IE" sz="4400" spc="-1" strike="noStrike">
+              <a:latin typeface="Arial"/>
             </a:endParaRPr>
           </a:p>
         </p:txBody>
@@ -3774,8 +4342,8 @@
         </p:nvSpPr>
         <p:spPr>
           <a:xfrm>
-            <a:off x="1069920" y="2121480"/>
-            <a:ext cx="3238560" cy="1931760"/>
+            <a:off x="609480" y="1604520"/>
+            <a:ext cx="3533040" cy="1896840"/>
           </a:xfrm>
           <a:prstGeom prst="rect">
             <a:avLst/>
@@ -3790,20 +4358,8 @@
             <a:normAutofit/>
           </a:bodyPr>
           <a:p>
-            <a:pPr>
-              <a:lnSpc>
-                <a:spcPct val="90000"/>
-              </a:lnSpc>
-              <a:spcBef>
-                <a:spcPts val="1417"/>
-              </a:spcBef>
-              <a:buNone/>
-            </a:pPr>
-            <a:endParaRPr b="0" lang="en-US" sz="2000" spc="-1" strike="noStrike">
-              <a:solidFill>
-                <a:srgbClr val="000000"/>
-              </a:solidFill>
-              <a:latin typeface="Rockwell"/>
+            <a:endParaRPr b="0" lang="en-IE" sz="3200" spc="-1" strike="noStrike">
+              <a:latin typeface="Arial"/>
             </a:endParaRPr>
           </a:p>
         </p:txBody>
@@ -3820,8 +4376,8 @@
         </p:nvSpPr>
         <p:spPr>
           <a:xfrm>
-            <a:off x="4470840" y="2121480"/>
-            <a:ext cx="3238560" cy="1931760"/>
+            <a:off x="4319640" y="1604520"/>
+            <a:ext cx="3533040" cy="1896840"/>
           </a:xfrm>
           <a:prstGeom prst="rect">
             <a:avLst/>
@@ -3836,20 +4392,8 @@
             <a:normAutofit/>
           </a:bodyPr>
           <a:p>
-            <a:pPr>
-              <a:lnSpc>
-                <a:spcPct val="90000"/>
-              </a:lnSpc>
-              <a:spcBef>
-                <a:spcPts val="1417"/>
-              </a:spcBef>
-              <a:buNone/>
-            </a:pPr>
-            <a:endParaRPr b="0" lang="en-US" sz="2000" spc="-1" strike="noStrike">
-              <a:solidFill>
-                <a:srgbClr val="000000"/>
-              </a:solidFill>
-              <a:latin typeface="Rockwell"/>
+            <a:endParaRPr b="0" lang="en-IE" sz="3200" spc="-1" strike="noStrike">
+              <a:latin typeface="Arial"/>
             </a:endParaRPr>
           </a:p>
         </p:txBody>
@@ -3866,8 +4410,8 @@
         </p:nvSpPr>
         <p:spPr>
           <a:xfrm>
-            <a:off x="7871760" y="2121480"/>
-            <a:ext cx="3238560" cy="1931760"/>
+            <a:off x="8029800" y="1604520"/>
+            <a:ext cx="3533040" cy="1896840"/>
           </a:xfrm>
           <a:prstGeom prst="rect">
             <a:avLst/>
@@ -3882,20 +4426,8 @@
             <a:normAutofit/>
           </a:bodyPr>
           <a:p>
-            <a:pPr>
-              <a:lnSpc>
-                <a:spcPct val="90000"/>
-              </a:lnSpc>
-              <a:spcBef>
-                <a:spcPts val="1417"/>
-              </a:spcBef>
-              <a:buNone/>
-            </a:pPr>
-            <a:endParaRPr b="0" lang="en-US" sz="2000" spc="-1" strike="noStrike">
-              <a:solidFill>
-                <a:srgbClr val="000000"/>
-              </a:solidFill>
-              <a:latin typeface="Rockwell"/>
+            <a:endParaRPr b="0" lang="en-IE" sz="3200" spc="-1" strike="noStrike">
+              <a:latin typeface="Arial"/>
             </a:endParaRPr>
           </a:p>
         </p:txBody>
@@ -3912,8 +4444,8 @@
         </p:nvSpPr>
         <p:spPr>
           <a:xfrm>
-            <a:off x="1069920" y="4237200"/>
-            <a:ext cx="3238560" cy="1931760"/>
+            <a:off x="609480" y="3682080"/>
+            <a:ext cx="3533040" cy="1896840"/>
           </a:xfrm>
           <a:prstGeom prst="rect">
             <a:avLst/>
@@ -3928,20 +4460,8 @@
             <a:normAutofit/>
           </a:bodyPr>
           <a:p>
-            <a:pPr>
-              <a:lnSpc>
-                <a:spcPct val="90000"/>
-              </a:lnSpc>
-              <a:spcBef>
-                <a:spcPts val="1417"/>
-              </a:spcBef>
-              <a:buNone/>
-            </a:pPr>
-            <a:endParaRPr b="0" lang="en-US" sz="2000" spc="-1" strike="noStrike">
-              <a:solidFill>
-                <a:srgbClr val="000000"/>
-              </a:solidFill>
-              <a:latin typeface="Rockwell"/>
+            <a:endParaRPr b="0" lang="en-IE" sz="3200" spc="-1" strike="noStrike">
+              <a:latin typeface="Arial"/>
             </a:endParaRPr>
           </a:p>
         </p:txBody>
@@ -3958,8 +4478,8 @@
         </p:nvSpPr>
         <p:spPr>
           <a:xfrm>
-            <a:off x="4470840" y="4237200"/>
-            <a:ext cx="3238560" cy="1931760"/>
+            <a:off x="4319640" y="3682080"/>
+            <a:ext cx="3533040" cy="1896840"/>
           </a:xfrm>
           <a:prstGeom prst="rect">
             <a:avLst/>
@@ -3974,20 +4494,8 @@
             <a:normAutofit/>
           </a:bodyPr>
           <a:p>
-            <a:pPr>
-              <a:lnSpc>
-                <a:spcPct val="90000"/>
-              </a:lnSpc>
-              <a:spcBef>
-                <a:spcPts val="1417"/>
-              </a:spcBef>
-              <a:buNone/>
-            </a:pPr>
-            <a:endParaRPr b="0" lang="en-US" sz="2000" spc="-1" strike="noStrike">
-              <a:solidFill>
-                <a:srgbClr val="000000"/>
-              </a:solidFill>
-              <a:latin typeface="Rockwell"/>
+            <a:endParaRPr b="0" lang="en-IE" sz="3200" spc="-1" strike="noStrike">
+              <a:latin typeface="Arial"/>
             </a:endParaRPr>
           </a:p>
         </p:txBody>
@@ -4004,8 +4512,8 @@
         </p:nvSpPr>
         <p:spPr>
           <a:xfrm>
-            <a:off x="7871760" y="4237200"/>
-            <a:ext cx="3238560" cy="1931760"/>
+            <a:off x="8029800" y="3682080"/>
+            <a:ext cx="3533040" cy="1896840"/>
           </a:xfrm>
           <a:prstGeom prst="rect">
             <a:avLst/>
@@ -4020,20 +4528,8 @@
             <a:normAutofit/>
           </a:bodyPr>
           <a:p>
-            <a:pPr>
-              <a:lnSpc>
-                <a:spcPct val="90000"/>
-              </a:lnSpc>
-              <a:spcBef>
-                <a:spcPts val="1417"/>
-              </a:spcBef>
-              <a:buNone/>
-            </a:pPr>
-            <a:endParaRPr b="0" lang="en-US" sz="2000" spc="-1" strike="noStrike">
-              <a:solidFill>
-                <a:srgbClr val="000000"/>
-              </a:solidFill>
-              <a:latin typeface="Rockwell"/>
+            <a:endParaRPr b="0" lang="en-IE" sz="3200" spc="-1" strike="noStrike">
+              <a:latin typeface="Arial"/>
             </a:endParaRPr>
           </a:p>
         </p:txBody>
@@ -4045,7 +4541,7 @@
             <a:spLocks noGrp="1"/>
           </p:cNvSpPr>
           <p:nvPr>
-            <p:ph type="ftr" idx="5"/>
+            <p:ph type="ftr" idx="4"/>
           </p:nvPr>
         </p:nvSpPr>
         <p:spPr/>
@@ -4065,14 +4561,14 @@
             <a:spLocks noGrp="1"/>
           </p:cNvSpPr>
           <p:nvPr>
-            <p:ph type="sldNum" idx="6"/>
+            <p:ph type="sldNum" idx="5"/>
           </p:nvPr>
         </p:nvSpPr>
         <p:spPr/>
         <p:txBody>
           <a:bodyPr/>
           <a:p>
-            <a:fld id="{0A320F20-75C7-456F-85DA-D4E2FD1CD993}" type="slidenum">
+            <a:fld id="{FC5F3DA0-3533-401B-8264-98ABB5C251B1}" type="slidenum">
               <a:t>&lt;#&gt;</a:t>
             </a:fld>
           </a:p>
@@ -4085,7 +4581,7 @@
             <a:spLocks noGrp="1"/>
           </p:cNvSpPr>
           <p:nvPr>
-            <p:ph type="dt" idx="4"/>
+            <p:ph type="dt" idx="6"/>
           </p:nvPr>
         </p:nvSpPr>
         <p:spPr/>
@@ -4133,8 +4629,8 @@
         </p:nvSpPr>
         <p:spPr>
           <a:xfrm>
-            <a:off x="1069920" y="484560"/>
-            <a:ext cx="10058040" cy="1608840"/>
+            <a:off x="609480" y="273600"/>
+            <a:ext cx="10972440" cy="1144800"/>
           </a:xfrm>
           <a:prstGeom prst="rect">
             <a:avLst/>
@@ -4149,11 +4645,11 @@
             <a:noAutofit/>
           </a:bodyPr>
           <a:p>
-            <a:endParaRPr b="0" lang="en-US" sz="1800" spc="-1" strike="noStrike">
-              <a:solidFill>
-                <a:srgbClr val="000000"/>
-              </a:solidFill>
-              <a:latin typeface="Rockwell"/>
+            <a:pPr algn="ctr">
+              <a:buNone/>
+            </a:pPr>
+            <a:endParaRPr b="0" lang="en-IE" sz="4400" spc="-1" strike="noStrike">
+              <a:latin typeface="Arial"/>
             </a:endParaRPr>
           </a:p>
         </p:txBody>
@@ -4170,8 +4666,8 @@
         </p:nvSpPr>
         <p:spPr>
           <a:xfrm>
-            <a:off x="1069920" y="2121480"/>
-            <a:ext cx="10058040" cy="4050360"/>
+            <a:off x="609480" y="1604520"/>
+            <a:ext cx="10972440" cy="3977280"/>
           </a:xfrm>
           <a:prstGeom prst="rect">
             <a:avLst/>
@@ -4186,20 +4682,8 @@
             <a:normAutofit/>
           </a:bodyPr>
           <a:p>
-            <a:pPr>
-              <a:lnSpc>
-                <a:spcPct val="90000"/>
-              </a:lnSpc>
-              <a:spcBef>
-                <a:spcPts val="1417"/>
-              </a:spcBef>
-              <a:buNone/>
-            </a:pPr>
-            <a:endParaRPr b="0" lang="en-US" sz="2000" spc="-1" strike="noStrike">
-              <a:solidFill>
-                <a:srgbClr val="000000"/>
-              </a:solidFill>
-              <a:latin typeface="Rockwell"/>
+            <a:endParaRPr b="0" lang="en-IE" sz="3200" spc="-1" strike="noStrike">
+              <a:latin typeface="Arial"/>
             </a:endParaRPr>
           </a:p>
         </p:txBody>
@@ -4211,7 +4695,7 @@
             <a:spLocks noGrp="1"/>
           </p:cNvSpPr>
           <p:nvPr>
-            <p:ph type="ftr" idx="2"/>
+            <p:ph type="ftr" idx="1"/>
           </p:nvPr>
         </p:nvSpPr>
         <p:spPr/>
@@ -4231,14 +4715,14 @@
             <a:spLocks noGrp="1"/>
           </p:cNvSpPr>
           <p:nvPr>
-            <p:ph type="sldNum" idx="3"/>
+            <p:ph type="sldNum" idx="2"/>
           </p:nvPr>
         </p:nvSpPr>
         <p:spPr/>
         <p:txBody>
           <a:bodyPr/>
           <a:p>
-            <a:fld id="{DFDE9DCF-BDC0-476B-A07F-B607C558D007}" type="slidenum">
+            <a:fld id="{26231915-E48F-4731-97E6-6A3A83AA4DE0}" type="slidenum">
               <a:t>&lt;#&gt;</a:t>
             </a:fld>
           </a:p>
@@ -4251,7 +4735,7 @@
             <a:spLocks noGrp="1"/>
           </p:cNvSpPr>
           <p:nvPr>
-            <p:ph type="dt" idx="1"/>
+            <p:ph type="dt" idx="3"/>
           </p:nvPr>
         </p:nvSpPr>
         <p:spPr/>
@@ -4299,8 +4783,8 @@
         </p:nvSpPr>
         <p:spPr>
           <a:xfrm>
-            <a:off x="1069920" y="484560"/>
-            <a:ext cx="10058040" cy="1608840"/>
+            <a:off x="609480" y="273600"/>
+            <a:ext cx="10972440" cy="1144800"/>
           </a:xfrm>
           <a:prstGeom prst="rect">
             <a:avLst/>
@@ -4315,11 +4799,11 @@
             <a:noAutofit/>
           </a:bodyPr>
           <a:p>
-            <a:endParaRPr b="0" lang="en-US" sz="1800" spc="-1" strike="noStrike">
-              <a:solidFill>
-                <a:srgbClr val="000000"/>
-              </a:solidFill>
-              <a:latin typeface="Rockwell"/>
+            <a:pPr algn="ctr">
+              <a:buNone/>
+            </a:pPr>
+            <a:endParaRPr b="0" lang="en-IE" sz="4400" spc="-1" strike="noStrike">
+              <a:latin typeface="Arial"/>
             </a:endParaRPr>
           </a:p>
         </p:txBody>
@@ -4336,8 +4820,8 @@
         </p:nvSpPr>
         <p:spPr>
           <a:xfrm>
-            <a:off x="1069920" y="2121480"/>
-            <a:ext cx="4908240" cy="4050360"/>
+            <a:off x="609480" y="1604520"/>
+            <a:ext cx="5354280" cy="3977280"/>
           </a:xfrm>
           <a:prstGeom prst="rect">
             <a:avLst/>
@@ -4352,20 +4836,8 @@
             <a:normAutofit/>
           </a:bodyPr>
           <a:p>
-            <a:pPr>
-              <a:lnSpc>
-                <a:spcPct val="90000"/>
-              </a:lnSpc>
-              <a:spcBef>
-                <a:spcPts val="1417"/>
-              </a:spcBef>
-              <a:buNone/>
-            </a:pPr>
-            <a:endParaRPr b="0" lang="en-US" sz="2000" spc="-1" strike="noStrike">
-              <a:solidFill>
-                <a:srgbClr val="000000"/>
-              </a:solidFill>
-              <a:latin typeface="Rockwell"/>
+            <a:endParaRPr b="0" lang="en-IE" sz="3200" spc="-1" strike="noStrike">
+              <a:latin typeface="Arial"/>
             </a:endParaRPr>
           </a:p>
         </p:txBody>
@@ -4382,8 +4854,8 @@
         </p:nvSpPr>
         <p:spPr>
           <a:xfrm>
-            <a:off x="6224040" y="2121480"/>
-            <a:ext cx="4908240" cy="4050360"/>
+            <a:off x="6231960" y="1604520"/>
+            <a:ext cx="5354280" cy="3977280"/>
           </a:xfrm>
           <a:prstGeom prst="rect">
             <a:avLst/>
@@ -4398,20 +4870,8 @@
             <a:normAutofit/>
           </a:bodyPr>
           <a:p>
-            <a:pPr>
-              <a:lnSpc>
-                <a:spcPct val="90000"/>
-              </a:lnSpc>
-              <a:spcBef>
-                <a:spcPts val="1417"/>
-              </a:spcBef>
-              <a:buNone/>
-            </a:pPr>
-            <a:endParaRPr b="0" lang="en-US" sz="2000" spc="-1" strike="noStrike">
-              <a:solidFill>
-                <a:srgbClr val="000000"/>
-              </a:solidFill>
-              <a:latin typeface="Rockwell"/>
+            <a:endParaRPr b="0" lang="en-IE" sz="3200" spc="-1" strike="noStrike">
+              <a:latin typeface="Arial"/>
             </a:endParaRPr>
           </a:p>
         </p:txBody>
@@ -4423,7 +4883,7 @@
             <a:spLocks noGrp="1"/>
           </p:cNvSpPr>
           <p:nvPr>
-            <p:ph type="ftr" idx="2"/>
+            <p:ph type="ftr" idx="1"/>
           </p:nvPr>
         </p:nvSpPr>
         <p:spPr/>
@@ -4443,14 +4903,14 @@
             <a:spLocks noGrp="1"/>
           </p:cNvSpPr>
           <p:nvPr>
-            <p:ph type="sldNum" idx="3"/>
+            <p:ph type="sldNum" idx="2"/>
           </p:nvPr>
         </p:nvSpPr>
         <p:spPr/>
         <p:txBody>
           <a:bodyPr/>
           <a:p>
-            <a:fld id="{0CD98383-07DD-4ABD-8A1D-6CCF68F099DD}" type="slidenum">
+            <a:fld id="{2948B8EC-CEFF-465A-A276-68A51D543EF2}" type="slidenum">
               <a:t>&lt;#&gt;</a:t>
             </a:fld>
           </a:p>
@@ -4463,7 +4923,7 @@
             <a:spLocks noGrp="1"/>
           </p:cNvSpPr>
           <p:nvPr>
-            <p:ph type="dt" idx="1"/>
+            <p:ph type="dt" idx="3"/>
           </p:nvPr>
         </p:nvSpPr>
         <p:spPr/>
@@ -4511,8 +4971,8 @@
         </p:nvSpPr>
         <p:spPr>
           <a:xfrm>
-            <a:off x="1069920" y="484560"/>
-            <a:ext cx="10058040" cy="1608840"/>
+            <a:off x="609480" y="273600"/>
+            <a:ext cx="10972440" cy="1144800"/>
           </a:xfrm>
           <a:prstGeom prst="rect">
             <a:avLst/>
@@ -4527,11 +4987,11 @@
             <a:noAutofit/>
           </a:bodyPr>
           <a:p>
-            <a:endParaRPr b="0" lang="en-US" sz="1800" spc="-1" strike="noStrike">
-              <a:solidFill>
-                <a:srgbClr val="000000"/>
-              </a:solidFill>
-              <a:latin typeface="Rockwell"/>
+            <a:pPr algn="ctr">
+              <a:buNone/>
+            </a:pPr>
+            <a:endParaRPr b="0" lang="en-IE" sz="4400" spc="-1" strike="noStrike">
+              <a:latin typeface="Arial"/>
             </a:endParaRPr>
           </a:p>
         </p:txBody>
@@ -4543,7 +5003,7 @@
             <a:spLocks noGrp="1"/>
           </p:cNvSpPr>
           <p:nvPr>
-            <p:ph type="ftr" idx="2"/>
+            <p:ph type="ftr" idx="1"/>
           </p:nvPr>
         </p:nvSpPr>
         <p:spPr/>
@@ -4563,14 +5023,14 @@
             <a:spLocks noGrp="1"/>
           </p:cNvSpPr>
           <p:nvPr>
-            <p:ph type="sldNum" idx="3"/>
+            <p:ph type="sldNum" idx="2"/>
           </p:nvPr>
         </p:nvSpPr>
         <p:spPr/>
         <p:txBody>
           <a:bodyPr/>
           <a:p>
-            <a:fld id="{3C8DA978-4BAF-4E94-8182-307B40B4E7F5}" type="slidenum">
+            <a:fld id="{759D35A8-E039-4457-BF82-0BCFD600821A}" type="slidenum">
               <a:t>&lt;#&gt;</a:t>
             </a:fld>
           </a:p>
@@ -4583,7 +5043,7 @@
             <a:spLocks noGrp="1"/>
           </p:cNvSpPr>
           <p:nvPr>
-            <p:ph type="dt" idx="1"/>
+            <p:ph type="dt" idx="3"/>
           </p:nvPr>
         </p:nvSpPr>
         <p:spPr/>
@@ -4631,8 +5091,8 @@
         </p:nvSpPr>
         <p:spPr>
           <a:xfrm>
-            <a:off x="1069920" y="484560"/>
-            <a:ext cx="10058040" cy="7458840"/>
+            <a:off x="609480" y="273600"/>
+            <a:ext cx="10972440" cy="5307840"/>
           </a:xfrm>
           <a:prstGeom prst="rect">
             <a:avLst/>
@@ -4663,7 +5123,7 @@
             <a:spLocks noGrp="1"/>
           </p:cNvSpPr>
           <p:nvPr>
-            <p:ph type="ftr" idx="2"/>
+            <p:ph type="ftr" idx="1"/>
           </p:nvPr>
         </p:nvSpPr>
         <p:spPr/>
@@ -4683,14 +5143,14 @@
             <a:spLocks noGrp="1"/>
           </p:cNvSpPr>
           <p:nvPr>
-            <p:ph type="sldNum" idx="3"/>
+            <p:ph type="sldNum" idx="2"/>
           </p:nvPr>
         </p:nvSpPr>
         <p:spPr/>
         <p:txBody>
           <a:bodyPr/>
           <a:p>
-            <a:fld id="{234BB2EC-E3D3-4515-86F6-EDE43B222B54}" type="slidenum">
+            <a:fld id="{CB5674AD-DB96-4C2C-994C-CDDEB4790182}" type="slidenum">
               <a:t>&lt;#&gt;</a:t>
             </a:fld>
           </a:p>
@@ -4703,7 +5163,7 @@
             <a:spLocks noGrp="1"/>
           </p:cNvSpPr>
           <p:nvPr>
-            <p:ph type="dt" idx="1"/>
+            <p:ph type="dt" idx="3"/>
           </p:nvPr>
         </p:nvSpPr>
         <p:spPr/>
@@ -4751,8 +5211,8 @@
         </p:nvSpPr>
         <p:spPr>
           <a:xfrm>
-            <a:off x="1069920" y="484560"/>
-            <a:ext cx="10058040" cy="1608840"/>
+            <a:off x="609480" y="273600"/>
+            <a:ext cx="10972440" cy="1144800"/>
           </a:xfrm>
           <a:prstGeom prst="rect">
             <a:avLst/>
@@ -4767,11 +5227,11 @@
             <a:noAutofit/>
           </a:bodyPr>
           <a:p>
-            <a:endParaRPr b="0" lang="en-US" sz="1800" spc="-1" strike="noStrike">
-              <a:solidFill>
-                <a:srgbClr val="000000"/>
-              </a:solidFill>
-              <a:latin typeface="Rockwell"/>
+            <a:pPr algn="ctr">
+              <a:buNone/>
+            </a:pPr>
+            <a:endParaRPr b="0" lang="en-IE" sz="4400" spc="-1" strike="noStrike">
+              <a:latin typeface="Arial"/>
             </a:endParaRPr>
           </a:p>
         </p:txBody>
@@ -4788,8 +5248,8 @@
         </p:nvSpPr>
         <p:spPr>
           <a:xfrm>
-            <a:off x="1069920" y="2121480"/>
-            <a:ext cx="4908240" cy="1931760"/>
+            <a:off x="609480" y="1604520"/>
+            <a:ext cx="5354280" cy="1896840"/>
           </a:xfrm>
           <a:prstGeom prst="rect">
             <a:avLst/>
@@ -4804,20 +5264,8 @@
             <a:normAutofit/>
           </a:bodyPr>
           <a:p>
-            <a:pPr>
-              <a:lnSpc>
-                <a:spcPct val="90000"/>
-              </a:lnSpc>
-              <a:spcBef>
-                <a:spcPts val="1417"/>
-              </a:spcBef>
-              <a:buNone/>
-            </a:pPr>
-            <a:endParaRPr b="0" lang="en-US" sz="2000" spc="-1" strike="noStrike">
-              <a:solidFill>
-                <a:srgbClr val="000000"/>
-              </a:solidFill>
-              <a:latin typeface="Rockwell"/>
+            <a:endParaRPr b="0" lang="en-IE" sz="3200" spc="-1" strike="noStrike">
+              <a:latin typeface="Arial"/>
             </a:endParaRPr>
           </a:p>
         </p:txBody>
@@ -4834,8 +5282,8 @@
         </p:nvSpPr>
         <p:spPr>
           <a:xfrm>
-            <a:off x="6224040" y="2121480"/>
-            <a:ext cx="4908240" cy="4050360"/>
+            <a:off x="6231960" y="1604520"/>
+            <a:ext cx="5354280" cy="3977280"/>
           </a:xfrm>
           <a:prstGeom prst="rect">
             <a:avLst/>
@@ -4850,20 +5298,8 @@
             <a:normAutofit/>
           </a:bodyPr>
           <a:p>
-            <a:pPr>
-              <a:lnSpc>
-                <a:spcPct val="90000"/>
-              </a:lnSpc>
-              <a:spcBef>
-                <a:spcPts val="1417"/>
-              </a:spcBef>
-              <a:buNone/>
-            </a:pPr>
-            <a:endParaRPr b="0" lang="en-US" sz="2000" spc="-1" strike="noStrike">
-              <a:solidFill>
-                <a:srgbClr val="000000"/>
-              </a:solidFill>
-              <a:latin typeface="Rockwell"/>
+            <a:endParaRPr b="0" lang="en-IE" sz="3200" spc="-1" strike="noStrike">
+              <a:latin typeface="Arial"/>
             </a:endParaRPr>
           </a:p>
         </p:txBody>
@@ -4880,8 +5316,8 @@
         </p:nvSpPr>
         <p:spPr>
           <a:xfrm>
-            <a:off x="1069920" y="4237200"/>
-            <a:ext cx="4908240" cy="1931760"/>
+            <a:off x="609480" y="3682080"/>
+            <a:ext cx="5354280" cy="1896840"/>
           </a:xfrm>
           <a:prstGeom prst="rect">
             <a:avLst/>
@@ -4896,20 +5332,8 @@
             <a:normAutofit/>
           </a:bodyPr>
           <a:p>
-            <a:pPr>
-              <a:lnSpc>
-                <a:spcPct val="90000"/>
-              </a:lnSpc>
-              <a:spcBef>
-                <a:spcPts val="1417"/>
-              </a:spcBef>
-              <a:buNone/>
-            </a:pPr>
-            <a:endParaRPr b="0" lang="en-US" sz="2000" spc="-1" strike="noStrike">
-              <a:solidFill>
-                <a:srgbClr val="000000"/>
-              </a:solidFill>
-              <a:latin typeface="Rockwell"/>
+            <a:endParaRPr b="0" lang="en-IE" sz="3200" spc="-1" strike="noStrike">
+              <a:latin typeface="Arial"/>
             </a:endParaRPr>
           </a:p>
         </p:txBody>
@@ -4921,7 +5345,7 @@
             <a:spLocks noGrp="1"/>
           </p:cNvSpPr>
           <p:nvPr>
-            <p:ph type="ftr" idx="2"/>
+            <p:ph type="ftr" idx="1"/>
           </p:nvPr>
         </p:nvSpPr>
         <p:spPr/>
@@ -4941,14 +5365,14 @@
             <a:spLocks noGrp="1"/>
           </p:cNvSpPr>
           <p:nvPr>
-            <p:ph type="sldNum" idx="3"/>
+            <p:ph type="sldNum" idx="2"/>
           </p:nvPr>
         </p:nvSpPr>
         <p:spPr/>
         <p:txBody>
           <a:bodyPr/>
           <a:p>
-            <a:fld id="{B16D0FB5-E1A1-4C94-A09F-3F22B836ECB1}" type="slidenum">
+            <a:fld id="{7B01DEDD-6189-40DB-A319-125FFF83D074}" type="slidenum">
               <a:t>&lt;#&gt;</a:t>
             </a:fld>
           </a:p>
@@ -4961,7 +5385,7 @@
             <a:spLocks noGrp="1"/>
           </p:cNvSpPr>
           <p:nvPr>
-            <p:ph type="dt" idx="1"/>
+            <p:ph type="dt" idx="3"/>
           </p:nvPr>
         </p:nvSpPr>
         <p:spPr/>
@@ -5009,8 +5433,8 @@
         </p:nvSpPr>
         <p:spPr>
           <a:xfrm>
-            <a:off x="1069920" y="484560"/>
-            <a:ext cx="10058040" cy="1608840"/>
+            <a:off x="609480" y="273600"/>
+            <a:ext cx="10972440" cy="1144800"/>
           </a:xfrm>
           <a:prstGeom prst="rect">
             <a:avLst/>
@@ -5025,11 +5449,11 @@
             <a:noAutofit/>
           </a:bodyPr>
           <a:p>
-            <a:endParaRPr b="0" lang="en-US" sz="1800" spc="-1" strike="noStrike">
-              <a:solidFill>
-                <a:srgbClr val="000000"/>
-              </a:solidFill>
-              <a:latin typeface="Rockwell"/>
+            <a:pPr algn="ctr">
+              <a:buNone/>
+            </a:pPr>
+            <a:endParaRPr b="0" lang="en-IE" sz="4400" spc="-1" strike="noStrike">
+              <a:latin typeface="Arial"/>
             </a:endParaRPr>
           </a:p>
         </p:txBody>
@@ -5046,8 +5470,8 @@
         </p:nvSpPr>
         <p:spPr>
           <a:xfrm>
-            <a:off x="1069920" y="2121480"/>
-            <a:ext cx="4908240" cy="4050360"/>
+            <a:off x="609480" y="1604520"/>
+            <a:ext cx="5354280" cy="3977280"/>
           </a:xfrm>
           <a:prstGeom prst="rect">
             <a:avLst/>
@@ -5062,20 +5486,8 @@
             <a:normAutofit/>
           </a:bodyPr>
           <a:p>
-            <a:pPr>
-              <a:lnSpc>
-                <a:spcPct val="90000"/>
-              </a:lnSpc>
-              <a:spcBef>
-                <a:spcPts val="1417"/>
-              </a:spcBef>
-              <a:buNone/>
-            </a:pPr>
-            <a:endParaRPr b="0" lang="en-US" sz="2000" spc="-1" strike="noStrike">
-              <a:solidFill>
-                <a:srgbClr val="000000"/>
-              </a:solidFill>
-              <a:latin typeface="Rockwell"/>
+            <a:endParaRPr b="0" lang="en-IE" sz="3200" spc="-1" strike="noStrike">
+              <a:latin typeface="Arial"/>
             </a:endParaRPr>
           </a:p>
         </p:txBody>
@@ -5092,8 +5504,8 @@
         </p:nvSpPr>
         <p:spPr>
           <a:xfrm>
-            <a:off x="6224040" y="2121480"/>
-            <a:ext cx="4908240" cy="1931760"/>
+            <a:off x="6231960" y="1604520"/>
+            <a:ext cx="5354280" cy="1896840"/>
           </a:xfrm>
           <a:prstGeom prst="rect">
             <a:avLst/>
@@ -5108,20 +5520,8 @@
             <a:normAutofit/>
           </a:bodyPr>
           <a:p>
-            <a:pPr>
-              <a:lnSpc>
-                <a:spcPct val="90000"/>
-              </a:lnSpc>
-              <a:spcBef>
-                <a:spcPts val="1417"/>
-              </a:spcBef>
-              <a:buNone/>
-            </a:pPr>
-            <a:endParaRPr b="0" lang="en-US" sz="2000" spc="-1" strike="noStrike">
-              <a:solidFill>
-                <a:srgbClr val="000000"/>
-              </a:solidFill>
-              <a:latin typeface="Rockwell"/>
+            <a:endParaRPr b="0" lang="en-IE" sz="3200" spc="-1" strike="noStrike">
+              <a:latin typeface="Arial"/>
             </a:endParaRPr>
           </a:p>
         </p:txBody>
@@ -5138,8 +5538,8 @@
         </p:nvSpPr>
         <p:spPr>
           <a:xfrm>
-            <a:off x="6224040" y="4237200"/>
-            <a:ext cx="4908240" cy="1931760"/>
+            <a:off x="6231960" y="3682080"/>
+            <a:ext cx="5354280" cy="1896840"/>
           </a:xfrm>
           <a:prstGeom prst="rect">
             <a:avLst/>
@@ -5154,20 +5554,8 @@
             <a:normAutofit/>
           </a:bodyPr>
           <a:p>
-            <a:pPr>
-              <a:lnSpc>
-                <a:spcPct val="90000"/>
-              </a:lnSpc>
-              <a:spcBef>
-                <a:spcPts val="1417"/>
-              </a:spcBef>
-              <a:buNone/>
-            </a:pPr>
-            <a:endParaRPr b="0" lang="en-US" sz="2000" spc="-1" strike="noStrike">
-              <a:solidFill>
-                <a:srgbClr val="000000"/>
-              </a:solidFill>
-              <a:latin typeface="Rockwell"/>
+            <a:endParaRPr b="0" lang="en-IE" sz="3200" spc="-1" strike="noStrike">
+              <a:latin typeface="Arial"/>
             </a:endParaRPr>
           </a:p>
         </p:txBody>
@@ -5179,7 +5567,7 @@
             <a:spLocks noGrp="1"/>
           </p:cNvSpPr>
           <p:nvPr>
-            <p:ph type="ftr" idx="2"/>
+            <p:ph type="ftr" idx="1"/>
           </p:nvPr>
         </p:nvSpPr>
         <p:spPr/>
@@ -5199,14 +5587,14 @@
             <a:spLocks noGrp="1"/>
           </p:cNvSpPr>
           <p:nvPr>
-            <p:ph type="sldNum" idx="3"/>
+            <p:ph type="sldNum" idx="2"/>
           </p:nvPr>
         </p:nvSpPr>
         <p:spPr/>
         <p:txBody>
           <a:bodyPr/>
           <a:p>
-            <a:fld id="{81AFB2A7-D484-4786-94F7-B44A3322CC60}" type="slidenum">
+            <a:fld id="{F89B707D-9491-46F6-8124-B29BF409442B}" type="slidenum">
               <a:t>&lt;#&gt;</a:t>
             </a:fld>
           </a:p>
@@ -5219,7 +5607,7 @@
             <a:spLocks noGrp="1"/>
           </p:cNvSpPr>
           <p:nvPr>
-            <p:ph type="dt" idx="1"/>
+            <p:ph type="dt" idx="3"/>
           </p:nvPr>
         </p:nvSpPr>
         <p:spPr/>
@@ -5267,8 +5655,8 @@
         </p:nvSpPr>
         <p:spPr>
           <a:xfrm>
-            <a:off x="1069920" y="484560"/>
-            <a:ext cx="10058040" cy="1608840"/>
+            <a:off x="609480" y="273600"/>
+            <a:ext cx="10972440" cy="1144800"/>
           </a:xfrm>
           <a:prstGeom prst="rect">
             <a:avLst/>
@@ -5283,11 +5671,11 @@
             <a:noAutofit/>
           </a:bodyPr>
           <a:p>
-            <a:endParaRPr b="0" lang="en-US" sz="1800" spc="-1" strike="noStrike">
-              <a:solidFill>
-                <a:srgbClr val="000000"/>
-              </a:solidFill>
-              <a:latin typeface="Rockwell"/>
+            <a:pPr algn="ctr">
+              <a:buNone/>
+            </a:pPr>
+            <a:endParaRPr b="0" lang="en-IE" sz="4400" spc="-1" strike="noStrike">
+              <a:latin typeface="Arial"/>
             </a:endParaRPr>
           </a:p>
         </p:txBody>
@@ -5304,8 +5692,8 @@
         </p:nvSpPr>
         <p:spPr>
           <a:xfrm>
-            <a:off x="1069920" y="2121480"/>
-            <a:ext cx="4908240" cy="1931760"/>
+            <a:off x="609480" y="1604520"/>
+            <a:ext cx="5354280" cy="1896840"/>
           </a:xfrm>
           <a:prstGeom prst="rect">
             <a:avLst/>
@@ -5320,20 +5708,8 @@
             <a:normAutofit/>
           </a:bodyPr>
           <a:p>
-            <a:pPr>
-              <a:lnSpc>
-                <a:spcPct val="90000"/>
-              </a:lnSpc>
-              <a:spcBef>
-                <a:spcPts val="1417"/>
-              </a:spcBef>
-              <a:buNone/>
-            </a:pPr>
-            <a:endParaRPr b="0" lang="en-US" sz="2000" spc="-1" strike="noStrike">
-              <a:solidFill>
-                <a:srgbClr val="000000"/>
-              </a:solidFill>
-              <a:latin typeface="Rockwell"/>
+            <a:endParaRPr b="0" lang="en-IE" sz="3200" spc="-1" strike="noStrike">
+              <a:latin typeface="Arial"/>
             </a:endParaRPr>
           </a:p>
         </p:txBody>
@@ -5350,8 +5726,8 @@
         </p:nvSpPr>
         <p:spPr>
           <a:xfrm>
-            <a:off x="6224040" y="2121480"/>
-            <a:ext cx="4908240" cy="1931760"/>
+            <a:off x="6231960" y="1604520"/>
+            <a:ext cx="5354280" cy="1896840"/>
           </a:xfrm>
           <a:prstGeom prst="rect">
             <a:avLst/>
@@ -5366,20 +5742,8 @@
             <a:normAutofit/>
           </a:bodyPr>
           <a:p>
-            <a:pPr>
-              <a:lnSpc>
-                <a:spcPct val="90000"/>
-              </a:lnSpc>
-              <a:spcBef>
-                <a:spcPts val="1417"/>
-              </a:spcBef>
-              <a:buNone/>
-            </a:pPr>
-            <a:endParaRPr b="0" lang="en-US" sz="2000" spc="-1" strike="noStrike">
-              <a:solidFill>
-                <a:srgbClr val="000000"/>
-              </a:solidFill>
-              <a:latin typeface="Rockwell"/>
+            <a:endParaRPr b="0" lang="en-IE" sz="3200" spc="-1" strike="noStrike">
+              <a:latin typeface="Arial"/>
             </a:endParaRPr>
           </a:p>
         </p:txBody>
@@ -5396,8 +5760,8 @@
         </p:nvSpPr>
         <p:spPr>
           <a:xfrm>
-            <a:off x="1069920" y="4237200"/>
-            <a:ext cx="10058040" cy="1931760"/>
+            <a:off x="609480" y="3682080"/>
+            <a:ext cx="10972440" cy="1896840"/>
           </a:xfrm>
           <a:prstGeom prst="rect">
             <a:avLst/>
@@ -5412,20 +5776,8 @@
             <a:normAutofit/>
           </a:bodyPr>
           <a:p>
-            <a:pPr>
-              <a:lnSpc>
-                <a:spcPct val="90000"/>
-              </a:lnSpc>
-              <a:spcBef>
-                <a:spcPts val="1417"/>
-              </a:spcBef>
-              <a:buNone/>
-            </a:pPr>
-            <a:endParaRPr b="0" lang="en-US" sz="2000" spc="-1" strike="noStrike">
-              <a:solidFill>
-                <a:srgbClr val="000000"/>
-              </a:solidFill>
-              <a:latin typeface="Rockwell"/>
+            <a:endParaRPr b="0" lang="en-IE" sz="3200" spc="-1" strike="noStrike">
+              <a:latin typeface="Arial"/>
             </a:endParaRPr>
           </a:p>
         </p:txBody>
@@ -5437,7 +5789,7 @@
             <a:spLocks noGrp="1"/>
           </p:cNvSpPr>
           <p:nvPr>
-            <p:ph type="ftr" idx="2"/>
+            <p:ph type="ftr" idx="1"/>
           </p:nvPr>
         </p:nvSpPr>
         <p:spPr/>
@@ -5457,14 +5809,14 @@
             <a:spLocks noGrp="1"/>
           </p:cNvSpPr>
           <p:nvPr>
-            <p:ph type="sldNum" idx="3"/>
+            <p:ph type="sldNum" idx="2"/>
           </p:nvPr>
         </p:nvSpPr>
         <p:spPr/>
         <p:txBody>
           <a:bodyPr/>
           <a:p>
-            <a:fld id="{82E6EF75-300F-419A-9C8E-075A1F24BCDF}" type="slidenum">
+            <a:fld id="{120CC69B-64B0-4FF1-9C63-137489D2F483}" type="slidenum">
               <a:t>&lt;#&gt;</a:t>
             </a:fld>
           </a:p>
@@ -5477,7 +5829,7 @@
             <a:spLocks noGrp="1"/>
           </p:cNvSpPr>
           <p:nvPr>
-            <p:ph type="dt" idx="1"/>
+            <p:ph type="dt" idx="3"/>
           </p:nvPr>
         </p:nvSpPr>
         <p:spPr/>
@@ -5529,9 +5881,9 @@
         <p:grpSpPr>
           <a:xfrm>
             <a:off x="11401560" y="6229800"/>
-            <a:ext cx="456840" cy="456840"/>
+            <a:ext cx="456480" cy="456480"/>
             <a:chOff x="11401560" y="6229800"/>
-            <a:chExt cx="456840" cy="456840"/>
+            <a:chExt cx="456480" cy="456480"/>
           </a:xfrm>
         </p:grpSpPr>
         <p:sp>
@@ -5543,7 +5895,7 @@
           <p:spPr>
             <a:xfrm>
               <a:off x="11401560" y="6229800"/>
-              <a:ext cx="456840" cy="456840"/>
+              <a:ext cx="456480" cy="456480"/>
             </a:xfrm>
             <a:prstGeom prst="ellipse">
               <a:avLst/>
@@ -5573,7 +5925,7 @@
           <p:spPr>
             <a:xfrm>
               <a:off x="11431080" y="6258960"/>
-              <a:ext cx="398520" cy="398520"/>
+              <a:ext cx="398160" cy="398160"/>
             </a:xfrm>
             <a:prstGeom prst="ellipse">
               <a:avLst/>
@@ -5603,7 +5955,7 @@
         <p:spPr>
           <a:xfrm>
             <a:off x="920880" y="1347120"/>
-            <a:ext cx="10222560" cy="80280"/>
+            <a:ext cx="10222200" cy="79920"/>
           </a:xfrm>
           <a:prstGeom prst="rect">
             <a:avLst/>
@@ -5643,7 +5995,7 @@
         <p:spPr>
           <a:xfrm>
             <a:off x="920880" y="4299840"/>
-            <a:ext cx="10222560" cy="80280"/>
+            <a:ext cx="10222200" cy="79920"/>
           </a:xfrm>
           <a:prstGeom prst="rect">
             <a:avLst/>
@@ -5683,7 +6035,7 @@
         <p:spPr>
           <a:xfrm>
             <a:off x="920880" y="1484640"/>
-            <a:ext cx="10222560" cy="2742840"/>
+            <a:ext cx="10222200" cy="2742480"/>
           </a:xfrm>
           <a:prstGeom prst="rect">
             <a:avLst/>
@@ -5723,9 +6075,9 @@
         <p:grpSpPr>
           <a:xfrm>
             <a:off x="9649080" y="4069080"/>
-            <a:ext cx="1080720" cy="1080720"/>
+            <a:ext cx="1080360" cy="1080360"/>
             <a:chOff x="9649080" y="4069080"/>
-            <a:chExt cx="1080720" cy="1080720"/>
+            <a:chExt cx="1080360" cy="1080360"/>
           </a:xfrm>
         </p:grpSpPr>
         <p:sp>
@@ -5737,7 +6089,7 @@
           <p:spPr>
             <a:xfrm>
               <a:off x="9649080" y="4069080"/>
-              <a:ext cx="1080720" cy="1080720"/>
+              <a:ext cx="1080360" cy="1080360"/>
             </a:xfrm>
             <a:prstGeom prst="ellipse">
               <a:avLst/>
@@ -5767,7 +6119,7 @@
           <p:spPr>
             <a:xfrm>
               <a:off x="9757440" y="4177080"/>
-              <a:ext cx="864360" cy="864360"/>
+              <a:ext cx="864000" cy="864000"/>
             </a:xfrm>
             <a:prstGeom prst="ellipse">
               <a:avLst/>
@@ -5800,8 +6152,8 @@
         </p:nvSpPr>
         <p:spPr>
           <a:xfrm>
-            <a:off x="1051560" y="1432080"/>
-            <a:ext cx="9966600" cy="3035520"/>
+            <a:off x="1069920" y="484560"/>
+            <a:ext cx="10057680" cy="1608480"/>
           </a:xfrm>
           <a:prstGeom prst="rect">
             <a:avLst/>
@@ -5812,51 +6164,18 @@
           </a:ln>
         </p:spPr>
         <p:txBody>
-          <a:bodyPr anchor="ctr">
+          <a:bodyPr lIns="0" rIns="0" tIns="0" bIns="0" anchor="ctr">
             <a:noAutofit/>
           </a:bodyPr>
           <a:p>
-            <a:pPr>
-              <a:lnSpc>
-                <a:spcPct val="80000"/>
-              </a:lnSpc>
-              <a:buNone/>
-            </a:pPr>
-            <a:r>
-              <a:rPr b="0" lang="en-US" sz="9600" spc="-1" strike="noStrike" cap="all">
-                <a:latin typeface="Rockwell Condensed"/>
-              </a:rPr>
-              <a:t>Click to </a:t>
-            </a:r>
-            <a:r>
-              <a:rPr b="0" lang="en-US" sz="9600" spc="-1" strike="noStrike" cap="all">
-                <a:latin typeface="Rockwell Condensed"/>
-              </a:rPr>
-              <a:t>edit </a:t>
-            </a:r>
-            <a:r>
-              <a:rPr b="0" lang="en-US" sz="9600" spc="-1" strike="noStrike" cap="all">
-                <a:latin typeface="Rockwell Condensed"/>
-              </a:rPr>
-              <a:t>Master </a:t>
-            </a:r>
-            <a:r>
-              <a:rPr b="0" lang="en-US" sz="9600" spc="-1" strike="noStrike" cap="all">
-                <a:latin typeface="Rockwell Condensed"/>
-              </a:rPr>
-              <a:t>title </a:t>
-            </a:r>
-            <a:r>
-              <a:rPr b="0" lang="en-US" sz="9600" spc="-1" strike="noStrike" cap="all">
-                <a:latin typeface="Rockwell Condensed"/>
-              </a:rPr>
-              <a:t>style</a:t>
-            </a:r>
-            <a:endParaRPr b="0" lang="en-US" sz="9600" spc="-1" strike="noStrike">
-              <a:solidFill>
-                <a:srgbClr val="000000"/>
-              </a:solidFill>
-              <a:latin typeface="Rockwell"/>
+            <a:r>
+              <a:rPr b="0" lang="en-IE" sz="1800" spc="-1" strike="noStrike">
+                <a:latin typeface="Arial"/>
+              </a:rPr>
+              <a:t>Click to edit the title text format</a:t>
+            </a:r>
+            <a:endParaRPr b="0" lang="en-IE" sz="1800" spc="-1" strike="noStrike">
+              <a:latin typeface="Arial"/>
             </a:endParaRPr>
           </a:p>
         </p:txBody>
@@ -5868,13 +6187,13 @@
             <a:spLocks noGrp="1"/>
           </p:cNvSpPr>
           <p:nvPr>
-            <p:ph type="dt" idx="1"/>
+            <p:ph type="ftr" idx="1"/>
           </p:nvPr>
         </p:nvSpPr>
         <p:spPr>
           <a:xfrm>
-            <a:off x="7964280" y="6272640"/>
-            <a:ext cx="3273120" cy="364680"/>
+            <a:off x="1088280" y="6272640"/>
+            <a:ext cx="6327000" cy="364320"/>
           </a:xfrm>
           <a:prstGeom prst="rect">
             <a:avLst/>
@@ -5885,40 +6204,34 @@
           </a:ln>
         </p:spPr>
         <p:txBody>
-          <a:bodyPr anchor="ctr">
+          <a:bodyPr lIns="90000" rIns="90000" tIns="45000" bIns="45000" anchor="ctr">
             <a:noAutofit/>
           </a:bodyPr>
           <a:lstStyle>
-            <a:lvl1pPr algn="r">
+            <a:lvl1pPr algn="ctr">
               <a:lnSpc>
                 <a:spcPct val="100000"/>
               </a:lnSpc>
               <a:buNone/>
-              <a:defRPr b="0" lang="en-US" sz="1100" spc="-1" strike="noStrike">
-                <a:solidFill>
-                  <a:srgbClr val="696464"/>
-                </a:solidFill>
-                <a:latin typeface="Rockwell"/>
+              <a:defRPr b="0" lang="en-IE" sz="1400" spc="-1" strike="noStrike">
+                <a:latin typeface="Times New Roman"/>
               </a:defRPr>
             </a:lvl1pPr>
           </a:lstStyle>
           <a:p>
-            <a:pPr algn="r">
+            <a:pPr algn="ctr">
               <a:lnSpc>
                 <a:spcPct val="100000"/>
               </a:lnSpc>
               <a:buNone/>
             </a:pPr>
             <a:r>
-              <a:rPr b="0" lang="en-US" sz="1100" spc="-1" strike="noStrike">
-                <a:solidFill>
-                  <a:srgbClr val="696464"/>
-                </a:solidFill>
-                <a:latin typeface="Rockwell"/>
-              </a:rPr>
-              <a:t>&lt;date/time&gt;</a:t>
-            </a:r>
-            <a:endParaRPr b="0" lang="en-IE" sz="1100" spc="-1" strike="noStrike">
+              <a:rPr b="0" lang="en-IE" sz="1400" spc="-1" strike="noStrike">
+                <a:latin typeface="Times New Roman"/>
+              </a:rPr>
+              <a:t>&lt;footer&gt;</a:t>
+            </a:r>
+            <a:endParaRPr b="0" lang="en-IE" sz="1400" spc="-1" strike="noStrike">
               <a:latin typeface="Times New Roman"/>
             </a:endParaRPr>
           </a:p>
@@ -5931,13 +6244,13 @@
             <a:spLocks noGrp="1"/>
           </p:cNvSpPr>
           <p:nvPr>
-            <p:ph type="ftr" idx="2"/>
+            <p:ph type="sldNum" idx="2"/>
           </p:nvPr>
         </p:nvSpPr>
         <p:spPr>
           <a:xfrm>
-            <a:off x="1088280" y="6272640"/>
-            <a:ext cx="6327360" cy="364680"/>
+            <a:off x="9592560" y="4289400"/>
+            <a:ext cx="1193040" cy="639360"/>
           </a:xfrm>
           <a:prstGeom prst="rect">
             <a:avLst/>
@@ -5948,28 +6261,40 @@
           </a:ln>
         </p:spPr>
         <p:txBody>
-          <a:bodyPr anchor="ctr">
+          <a:bodyPr lIns="90000" rIns="90000" tIns="45000" bIns="45000" anchor="ctr">
             <a:noAutofit/>
           </a:bodyPr>
           <a:lstStyle>
             <a:lvl1pPr algn="ctr">
-              <a:buNone/>
-              <a:defRPr b="0" lang="en-IE" sz="1400" spc="-1" strike="noStrike">
-                <a:latin typeface="Times New Roman"/>
+              <a:lnSpc>
+                <a:spcPct val="100000"/>
+              </a:lnSpc>
+              <a:buNone/>
+              <a:defRPr b="1" lang="en-US" sz="2800" spc="-1" strike="noStrike">
+                <a:solidFill>
+                  <a:srgbClr val="ffffff"/>
+                </a:solidFill>
+                <a:latin typeface="Rockwell Condensed"/>
               </a:defRPr>
             </a:lvl1pPr>
           </a:lstStyle>
           <a:p>
             <a:pPr algn="ctr">
-              <a:buNone/>
-            </a:pPr>
-            <a:r>
-              <a:rPr b="0" lang="en-IE" sz="1400" spc="-1" strike="noStrike">
-                <a:latin typeface="Times New Roman"/>
-              </a:rPr>
-              <a:t>&lt;footer&gt;</a:t>
-            </a:r>
-            <a:endParaRPr b="0" lang="en-IE" sz="1400" spc="-1" strike="noStrike">
+              <a:lnSpc>
+                <a:spcPct val="100000"/>
+              </a:lnSpc>
+              <a:buNone/>
+            </a:pPr>
+            <a:fld id="{A03FC3A3-D8BF-474F-8D4B-A2A619729363}" type="slidenum">
+              <a:rPr b="1" lang="en-US" sz="2800" spc="-1" strike="noStrike">
+                <a:solidFill>
+                  <a:srgbClr val="ffffff"/>
+                </a:solidFill>
+                <a:latin typeface="Rockwell Condensed"/>
+              </a:rPr>
+              <a:t>&lt;number&gt;</a:t>
+            </a:fld>
+            <a:endParaRPr b="0" lang="en-IE" sz="2800" spc="-1" strike="noStrike">
               <a:latin typeface="Times New Roman"/>
             </a:endParaRPr>
           </a:p>
@@ -5982,13 +6307,13 @@
             <a:spLocks noGrp="1"/>
           </p:cNvSpPr>
           <p:nvPr>
-            <p:ph type="sldNum" idx="3"/>
+            <p:ph type="dt" idx="3"/>
           </p:nvPr>
         </p:nvSpPr>
         <p:spPr>
           <a:xfrm>
-            <a:off x="9592560" y="4289400"/>
-            <a:ext cx="1193400" cy="639720"/>
+            <a:off x="7964280" y="6272640"/>
+            <a:ext cx="3272760" cy="364320"/>
           </a:xfrm>
           <a:prstGeom prst="rect">
             <a:avLst/>
@@ -5999,40 +6324,24 @@
           </a:ln>
         </p:spPr>
         <p:txBody>
-          <a:bodyPr anchor="ctr">
+          <a:bodyPr lIns="90000" rIns="90000" tIns="45000" bIns="45000" anchor="ctr">
             <a:noAutofit/>
           </a:bodyPr>
           <a:lstStyle>
-            <a:lvl1pPr algn="ctr">
-              <a:lnSpc>
-                <a:spcPct val="100000"/>
-              </a:lnSpc>
-              <a:buNone/>
-              <a:defRPr b="1" lang="en-US" sz="2800" spc="-1" strike="noStrike">
-                <a:solidFill>
-                  <a:srgbClr val="ffffff"/>
-                </a:solidFill>
-                <a:latin typeface="Rockwell Condensed"/>
+            <a:lvl1pPr>
+              <a:defRPr b="0" lang="en-IE" sz="1400" spc="-1" strike="noStrike">
+                <a:latin typeface="Times New Roman"/>
               </a:defRPr>
             </a:lvl1pPr>
           </a:lstStyle>
           <a:p>
-            <a:pPr algn="ctr">
-              <a:lnSpc>
-                <a:spcPct val="100000"/>
-              </a:lnSpc>
-              <a:buNone/>
-            </a:pPr>
-            <a:fld id="{11509498-9056-4C3B-BB59-7DD7D50D2DEF}" type="slidenum">
-              <a:rPr b="1" lang="en-US" sz="2800" spc="-1" strike="noStrike">
-                <a:solidFill>
-                  <a:srgbClr val="ffffff"/>
-                </a:solidFill>
-                <a:latin typeface="Rockwell Condensed"/>
-              </a:rPr>
-              <a:t>&lt;number&gt;</a:t>
-            </a:fld>
-            <a:endParaRPr b="0" lang="en-IE" sz="2800" spc="-1" strike="noStrike">
+            <a:r>
+              <a:rPr b="0" lang="en-IE" sz="1400" spc="-1" strike="noStrike">
+                <a:latin typeface="Times New Roman"/>
+              </a:rPr>
+              <a:t>&lt;date/time&gt;</a:t>
+            </a:r>
+            <a:endParaRPr b="0" lang="en-IE" sz="1400" spc="-1" strike="noStrike">
               <a:latin typeface="Times New Roman"/>
             </a:endParaRPr>
           </a:p>
@@ -6067,9 +6376,6 @@
           </a:bodyPr>
           <a:p>
             <a:pPr marL="432000" indent="-324000">
-              <a:lnSpc>
-                <a:spcPct val="90000"/>
-              </a:lnSpc>
               <a:spcBef>
                 <a:spcPts val="1417"/>
               </a:spcBef>
@@ -6081,26 +6387,17 @@
               <a:buChar char=""/>
             </a:pPr>
             <a:r>
-              <a:rPr b="0" lang="en-US" sz="2000" spc="-1" strike="noStrike">
-                <a:solidFill>
-                  <a:srgbClr val="000000"/>
-                </a:solidFill>
-                <a:latin typeface="Rockwell"/>
+              <a:rPr b="0" lang="en-IE" sz="3200" spc="-1" strike="noStrike">
+                <a:latin typeface="Arial"/>
               </a:rPr>
               <a:t>Click to edit the outline text format</a:t>
             </a:r>
-            <a:endParaRPr b="0" lang="en-US" sz="2000" spc="-1" strike="noStrike">
-              <a:solidFill>
-                <a:srgbClr val="000000"/>
-              </a:solidFill>
-              <a:latin typeface="Rockwell"/>
+            <a:endParaRPr b="0" lang="en-IE" sz="3200" spc="-1" strike="noStrike">
+              <a:latin typeface="Arial"/>
             </a:endParaRPr>
           </a:p>
           <a:p>
             <a:pPr lvl="1" marL="864000" indent="-324000">
-              <a:lnSpc>
-                <a:spcPct val="90000"/>
-              </a:lnSpc>
               <a:spcBef>
                 <a:spcPts val="1134"/>
               </a:spcBef>
@@ -6112,26 +6409,17 @@
               <a:buChar char=""/>
             </a:pPr>
             <a:r>
-              <a:rPr b="0" lang="en-US" sz="1600" spc="-1" strike="noStrike">
-                <a:solidFill>
-                  <a:srgbClr val="000000"/>
-                </a:solidFill>
-                <a:latin typeface="Rockwell"/>
+              <a:rPr b="0" lang="en-IE" sz="2800" spc="-1" strike="noStrike">
+                <a:latin typeface="Arial"/>
               </a:rPr>
               <a:t>Second Outline Level</a:t>
             </a:r>
-            <a:endParaRPr b="0" lang="en-US" sz="1600" spc="-1" strike="noStrike">
-              <a:solidFill>
-                <a:srgbClr val="000000"/>
-              </a:solidFill>
-              <a:latin typeface="Rockwell"/>
+            <a:endParaRPr b="0" lang="en-IE" sz="2800" spc="-1" strike="noStrike">
+              <a:latin typeface="Arial"/>
             </a:endParaRPr>
           </a:p>
           <a:p>
             <a:pPr lvl="2" marL="1296000" indent="-288000">
-              <a:lnSpc>
-                <a:spcPct val="90000"/>
-              </a:lnSpc>
               <a:spcBef>
                 <a:spcPts val="850"/>
               </a:spcBef>
@@ -6143,26 +6431,17 @@
               <a:buChar char=""/>
             </a:pPr>
             <a:r>
-              <a:rPr b="0" lang="en-US" sz="1600" spc="-1" strike="noStrike">
-                <a:solidFill>
-                  <a:srgbClr val="000000"/>
-                </a:solidFill>
-                <a:latin typeface="Rockwell"/>
+              <a:rPr b="0" lang="en-IE" sz="2400" spc="-1" strike="noStrike">
+                <a:latin typeface="Arial"/>
               </a:rPr>
               <a:t>Third Outline Level</a:t>
             </a:r>
-            <a:endParaRPr b="0" lang="en-US" sz="1600" spc="-1" strike="noStrike">
-              <a:solidFill>
-                <a:srgbClr val="000000"/>
-              </a:solidFill>
-              <a:latin typeface="Rockwell"/>
+            <a:endParaRPr b="0" lang="en-IE" sz="2400" spc="-1" strike="noStrike">
+              <a:latin typeface="Arial"/>
             </a:endParaRPr>
           </a:p>
           <a:p>
             <a:pPr lvl="3" marL="1728000" indent="-216000">
-              <a:lnSpc>
-                <a:spcPct val="90000"/>
-              </a:lnSpc>
               <a:spcBef>
                 <a:spcPts val="567"/>
               </a:spcBef>
@@ -6174,26 +6453,17 @@
               <a:buChar char=""/>
             </a:pPr>
             <a:r>
-              <a:rPr b="0" lang="en-US" sz="1600" spc="-1" strike="noStrike">
-                <a:solidFill>
-                  <a:srgbClr val="000000"/>
-                </a:solidFill>
-                <a:latin typeface="Rockwell"/>
+              <a:rPr b="0" lang="en-IE" sz="2000" spc="-1" strike="noStrike">
+                <a:latin typeface="Arial"/>
               </a:rPr>
               <a:t>Fourth Outline Level</a:t>
             </a:r>
-            <a:endParaRPr b="0" lang="en-US" sz="1600" spc="-1" strike="noStrike">
-              <a:solidFill>
-                <a:srgbClr val="000000"/>
-              </a:solidFill>
-              <a:latin typeface="Rockwell"/>
+            <a:endParaRPr b="0" lang="en-IE" sz="2000" spc="-1" strike="noStrike">
+              <a:latin typeface="Arial"/>
             </a:endParaRPr>
           </a:p>
           <a:p>
             <a:pPr lvl="4" marL="2160000" indent="-216000">
-              <a:lnSpc>
-                <a:spcPct val="90000"/>
-              </a:lnSpc>
               <a:spcBef>
                 <a:spcPts val="283"/>
               </a:spcBef>
@@ -6205,26 +6475,17 @@
               <a:buChar char=""/>
             </a:pPr>
             <a:r>
-              <a:rPr b="0" lang="en-US" sz="2000" spc="-1" strike="noStrike">
-                <a:solidFill>
-                  <a:srgbClr val="000000"/>
-                </a:solidFill>
-                <a:latin typeface="Rockwell"/>
+              <a:rPr b="0" lang="en-IE" sz="2000" spc="-1" strike="noStrike">
+                <a:latin typeface="Arial"/>
               </a:rPr>
               <a:t>Fifth Outline Level</a:t>
             </a:r>
-            <a:endParaRPr b="0" lang="en-US" sz="2000" spc="-1" strike="noStrike">
-              <a:solidFill>
-                <a:srgbClr val="000000"/>
-              </a:solidFill>
-              <a:latin typeface="Rockwell"/>
+            <a:endParaRPr b="0" lang="en-IE" sz="2000" spc="-1" strike="noStrike">
+              <a:latin typeface="Arial"/>
             </a:endParaRPr>
           </a:p>
           <a:p>
             <a:pPr lvl="5" marL="2592000" indent="-216000">
-              <a:lnSpc>
-                <a:spcPct val="90000"/>
-              </a:lnSpc>
               <a:spcBef>
                 <a:spcPts val="283"/>
               </a:spcBef>
@@ -6236,26 +6497,17 @@
               <a:buChar char=""/>
             </a:pPr>
             <a:r>
-              <a:rPr b="0" lang="en-US" sz="2000" spc="-1" strike="noStrike">
-                <a:solidFill>
-                  <a:srgbClr val="000000"/>
-                </a:solidFill>
-                <a:latin typeface="Rockwell"/>
+              <a:rPr b="0" lang="en-IE" sz="2000" spc="-1" strike="noStrike">
+                <a:latin typeface="Arial"/>
               </a:rPr>
               <a:t>Sixth Outline Level</a:t>
             </a:r>
-            <a:endParaRPr b="0" lang="en-US" sz="2000" spc="-1" strike="noStrike">
-              <a:solidFill>
-                <a:srgbClr val="000000"/>
-              </a:solidFill>
-              <a:latin typeface="Rockwell"/>
+            <a:endParaRPr b="0" lang="en-IE" sz="2000" spc="-1" strike="noStrike">
+              <a:latin typeface="Arial"/>
             </a:endParaRPr>
           </a:p>
           <a:p>
             <a:pPr lvl="6" marL="3024000" indent="-216000">
-              <a:lnSpc>
-                <a:spcPct val="90000"/>
-              </a:lnSpc>
               <a:spcBef>
                 <a:spcPts val="283"/>
               </a:spcBef>
@@ -6267,19 +6519,13 @@
               <a:buChar char=""/>
             </a:pPr>
             <a:r>
-              <a:rPr b="0" lang="en-US" sz="2000" spc="-1" strike="noStrike">
-                <a:solidFill>
-                  <a:srgbClr val="000000"/>
-                </a:solidFill>
-                <a:latin typeface="Rockwell"/>
+              <a:rPr b="0" lang="en-IE" sz="2000" spc="-1" strike="noStrike">
+                <a:latin typeface="Arial"/>
               </a:rPr>
               <a:t>Seventh Outline Level</a:t>
             </a:r>
-            <a:endParaRPr b="0" lang="en-US" sz="2000" spc="-1" strike="noStrike">
-              <a:solidFill>
-                <a:srgbClr val="000000"/>
-              </a:solidFill>
-              <a:latin typeface="Rockwell"/>
+            <a:endParaRPr b="0" lang="en-IE" sz="2000" spc="-1" strike="noStrike">
+              <a:latin typeface="Arial"/>
             </a:endParaRPr>
           </a:p>
         </p:txBody>
@@ -6337,9 +6583,9 @@
         <p:grpSpPr>
           <a:xfrm>
             <a:off x="11401560" y="6229800"/>
-            <a:ext cx="456840" cy="456840"/>
+            <a:ext cx="456480" cy="456480"/>
             <a:chOff x="11401560" y="6229800"/>
-            <a:chExt cx="456840" cy="456840"/>
+            <a:chExt cx="456480" cy="456480"/>
           </a:xfrm>
         </p:grpSpPr>
         <p:sp>
@@ -6351,7 +6597,7 @@
           <p:spPr>
             <a:xfrm>
               <a:off x="11401560" y="6229800"/>
-              <a:ext cx="456840" cy="456840"/>
+              <a:ext cx="456480" cy="456480"/>
             </a:xfrm>
             <a:prstGeom prst="ellipse">
               <a:avLst/>
@@ -6381,7 +6627,7 @@
           <p:spPr>
             <a:xfrm>
               <a:off x="11431080" y="6258960"/>
-              <a:ext cx="398520" cy="398520"/>
+              <a:ext cx="398160" cy="398160"/>
             </a:xfrm>
             <a:prstGeom prst="ellipse">
               <a:avLst/>
@@ -6409,13 +6655,13 @@
             <a:spLocks noGrp="1"/>
           </p:cNvSpPr>
           <p:nvPr>
-            <p:ph type="title"/>
+            <p:ph type="ftr" idx="4"/>
           </p:nvPr>
         </p:nvSpPr>
         <p:spPr>
           <a:xfrm>
-            <a:off x="1069920" y="484560"/>
-            <a:ext cx="10058040" cy="1608840"/>
+            <a:off x="1088280" y="6272640"/>
+            <a:ext cx="6327000" cy="364320"/>
           </a:xfrm>
           <a:prstGeom prst="rect">
             <a:avLst/>
@@ -6426,27 +6672,35 @@
           </a:ln>
         </p:spPr>
         <p:txBody>
-          <a:bodyPr anchor="ctr">
+          <a:bodyPr lIns="90000" rIns="90000" tIns="45000" bIns="45000" anchor="ctr">
             <a:noAutofit/>
           </a:bodyPr>
-          <a:p>
-            <a:pPr>
-              <a:lnSpc>
-                <a:spcPct val="90000"/>
-              </a:lnSpc>
-              <a:buNone/>
-            </a:pPr>
-            <a:r>
-              <a:rPr b="0" lang="en-US" sz="5400" spc="-1" strike="noStrike" cap="all">
-                <a:latin typeface="Rockwell Condensed"/>
-              </a:rPr>
-              <a:t>Click to edit Master title style</a:t>
-            </a:r>
-            <a:endParaRPr b="0" lang="en-US" sz="5400" spc="-1" strike="noStrike">
-              <a:solidFill>
-                <a:srgbClr val="000000"/>
-              </a:solidFill>
-              <a:latin typeface="Rockwell"/>
+          <a:lstStyle>
+            <a:lvl1pPr algn="ctr">
+              <a:lnSpc>
+                <a:spcPct val="100000"/>
+              </a:lnSpc>
+              <a:buNone/>
+              <a:defRPr b="0" lang="en-IE" sz="1400" spc="-1" strike="noStrike">
+                <a:latin typeface="Times New Roman"/>
+              </a:defRPr>
+            </a:lvl1pPr>
+          </a:lstStyle>
+          <a:p>
+            <a:pPr algn="ctr">
+              <a:lnSpc>
+                <a:spcPct val="100000"/>
+              </a:lnSpc>
+              <a:buNone/>
+            </a:pPr>
+            <a:r>
+              <a:rPr b="0" lang="en-IE" sz="1400" spc="-1" strike="noStrike">
+                <a:latin typeface="Times New Roman"/>
+              </a:rPr>
+              <a:t>&lt;footer&gt;</a:t>
+            </a:r>
+            <a:endParaRPr b="0" lang="en-IE" sz="1400" spc="-1" strike="noStrike">
+              <a:latin typeface="Times New Roman"/>
             </a:endParaRPr>
           </a:p>
         </p:txBody>
@@ -6458,13 +6712,13 @@
             <a:spLocks noGrp="1"/>
           </p:cNvSpPr>
           <p:nvPr>
-            <p:ph type="body"/>
+            <p:ph type="sldNum" idx="5"/>
           </p:nvPr>
         </p:nvSpPr>
         <p:spPr>
           <a:xfrm>
-            <a:off x="1069920" y="2121480"/>
-            <a:ext cx="10058040" cy="4050360"/>
+            <a:off x="11311200" y="6272640"/>
+            <a:ext cx="639360" cy="364320"/>
           </a:xfrm>
           <a:prstGeom prst="rect">
             <a:avLst/>
@@ -6475,174 +6729,41 @@
           </a:ln>
         </p:spPr>
         <p:txBody>
-          <a:bodyPr anchor="t">
+          <a:bodyPr lIns="90000" rIns="90000" tIns="45000" bIns="45000" anchor="ctr">
             <a:noAutofit/>
           </a:bodyPr>
-          <a:p>
-            <a:pPr marL="182880" indent="-182880">
-              <a:lnSpc>
-                <a:spcPct val="90000"/>
-              </a:lnSpc>
-              <a:spcBef>
-                <a:spcPts val="1199"/>
-              </a:spcBef>
-              <a:buClr>
-                <a:srgbClr val="9e3611"/>
-              </a:buClr>
-              <a:buSzPct val="85000"/>
-              <a:buFont typeface="Wingdings" charset="2"/>
-              <a:buChar char=""/>
-            </a:pPr>
-            <a:r>
-              <a:rPr b="0" lang="en-US" sz="2000" spc="-1" strike="noStrike">
-                <a:solidFill>
-                  <a:srgbClr val="000000"/>
-                </a:solidFill>
-                <a:latin typeface="Rockwell"/>
-              </a:rPr>
-              <a:t>Click to edit Master text styles</a:t>
-            </a:r>
-            <a:endParaRPr b="0" lang="en-US" sz="2000" spc="-1" strike="noStrike">
-              <a:solidFill>
-                <a:srgbClr val="000000"/>
-              </a:solidFill>
-              <a:latin typeface="Rockwell"/>
-            </a:endParaRPr>
-          </a:p>
-          <a:p>
-            <a:pPr lvl="1" marL="457200" indent="-182880">
-              <a:lnSpc>
-                <a:spcPct val="90000"/>
-              </a:lnSpc>
-              <a:spcBef>
-                <a:spcPts val="400"/>
-              </a:spcBef>
-              <a:spcAft>
-                <a:spcPts val="201"/>
-              </a:spcAft>
-              <a:buClr>
-                <a:srgbClr val="9e3611"/>
-              </a:buClr>
-              <a:buSzPct val="85000"/>
-              <a:buFont typeface="Wingdings" charset="2"/>
-              <a:buChar char=""/>
-            </a:pPr>
-            <a:r>
-              <a:rPr b="0" lang="en-US" sz="1800" spc="-1" strike="noStrike">
-                <a:solidFill>
-                  <a:srgbClr val="000000"/>
-                </a:solidFill>
-                <a:latin typeface="Rockwell"/>
-              </a:rPr>
-              <a:t>Second level</a:t>
-            </a:r>
-            <a:endParaRPr b="0" lang="en-US" sz="1800" spc="-1" strike="noStrike">
-              <a:solidFill>
-                <a:srgbClr val="000000"/>
-              </a:solidFill>
-              <a:latin typeface="Rockwell"/>
-            </a:endParaRPr>
-          </a:p>
-          <a:p>
-            <a:pPr lvl="2" marL="731520" indent="-182880">
-              <a:lnSpc>
-                <a:spcPct val="90000"/>
-              </a:lnSpc>
-              <a:spcBef>
-                <a:spcPts val="400"/>
-              </a:spcBef>
-              <a:spcAft>
-                <a:spcPts val="201"/>
-              </a:spcAft>
-              <a:buClr>
-                <a:srgbClr val="9e3611"/>
-              </a:buClr>
-              <a:buSzPct val="85000"/>
-              <a:buFont typeface="Wingdings" charset="2"/>
-              <a:buChar char=""/>
-            </a:pPr>
-            <a:r>
-              <a:rPr b="0" lang="en-US" sz="1600" spc="-1" strike="noStrike">
-                <a:solidFill>
-                  <a:srgbClr val="000000"/>
-                </a:solidFill>
-                <a:latin typeface="Rockwell"/>
-              </a:rPr>
-              <a:t>Third level</a:t>
-            </a:r>
-            <a:endParaRPr b="0" lang="en-US" sz="1600" spc="-1" strike="noStrike">
-              <a:solidFill>
-                <a:srgbClr val="000000"/>
-              </a:solidFill>
-              <a:latin typeface="Rockwell"/>
-            </a:endParaRPr>
-          </a:p>
-          <a:p>
-            <a:pPr lvl="3" marL="1005840" indent="-182880">
-              <a:lnSpc>
-                <a:spcPct val="90000"/>
-              </a:lnSpc>
-              <a:spcBef>
-                <a:spcPts val="400"/>
-              </a:spcBef>
-              <a:spcAft>
-                <a:spcPts val="201"/>
-              </a:spcAft>
-              <a:buClr>
-                <a:srgbClr val="9e3611"/>
-              </a:buClr>
-              <a:buSzPct val="85000"/>
-              <a:buFont typeface="Wingdings" charset="2"/>
-              <a:buChar char=""/>
-            </a:pPr>
-            <a:r>
-              <a:rPr b="0" lang="en-US" sz="1600" spc="-1" strike="noStrike">
-                <a:solidFill>
-                  <a:srgbClr val="000000"/>
-                </a:solidFill>
-                <a:latin typeface="Rockwell"/>
-              </a:rPr>
-              <a:t>Fourth level</a:t>
-            </a:r>
-            <a:endParaRPr b="0" lang="en-US" sz="1600" spc="-1" strike="noStrike">
-              <a:solidFill>
-                <a:srgbClr val="000000"/>
-              </a:solidFill>
-              <a:latin typeface="Rockwell"/>
-            </a:endParaRPr>
-          </a:p>
-          <a:p>
-            <a:pPr lvl="4" marL="1280160" indent="-182880">
-              <a:lnSpc>
-                <a:spcPct val="90000"/>
-              </a:lnSpc>
-              <a:spcBef>
-                <a:spcPts val="400"/>
-              </a:spcBef>
-              <a:spcAft>
-                <a:spcPts val="201"/>
-              </a:spcAft>
-              <a:buClr>
-                <a:srgbClr val="9e3611"/>
-              </a:buClr>
-              <a:buSzPct val="85000"/>
-              <a:buFont typeface="Wingdings" charset="2"/>
-              <a:buChar char=""/>
-            </a:pPr>
-            <a:r>
-              <a:rPr b="0" lang="en-US" sz="1600" spc="-1" strike="noStrike">
-                <a:solidFill>
-                  <a:srgbClr val="000000"/>
-                </a:solidFill>
-                <a:latin typeface="Rockwell"/>
-              </a:rPr>
-              <a:t>Fifth level</a:t>
-            </a:r>
-            <a:endParaRPr b="0" lang="en-US" sz="1600" spc="-1" strike="noStrike">
-              <a:solidFill>
-                <a:srgbClr val="000000"/>
-              </a:solidFill>
-              <a:latin typeface="Rockwell"/>
+          <a:lstStyle>
+            <a:lvl1pPr algn="ctr">
+              <a:lnSpc>
+                <a:spcPct val="100000"/>
+              </a:lnSpc>
+              <a:buNone/>
+              <a:defRPr b="1" lang="en-US" sz="1400" spc="-1" strike="noStrike">
+                <a:solidFill>
+                  <a:srgbClr val="ffffff"/>
+                </a:solidFill>
+                <a:latin typeface="Rockwell Condensed"/>
+              </a:defRPr>
+            </a:lvl1pPr>
+          </a:lstStyle>
+          <a:p>
+            <a:pPr algn="ctr">
+              <a:lnSpc>
+                <a:spcPct val="100000"/>
+              </a:lnSpc>
+              <a:buNone/>
+            </a:pPr>
+            <a:fld id="{F2F43B2F-A1B3-4602-90FC-0C28BE040404}" type="slidenum">
+              <a:rPr b="1" lang="en-US" sz="1400" spc="-1" strike="noStrike">
+                <a:solidFill>
+                  <a:srgbClr val="ffffff"/>
+                </a:solidFill>
+                <a:latin typeface="Rockwell Condensed"/>
+              </a:rPr>
+              <a:t>&lt;number&gt;</a:t>
+            </a:fld>
+            <a:endParaRPr b="0" lang="en-IE" sz="1400" spc="-1" strike="noStrike">
+              <a:latin typeface="Times New Roman"/>
             </a:endParaRPr>
           </a:p>
         </p:txBody>
@@ -6654,13 +6775,13 @@
             <a:spLocks noGrp="1"/>
           </p:cNvSpPr>
           <p:nvPr>
-            <p:ph type="dt" idx="4"/>
+            <p:ph type="dt" idx="6"/>
           </p:nvPr>
         </p:nvSpPr>
         <p:spPr>
           <a:xfrm>
             <a:off x="7964280" y="6272640"/>
-            <a:ext cx="3273120" cy="364680"/>
+            <a:ext cx="3272760" cy="364320"/>
           </a:xfrm>
           <a:prstGeom prst="rect">
             <a:avLst/>
@@ -6671,40 +6792,24 @@
           </a:ln>
         </p:spPr>
         <p:txBody>
-          <a:bodyPr anchor="ctr">
+          <a:bodyPr lIns="90000" rIns="90000" tIns="45000" bIns="45000" anchor="ctr">
             <a:noAutofit/>
           </a:bodyPr>
           <a:lstStyle>
-            <a:lvl1pPr algn="r">
-              <a:lnSpc>
-                <a:spcPct val="100000"/>
-              </a:lnSpc>
-              <a:buNone/>
-              <a:defRPr b="0" lang="en-US" sz="1100" spc="-1" strike="noStrike">
-                <a:solidFill>
-                  <a:srgbClr val="696464"/>
-                </a:solidFill>
-                <a:latin typeface="Rockwell"/>
+            <a:lvl1pPr>
+              <a:defRPr b="0" lang="en-IE" sz="1400" spc="-1" strike="noStrike">
+                <a:latin typeface="Times New Roman"/>
               </a:defRPr>
             </a:lvl1pPr>
           </a:lstStyle>
           <a:p>
-            <a:pPr algn="r">
-              <a:lnSpc>
-                <a:spcPct val="100000"/>
-              </a:lnSpc>
-              <a:buNone/>
-            </a:pPr>
-            <a:r>
-              <a:rPr b="0" lang="en-US" sz="1100" spc="-1" strike="noStrike">
-                <a:solidFill>
-                  <a:srgbClr val="696464"/>
-                </a:solidFill>
-                <a:latin typeface="Rockwell"/>
+            <a:r>
+              <a:rPr b="0" lang="en-IE" sz="1400" spc="-1" strike="noStrike">
+                <a:latin typeface="Times New Roman"/>
               </a:rPr>
               <a:t>&lt;date/time&gt;</a:t>
             </a:r>
-            <a:endParaRPr b="0" lang="en-IE" sz="1100" spc="-1" strike="noStrike">
+            <a:endParaRPr b="0" lang="en-IE" sz="1400" spc="-1" strike="noStrike">
               <a:latin typeface="Times New Roman"/>
             </a:endParaRPr>
           </a:p>
@@ -6717,13 +6822,13 @@
             <a:spLocks noGrp="1"/>
           </p:cNvSpPr>
           <p:nvPr>
-            <p:ph type="ftr" idx="5"/>
+            <p:ph type="title"/>
           </p:nvPr>
         </p:nvSpPr>
         <p:spPr>
           <a:xfrm>
-            <a:off x="1088280" y="6272640"/>
-            <a:ext cx="6327360" cy="364680"/>
+            <a:off x="609480" y="273600"/>
+            <a:ext cx="10972440" cy="1144800"/>
           </a:xfrm>
           <a:prstGeom prst="rect">
             <a:avLst/>
@@ -6734,29 +6839,21 @@
           </a:ln>
         </p:spPr>
         <p:txBody>
-          <a:bodyPr anchor="ctr">
+          <a:bodyPr lIns="0" rIns="0" tIns="0" bIns="0" anchor="ctr">
             <a:noAutofit/>
           </a:bodyPr>
-          <a:lstStyle>
-            <a:lvl1pPr algn="ctr">
-              <a:buNone/>
-              <a:defRPr b="0" lang="en-IE" sz="1400" spc="-1" strike="noStrike">
-                <a:latin typeface="Times New Roman"/>
-              </a:defRPr>
-            </a:lvl1pPr>
-          </a:lstStyle>
           <a:p>
             <a:pPr algn="ctr">
               <a:buNone/>
             </a:pPr>
             <a:r>
-              <a:rPr b="0" lang="en-IE" sz="1400" spc="-1" strike="noStrike">
-                <a:latin typeface="Times New Roman"/>
-              </a:rPr>
-              <a:t>&lt;footer&gt;</a:t>
-            </a:r>
-            <a:endParaRPr b="0" lang="en-IE" sz="1400" spc="-1" strike="noStrike">
-              <a:latin typeface="Times New Roman"/>
+              <a:rPr b="0" lang="en-IE" sz="4400" spc="-1" strike="noStrike">
+                <a:latin typeface="Arial"/>
+              </a:rPr>
+              <a:t>Click to edit the title text format</a:t>
+            </a:r>
+            <a:endParaRPr b="0" lang="en-IE" sz="4400" spc="-1" strike="noStrike">
+              <a:latin typeface="Arial"/>
             </a:endParaRPr>
           </a:p>
         </p:txBody>
@@ -6768,13 +6865,13 @@
             <a:spLocks noGrp="1"/>
           </p:cNvSpPr>
           <p:nvPr>
-            <p:ph type="sldNum" idx="6"/>
+            <p:ph type="body"/>
           </p:nvPr>
         </p:nvSpPr>
         <p:spPr>
           <a:xfrm>
-            <a:off x="11311200" y="6272640"/>
-            <a:ext cx="639720" cy="364680"/>
+            <a:off x="609480" y="1604520"/>
+            <a:ext cx="10972440" cy="3977280"/>
           </a:xfrm>
           <a:prstGeom prst="rect">
             <a:avLst/>
@@ -6785,41 +6882,161 @@
           </a:ln>
         </p:spPr>
         <p:txBody>
-          <a:bodyPr anchor="ctr">
-            <a:noAutofit/>
+          <a:bodyPr lIns="0" rIns="0" tIns="0" bIns="0" anchor="t">
+            <a:normAutofit/>
           </a:bodyPr>
-          <a:lstStyle>
-            <a:lvl1pPr algn="ctr">
-              <a:lnSpc>
-                <a:spcPct val="100000"/>
-              </a:lnSpc>
-              <a:buNone/>
-              <a:defRPr b="1" lang="en-US" sz="1400" spc="-1" strike="noStrike">
-                <a:solidFill>
-                  <a:srgbClr val="ffffff"/>
-                </a:solidFill>
-                <a:latin typeface="Rockwell Condensed"/>
-              </a:defRPr>
-            </a:lvl1pPr>
-          </a:lstStyle>
-          <a:p>
-            <a:pPr algn="ctr">
-              <a:lnSpc>
-                <a:spcPct val="100000"/>
-              </a:lnSpc>
-              <a:buNone/>
-            </a:pPr>
-            <a:fld id="{260AEECE-E188-4F25-A483-4F038B887865}" type="slidenum">
-              <a:rPr b="1" lang="en-US" sz="1400" spc="-1" strike="noStrike">
-                <a:solidFill>
-                  <a:srgbClr val="ffffff"/>
-                </a:solidFill>
-                <a:latin typeface="Rockwell Condensed"/>
-              </a:rPr>
-              <a:t>&lt;number&gt;</a:t>
-            </a:fld>
-            <a:endParaRPr b="0" lang="en-IE" sz="1400" spc="-1" strike="noStrike">
-              <a:latin typeface="Times New Roman"/>
+          <a:p>
+            <a:pPr marL="432000" indent="-324000">
+              <a:spcBef>
+                <a:spcPts val="1417"/>
+              </a:spcBef>
+              <a:buClr>
+                <a:srgbClr val="000000"/>
+              </a:buClr>
+              <a:buSzPct val="45000"/>
+              <a:buFont typeface="Wingdings" charset="2"/>
+              <a:buChar char=""/>
+            </a:pPr>
+            <a:r>
+              <a:rPr b="0" lang="en-IE" sz="3200" spc="-1" strike="noStrike">
+                <a:latin typeface="Arial"/>
+              </a:rPr>
+              <a:t>Click to edit the outline text format</a:t>
+            </a:r>
+            <a:endParaRPr b="0" lang="en-IE" sz="3200" spc="-1" strike="noStrike">
+              <a:latin typeface="Arial"/>
+            </a:endParaRPr>
+          </a:p>
+          <a:p>
+            <a:pPr lvl="1" marL="864000" indent="-324000">
+              <a:spcBef>
+                <a:spcPts val="1134"/>
+              </a:spcBef>
+              <a:buClr>
+                <a:srgbClr val="000000"/>
+              </a:buClr>
+              <a:buSzPct val="75000"/>
+              <a:buFont typeface="Symbol" charset="2"/>
+              <a:buChar char=""/>
+            </a:pPr>
+            <a:r>
+              <a:rPr b="0" lang="en-IE" sz="2800" spc="-1" strike="noStrike">
+                <a:latin typeface="Arial"/>
+              </a:rPr>
+              <a:t>Second Outline Level</a:t>
+            </a:r>
+            <a:endParaRPr b="0" lang="en-IE" sz="2800" spc="-1" strike="noStrike">
+              <a:latin typeface="Arial"/>
+            </a:endParaRPr>
+          </a:p>
+          <a:p>
+            <a:pPr lvl="2" marL="1296000" indent="-288000">
+              <a:spcBef>
+                <a:spcPts val="850"/>
+              </a:spcBef>
+              <a:buClr>
+                <a:srgbClr val="000000"/>
+              </a:buClr>
+              <a:buSzPct val="45000"/>
+              <a:buFont typeface="Wingdings" charset="2"/>
+              <a:buChar char=""/>
+            </a:pPr>
+            <a:r>
+              <a:rPr b="0" lang="en-IE" sz="2400" spc="-1" strike="noStrike">
+                <a:latin typeface="Arial"/>
+              </a:rPr>
+              <a:t>Third Outline Level</a:t>
+            </a:r>
+            <a:endParaRPr b="0" lang="en-IE" sz="2400" spc="-1" strike="noStrike">
+              <a:latin typeface="Arial"/>
+            </a:endParaRPr>
+          </a:p>
+          <a:p>
+            <a:pPr lvl="3" marL="1728000" indent="-216000">
+              <a:spcBef>
+                <a:spcPts val="567"/>
+              </a:spcBef>
+              <a:buClr>
+                <a:srgbClr val="000000"/>
+              </a:buClr>
+              <a:buSzPct val="75000"/>
+              <a:buFont typeface="Symbol" charset="2"/>
+              <a:buChar char=""/>
+            </a:pPr>
+            <a:r>
+              <a:rPr b="0" lang="en-IE" sz="2000" spc="-1" strike="noStrike">
+                <a:latin typeface="Arial"/>
+              </a:rPr>
+              <a:t>Fourth Outline Level</a:t>
+            </a:r>
+            <a:endParaRPr b="0" lang="en-IE" sz="2000" spc="-1" strike="noStrike">
+              <a:latin typeface="Arial"/>
+            </a:endParaRPr>
+          </a:p>
+          <a:p>
+            <a:pPr lvl="4" marL="2160000" indent="-216000">
+              <a:spcBef>
+                <a:spcPts val="283"/>
+              </a:spcBef>
+              <a:buClr>
+                <a:srgbClr val="000000"/>
+              </a:buClr>
+              <a:buSzPct val="45000"/>
+              <a:buFont typeface="Wingdings" charset="2"/>
+              <a:buChar char=""/>
+            </a:pPr>
+            <a:r>
+              <a:rPr b="0" lang="en-IE" sz="2000" spc="-1" strike="noStrike">
+                <a:latin typeface="Arial"/>
+              </a:rPr>
+              <a:t>Fifth Outline Level</a:t>
+            </a:r>
+            <a:endParaRPr b="0" lang="en-IE" sz="2000" spc="-1" strike="noStrike">
+              <a:latin typeface="Arial"/>
+            </a:endParaRPr>
+          </a:p>
+          <a:p>
+            <a:pPr lvl="5" marL="2592000" indent="-216000">
+              <a:spcBef>
+                <a:spcPts val="283"/>
+              </a:spcBef>
+              <a:buClr>
+                <a:srgbClr val="000000"/>
+              </a:buClr>
+              <a:buSzPct val="45000"/>
+              <a:buFont typeface="Wingdings" charset="2"/>
+              <a:buChar char=""/>
+            </a:pPr>
+            <a:r>
+              <a:rPr b="0" lang="en-IE" sz="2000" spc="-1" strike="noStrike">
+                <a:latin typeface="Arial"/>
+              </a:rPr>
+              <a:t>Sixth Outline Level</a:t>
+            </a:r>
+            <a:endParaRPr b="0" lang="en-IE" sz="2000" spc="-1" strike="noStrike">
+              <a:latin typeface="Arial"/>
+            </a:endParaRPr>
+          </a:p>
+          <a:p>
+            <a:pPr lvl="6" marL="3024000" indent="-216000">
+              <a:spcBef>
+                <a:spcPts val="283"/>
+              </a:spcBef>
+              <a:buClr>
+                <a:srgbClr val="000000"/>
+              </a:buClr>
+              <a:buSzPct val="45000"/>
+              <a:buFont typeface="Wingdings" charset="2"/>
+              <a:buChar char=""/>
+            </a:pPr>
+            <a:r>
+              <a:rPr b="0" lang="en-IE" sz="2000" spc="-1" strike="noStrike">
+                <a:latin typeface="Arial"/>
+              </a:rPr>
+              <a:t>Seventh Outline Level</a:t>
+            </a:r>
+            <a:endParaRPr b="0" lang="en-IE" sz="2000" spc="-1" strike="noStrike">
+              <a:latin typeface="Arial"/>
             </a:endParaRPr>
           </a:p>
         </p:txBody>
@@ -6874,7 +7091,7 @@
         <p:spPr>
           <a:xfrm>
             <a:off x="1051560" y="1432080"/>
-            <a:ext cx="9966600" cy="3035520"/>
+            <a:ext cx="9966240" cy="3035160"/>
           </a:xfrm>
           <a:prstGeom prst="rect">
             <a:avLst/>
@@ -6885,7 +7102,7 @@
           </a:ln>
         </p:spPr>
         <p:txBody>
-          <a:bodyPr anchor="ctr">
+          <a:bodyPr lIns="0" rIns="0" tIns="0" bIns="0" anchor="ctr">
             <a:noAutofit/>
           </a:bodyPr>
           <a:p>
@@ -6907,11 +7124,8 @@
               </a:rPr>
               <a:t>(with Jquery)</a:t>
             </a:r>
-            <a:endParaRPr b="0" lang="en-US" sz="2800" spc="-1" strike="noStrike">
-              <a:solidFill>
-                <a:srgbClr val="000000"/>
-              </a:solidFill>
-              <a:latin typeface="Rockwell"/>
+            <a:endParaRPr b="0" lang="en-IE" sz="2800" spc="-1" strike="noStrike">
+              <a:latin typeface="Arial"/>
             </a:endParaRPr>
           </a:p>
         </p:txBody>
@@ -6929,7 +7143,7 @@
         <p:spPr>
           <a:xfrm>
             <a:off x="1069920" y="4389120"/>
-            <a:ext cx="7890840" cy="1069560"/>
+            <a:ext cx="7890480" cy="1069200"/>
           </a:xfrm>
           <a:prstGeom prst="rect">
             <a:avLst/>
@@ -6940,7 +7154,7 @@
           </a:ln>
         </p:spPr>
         <p:txBody>
-          <a:bodyPr anchor="t">
+          <a:bodyPr lIns="0" rIns="0" tIns="0" bIns="0" anchor="t">
             <a:normAutofit/>
           </a:bodyPr>
           <a:p>
@@ -7042,7 +7256,7 @@
         <p:spPr>
           <a:xfrm>
             <a:off x="3916440" y="1947600"/>
-            <a:ext cx="3525480" cy="1608840"/>
+            <a:ext cx="3525120" cy="1608480"/>
           </a:xfrm>
           <a:prstGeom prst="rect">
             <a:avLst/>
@@ -7053,7 +7267,7 @@
           </a:ln>
         </p:spPr>
         <p:txBody>
-          <a:bodyPr anchor="ctr">
+          <a:bodyPr lIns="90000" rIns="90000" tIns="45000" bIns="45000" anchor="ctr">
             <a:noAutofit/>
           </a:bodyPr>
           <a:p>
@@ -7069,11 +7283,8 @@
               </a:rPr>
               <a:t>Break time</a:t>
             </a:r>
-            <a:endParaRPr b="0" lang="en-US" sz="5400" spc="-1" strike="noStrike">
-              <a:solidFill>
-                <a:srgbClr val="000000"/>
-              </a:solidFill>
-              <a:latin typeface="Rockwell"/>
+            <a:endParaRPr b="0" lang="en-IE" sz="5400" spc="-1" strike="noStrike">
+              <a:latin typeface="Arial"/>
             </a:endParaRPr>
           </a:p>
         </p:txBody>
@@ -7087,7 +7298,7 @@
         <p:spPr>
           <a:xfrm>
             <a:off x="3379320" y="4190400"/>
-            <a:ext cx="4690800" cy="912600"/>
+            <a:ext cx="4690440" cy="912600"/>
           </a:xfrm>
           <a:prstGeom prst="rect">
             <a:avLst/>
@@ -7120,6 +7331,7 @@
                   <a:srgbClr val="000000"/>
                 </a:solidFill>
                 <a:latin typeface="Rockwell"/>
+                <a:ea typeface="DejaVu Sans"/>
               </a:rPr>
               <a:t>Summary:</a:t>
             </a:r>
@@ -7140,6 +7352,7 @@
                   <a:srgbClr val="000000"/>
                 </a:solidFill>
                 <a:latin typeface="Rockwell"/>
+                <a:ea typeface="DejaVu Sans"/>
               </a:rPr>
               <a:t>You can call restful APIs from html/javascript pages using AJAX</a:t>
             </a:r>
@@ -7192,7 +7405,7 @@
         <p:spPr>
           <a:xfrm>
             <a:off x="1069920" y="484560"/>
-            <a:ext cx="10058040" cy="1608840"/>
+            <a:ext cx="10057680" cy="1608480"/>
           </a:xfrm>
           <a:prstGeom prst="rect">
             <a:avLst/>
@@ -7203,7 +7416,7 @@
           </a:ln>
         </p:spPr>
         <p:txBody>
-          <a:bodyPr anchor="ctr">
+          <a:bodyPr lIns="90000" rIns="90000" tIns="45000" bIns="45000" anchor="ctr">
             <a:noAutofit/>
           </a:bodyPr>
           <a:p>
@@ -7219,11 +7432,8 @@
               </a:rPr>
               <a:t>AJAX</a:t>
             </a:r>
-            <a:endParaRPr b="0" lang="en-US" sz="5400" spc="-1" strike="noStrike">
-              <a:solidFill>
-                <a:srgbClr val="000000"/>
-              </a:solidFill>
-              <a:latin typeface="Rockwell"/>
+            <a:endParaRPr b="0" lang="en-IE" sz="5400" spc="-1" strike="noStrike">
+              <a:latin typeface="Arial"/>
             </a:endParaRPr>
           </a:p>
         </p:txBody>
@@ -7241,7 +7451,7 @@
         <p:spPr>
           <a:xfrm>
             <a:off x="1069920" y="2121480"/>
-            <a:ext cx="10058040" cy="4050360"/>
+            <a:ext cx="10057680" cy="4050000"/>
           </a:xfrm>
           <a:prstGeom prst="rect">
             <a:avLst/>
@@ -7252,7 +7462,7 @@
           </a:ln>
         </p:spPr>
         <p:txBody>
-          <a:bodyPr anchor="t">
+          <a:bodyPr lIns="90000" rIns="90000" tIns="45000" bIns="45000" anchor="t">
             <a:noAutofit/>
           </a:bodyPr>
           <a:p>
@@ -7313,11 +7523,8 @@
               </a:rPr>
               <a:t>Does not block code, the return function gets called when complete</a:t>
             </a:r>
-            <a:endParaRPr b="0" lang="en-US" sz="2000" spc="-1" strike="noStrike">
-              <a:solidFill>
-                <a:srgbClr val="000000"/>
-              </a:solidFill>
-              <a:latin typeface="Rockwell"/>
+            <a:endParaRPr b="0" lang="en-IE" sz="2000" spc="-1" strike="noStrike">
+              <a:latin typeface="Arial"/>
             </a:endParaRPr>
           </a:p>
           <a:p>
@@ -7369,11 +7576,8 @@
               </a:rPr>
               <a:t>The language</a:t>
             </a:r>
-            <a:endParaRPr b="0" lang="en-US" sz="2000" spc="-1" strike="noStrike">
-              <a:solidFill>
-                <a:srgbClr val="000000"/>
-              </a:solidFill>
-              <a:latin typeface="Rockwell"/>
+            <a:endParaRPr b="0" lang="en-IE" sz="2000" spc="-1" strike="noStrike">
+              <a:latin typeface="Arial"/>
             </a:endParaRPr>
           </a:p>
           <a:p>
@@ -7407,11 +7611,8 @@
               </a:rPr>
               <a:t> </a:t>
             </a:r>
-            <a:endParaRPr b="0" lang="en-US" sz="2000" spc="-1" strike="noStrike">
-              <a:solidFill>
-                <a:srgbClr val="000000"/>
-              </a:solidFill>
-              <a:latin typeface="Rockwell"/>
+            <a:endParaRPr b="0" lang="en-IE" sz="2000" spc="-1" strike="noStrike">
+              <a:latin typeface="Arial"/>
             </a:endParaRPr>
           </a:p>
           <a:p>
@@ -7472,11 +7673,8 @@
               </a:rPr>
               <a:t>Well not much anymore, usually JSON or html is used</a:t>
             </a:r>
-            <a:endParaRPr b="0" lang="en-US" sz="2000" spc="-1" strike="noStrike">
-              <a:solidFill>
-                <a:srgbClr val="000000"/>
-              </a:solidFill>
-              <a:latin typeface="Rockwell"/>
+            <a:endParaRPr b="0" lang="en-IE" sz="2000" spc="-1" strike="noStrike">
+              <a:latin typeface="Arial"/>
             </a:endParaRPr>
           </a:p>
           <a:p>
@@ -7492,11 +7690,8 @@
                 <a:tab algn="l" pos="0"/>
               </a:tabLst>
             </a:pPr>
-            <a:endParaRPr b="0" lang="en-US" sz="2000" spc="-1" strike="noStrike">
-              <a:solidFill>
-                <a:srgbClr val="000000"/>
-              </a:solidFill>
-              <a:latin typeface="Rockwell"/>
+            <a:endParaRPr b="0" lang="en-IE" sz="2000" spc="-1" strike="noStrike">
+              <a:latin typeface="Arial"/>
             </a:endParaRPr>
           </a:p>
           <a:p>
@@ -7532,11 +7727,8 @@
               </a:rPr>
               <a:t>https://www.w3schools.com/xml/ajax_intro.asp</a:t>
             </a:r>
-            <a:endParaRPr b="0" lang="en-US" sz="2000" spc="-1" strike="noStrike">
-              <a:solidFill>
-                <a:srgbClr val="000000"/>
-              </a:solidFill>
-              <a:latin typeface="Rockwell"/>
+            <a:endParaRPr b="0" lang="en-IE" sz="2000" spc="-1" strike="noStrike">
+              <a:latin typeface="Arial"/>
             </a:endParaRPr>
           </a:p>
           <a:p>
@@ -7561,11 +7753,8 @@
               </a:rPr>
               <a:t>We will use AJAX with Jquery not the plain JavaScript version:</a:t>
             </a:r>
-            <a:endParaRPr b="0" lang="en-US" sz="2000" spc="-1" strike="noStrike">
-              <a:solidFill>
-                <a:srgbClr val="000000"/>
-              </a:solidFill>
-              <a:latin typeface="Rockwell"/>
+            <a:endParaRPr b="0" lang="en-IE" sz="2000" spc="-1" strike="noStrike">
+              <a:latin typeface="Arial"/>
             </a:endParaRPr>
           </a:p>
           <a:p>
@@ -7592,11 +7781,8 @@
               </a:rPr>
               <a:t>https://www.w3schools.com/jquery/jquery_ajax_intro.asp</a:t>
             </a:r>
-            <a:endParaRPr b="0" lang="en-US" sz="2000" spc="-1" strike="noStrike">
-              <a:solidFill>
-                <a:srgbClr val="000000"/>
-              </a:solidFill>
-              <a:latin typeface="Rockwell"/>
+            <a:endParaRPr b="0" lang="en-IE" sz="2000" spc="-1" strike="noStrike">
+              <a:latin typeface="Arial"/>
             </a:endParaRPr>
           </a:p>
           <a:p>
@@ -7612,11 +7798,8 @@
                 <a:tab algn="l" pos="0"/>
               </a:tabLst>
             </a:pPr>
-            <a:endParaRPr b="0" lang="en-US" sz="2000" spc="-1" strike="noStrike">
-              <a:solidFill>
-                <a:srgbClr val="000000"/>
-              </a:solidFill>
-              <a:latin typeface="Rockwell"/>
+            <a:endParaRPr b="0" lang="en-IE" sz="2000" spc="-1" strike="noStrike">
+              <a:latin typeface="Arial"/>
             </a:endParaRPr>
           </a:p>
           <a:p>
@@ -7632,11 +7815,8 @@
                 <a:tab algn="l" pos="0"/>
               </a:tabLst>
             </a:pPr>
-            <a:endParaRPr b="0" lang="en-US" sz="2000" spc="-1" strike="noStrike">
-              <a:solidFill>
-                <a:srgbClr val="000000"/>
-              </a:solidFill>
-              <a:latin typeface="Rockwell"/>
+            <a:endParaRPr b="0" lang="en-IE" sz="2000" spc="-1" strike="noStrike">
+              <a:latin typeface="Arial"/>
             </a:endParaRPr>
           </a:p>
         </p:txBody>
@@ -7684,7 +7864,7 @@
         <p:spPr>
           <a:xfrm>
             <a:off x="1069920" y="484560"/>
-            <a:ext cx="10058040" cy="1608840"/>
+            <a:ext cx="10057680" cy="1608480"/>
           </a:xfrm>
           <a:prstGeom prst="rect">
             <a:avLst/>
@@ -7695,7 +7875,7 @@
           </a:ln>
         </p:spPr>
         <p:txBody>
-          <a:bodyPr anchor="ctr">
+          <a:bodyPr lIns="90000" rIns="90000" tIns="45000" bIns="45000" anchor="ctr">
             <a:noAutofit/>
           </a:bodyPr>
           <a:p>
@@ -7711,11 +7891,8 @@
               </a:rPr>
               <a:t>What does AJAX do?</a:t>
             </a:r>
-            <a:endParaRPr b="0" lang="en-US" sz="5400" spc="-1" strike="noStrike">
-              <a:solidFill>
-                <a:srgbClr val="000000"/>
-              </a:solidFill>
-              <a:latin typeface="Rockwell"/>
+            <a:endParaRPr b="0" lang="en-IE" sz="5400" spc="-1" strike="noStrike">
+              <a:latin typeface="Arial"/>
             </a:endParaRPr>
           </a:p>
         </p:txBody>
@@ -7733,7 +7910,7 @@
         <p:spPr>
           <a:xfrm>
             <a:off x="1069920" y="2121480"/>
-            <a:ext cx="10058040" cy="1199880"/>
+            <a:ext cx="10057680" cy="1199520"/>
           </a:xfrm>
           <a:prstGeom prst="rect">
             <a:avLst/>
@@ -7744,7 +7921,7 @@
           </a:ln>
         </p:spPr>
         <p:txBody>
-          <a:bodyPr anchor="t">
+          <a:bodyPr lIns="90000" rIns="90000" tIns="45000" bIns="45000" anchor="t">
             <a:noAutofit/>
           </a:bodyPr>
           <a:p>
@@ -7771,11 +7948,8 @@
               </a:rPr>
               <a:t>Allows us to call up a resource with HTTP from inside a web page</a:t>
             </a:r>
-            <a:endParaRPr b="0" lang="en-US" sz="2000" spc="-1" strike="noStrike">
-              <a:solidFill>
-                <a:srgbClr val="000000"/>
-              </a:solidFill>
-              <a:latin typeface="Rockwell"/>
+            <a:endParaRPr b="0" lang="en-IE" sz="2000" spc="-1" strike="noStrike">
+              <a:latin typeface="Arial"/>
             </a:endParaRPr>
           </a:p>
         </p:txBody>
@@ -7793,7 +7967,7 @@
         <p:spPr>
           <a:xfrm>
             <a:off x="2462400" y="2651040"/>
-            <a:ext cx="5419440" cy="3085920"/>
+            <a:ext cx="5419080" cy="3085560"/>
           </a:xfrm>
           <a:prstGeom prst="rect">
             <a:avLst/>
@@ -7846,7 +8020,7 @@
         <p:spPr>
           <a:xfrm>
             <a:off x="1069920" y="484560"/>
-            <a:ext cx="10058040" cy="1608840"/>
+            <a:ext cx="10057680" cy="1608480"/>
           </a:xfrm>
           <a:prstGeom prst="rect">
             <a:avLst/>
@@ -7857,7 +8031,7 @@
           </a:ln>
         </p:spPr>
         <p:txBody>
-          <a:bodyPr anchor="ctr">
+          <a:bodyPr lIns="90000" rIns="90000" tIns="45000" bIns="45000" anchor="ctr">
             <a:noAutofit/>
           </a:bodyPr>
           <a:p>
@@ -7873,11 +8047,8 @@
               </a:rPr>
               <a:t>Consider this JSON</a:t>
             </a:r>
-            <a:endParaRPr b="0" lang="en-US" sz="5400" spc="-1" strike="noStrike">
-              <a:solidFill>
-                <a:srgbClr val="000000"/>
-              </a:solidFill>
-              <a:latin typeface="Rockwell"/>
+            <a:endParaRPr b="0" lang="en-IE" sz="5400" spc="-1" strike="noStrike">
+              <a:latin typeface="Arial"/>
             </a:endParaRPr>
           </a:p>
         </p:txBody>
@@ -7891,7 +8062,7 @@
         <p:spPr>
           <a:xfrm>
             <a:off x="1647360" y="1950480"/>
-            <a:ext cx="6917400" cy="2409480"/>
+            <a:ext cx="6917040" cy="2409120"/>
           </a:xfrm>
           <a:prstGeom prst="rect">
             <a:avLst/>
@@ -7921,7 +8092,7 @@
           <a:fontRef idx="minor"/>
         </p:style>
         <p:txBody>
-          <a:bodyPr numCol="1" spcCol="0" anchor="t">
+          <a:bodyPr numCol="1" spcCol="0" lIns="90000" rIns="90000" tIns="45000" bIns="45000" anchor="t">
             <a:noAutofit/>
           </a:bodyPr>
           <a:p>
@@ -8808,7 +8979,7 @@
         <p:spPr>
           <a:xfrm>
             <a:off x="1359000" y="4907520"/>
-            <a:ext cx="8330040" cy="1186920"/>
+            <a:ext cx="8329680" cy="1186920"/>
           </a:xfrm>
           <a:prstGeom prst="rect">
             <a:avLst/>
@@ -8845,6 +9016,7 @@
                   <a:srgbClr val="000000"/>
                 </a:solidFill>
                 <a:latin typeface="Rockwell"/>
+                <a:ea typeface="DejaVu Sans"/>
               </a:rPr>
               <a:t>There are 6 attributes: url, method,data, datatype, success and error</a:t>
             </a:r>
@@ -8869,6 +9041,7 @@
                   <a:srgbClr val="000000"/>
                 </a:solidFill>
                 <a:latin typeface="Rockwell"/>
+                <a:ea typeface="DejaVu Sans"/>
               </a:rPr>
               <a:t>The first four have values of type string</a:t>
             </a:r>
@@ -8893,6 +9066,7 @@
                   <a:srgbClr val="000000"/>
                 </a:solidFill>
                 <a:latin typeface="Rockwell"/>
+                <a:ea typeface="DejaVu Sans"/>
               </a:rPr>
               <a:t>The last two have values of type function</a:t>
             </a:r>
@@ -8945,7 +9119,7 @@
         <p:spPr>
           <a:xfrm>
             <a:off x="1069920" y="484560"/>
-            <a:ext cx="10058040" cy="1608840"/>
+            <a:ext cx="10057680" cy="1608480"/>
           </a:xfrm>
           <a:prstGeom prst="rect">
             <a:avLst/>
@@ -8956,7 +9130,7 @@
           </a:ln>
         </p:spPr>
         <p:txBody>
-          <a:bodyPr anchor="ctr">
+          <a:bodyPr lIns="90000" rIns="90000" tIns="45000" bIns="45000" anchor="ctr">
             <a:noAutofit/>
           </a:bodyPr>
           <a:p>
@@ -8972,11 +9146,8 @@
               </a:rPr>
               <a:t>JQuery</a:t>
             </a:r>
-            <a:endParaRPr b="0" lang="en-US" sz="5400" spc="-1" strike="noStrike">
-              <a:solidFill>
-                <a:srgbClr val="000000"/>
-              </a:solidFill>
-              <a:latin typeface="Rockwell"/>
+            <a:endParaRPr b="0" lang="en-IE" sz="5400" spc="-1" strike="noStrike">
+              <a:latin typeface="Arial"/>
             </a:endParaRPr>
           </a:p>
         </p:txBody>
@@ -8994,7 +9165,7 @@
         <p:spPr>
           <a:xfrm>
             <a:off x="1069920" y="2121480"/>
-            <a:ext cx="10058040" cy="2341080"/>
+            <a:ext cx="10057680" cy="2340720"/>
           </a:xfrm>
           <a:prstGeom prst="rect">
             <a:avLst/>
@@ -9005,7 +9176,7 @@
           </a:ln>
         </p:spPr>
         <p:txBody>
-          <a:bodyPr anchor="t">
+          <a:bodyPr lIns="90000" rIns="90000" tIns="45000" bIns="45000" anchor="t">
             <a:normAutofit/>
           </a:bodyPr>
           <a:p>
@@ -9032,11 +9203,8 @@
               </a:rPr>
               <a:t>We will be using JQuery for AJAX,</a:t>
             </a:r>
-            <a:endParaRPr b="0" lang="en-US" sz="2000" spc="-1" strike="noStrike">
-              <a:solidFill>
-                <a:srgbClr val="000000"/>
-              </a:solidFill>
-              <a:latin typeface="Rockwell"/>
+            <a:endParaRPr b="0" lang="en-IE" sz="2000" spc="-1" strike="noStrike">
+              <a:latin typeface="Arial"/>
             </a:endParaRPr>
           </a:p>
           <a:p>
@@ -9063,11 +9231,8 @@
               </a:rPr>
               <a:t>JQuery is a javascript library that make finding and manipulating elements in the HTML DOM tree easier.</a:t>
             </a:r>
-            <a:endParaRPr b="0" lang="en-US" sz="2000" spc="-1" strike="noStrike">
-              <a:solidFill>
-                <a:srgbClr val="000000"/>
-              </a:solidFill>
-              <a:latin typeface="Rockwell"/>
+            <a:endParaRPr b="0" lang="en-IE" sz="2000" spc="-1" strike="noStrike">
+              <a:latin typeface="Arial"/>
             </a:endParaRPr>
           </a:p>
           <a:p>
@@ -9094,11 +9259,8 @@
               </a:rPr>
               <a:t>I am not going into detail about JQuery now</a:t>
             </a:r>
-            <a:endParaRPr b="0" lang="en-US" sz="2000" spc="-1" strike="noStrike">
-              <a:solidFill>
-                <a:srgbClr val="000000"/>
-              </a:solidFill>
-              <a:latin typeface="Rockwell"/>
+            <a:endParaRPr b="0" lang="en-IE" sz="2000" spc="-1" strike="noStrike">
+              <a:latin typeface="Arial"/>
             </a:endParaRPr>
           </a:p>
           <a:p>
@@ -9125,11 +9287,8 @@
               </a:rPr>
               <a:t>You will need this magic line of code in the header of any page that uses Jquery</a:t>
             </a:r>
-            <a:endParaRPr b="0" lang="en-US" sz="2000" spc="-1" strike="noStrike">
-              <a:solidFill>
-                <a:srgbClr val="000000"/>
-              </a:solidFill>
-              <a:latin typeface="Rockwell"/>
+            <a:endParaRPr b="0" lang="en-IE" sz="2000" spc="-1" strike="noStrike">
+              <a:latin typeface="Arial"/>
             </a:endParaRPr>
           </a:p>
         </p:txBody>
@@ -9143,7 +9302,7 @@
         <p:spPr>
           <a:xfrm>
             <a:off x="847440" y="4490280"/>
-            <a:ext cx="10385280" cy="1735560"/>
+            <a:ext cx="10384920" cy="1735560"/>
           </a:xfrm>
           <a:prstGeom prst="rect">
             <a:avLst/>
@@ -9189,6 +9348,7 @@
                   <a:srgbClr val="ffffff"/>
                 </a:solidFill>
                 <a:latin typeface="Rockwell"/>
+                <a:ea typeface="DejaVu Sans"/>
               </a:rPr>
               <a:t>  </a:t>
             </a:r>
@@ -9198,6 +9358,7 @@
                   <a:srgbClr val="ffffff"/>
                 </a:solidFill>
                 <a:latin typeface="Rockwell"/>
+                <a:ea typeface="DejaVu Sans"/>
               </a:rPr>
               <a:t>&lt;head&gt;</a:t>
             </a:r>
@@ -9218,6 +9379,7 @@
                   <a:srgbClr val="ffffff"/>
                 </a:solidFill>
                 <a:latin typeface="Rockwell"/>
+                <a:ea typeface="DejaVu Sans"/>
               </a:rPr>
               <a:t>        </a:t>
             </a:r>
@@ -9227,6 +9389,7 @@
                   <a:srgbClr val="ffffff"/>
                 </a:solidFill>
                 <a:latin typeface="Rockwell"/>
+                <a:ea typeface="DejaVu Sans"/>
               </a:rPr>
               <a:t>&lt;script src="https://ajax.googleapis.com/ajax/libs/jquery/3.6.1/jquery.min.js"&gt;&lt;/script&gt;</a:t>
             </a:r>
@@ -9247,6 +9410,7 @@
                   <a:srgbClr val="ffffff"/>
                 </a:solidFill>
                 <a:latin typeface="Rockwell"/>
+                <a:ea typeface="DejaVu Sans"/>
               </a:rPr>
               <a:t>  </a:t>
             </a:r>
@@ -9256,6 +9420,7 @@
                   <a:srgbClr val="ffffff"/>
                 </a:solidFill>
                 <a:latin typeface="Rockwell"/>
+                <a:ea typeface="DejaVu Sans"/>
               </a:rPr>
               <a:t>&lt;/head&gt;</a:t>
             </a:r>
@@ -9287,6 +9452,7 @@
                   <a:srgbClr val="ffffff"/>
                 </a:solidFill>
                 <a:latin typeface="Rockwell"/>
+                <a:ea typeface="DejaVu Sans"/>
               </a:rPr>
               <a:t>       </a:t>
             </a:r>
@@ -9339,7 +9505,7 @@
         <p:spPr>
           <a:xfrm>
             <a:off x="1069920" y="484560"/>
-            <a:ext cx="10058040" cy="1608840"/>
+            <a:ext cx="10057680" cy="1608480"/>
           </a:xfrm>
           <a:prstGeom prst="rect">
             <a:avLst/>
@@ -9350,7 +9516,7 @@
           </a:ln>
         </p:spPr>
         <p:txBody>
-          <a:bodyPr anchor="ctr">
+          <a:bodyPr lIns="90000" rIns="90000" tIns="45000" bIns="45000" anchor="ctr">
             <a:noAutofit/>
           </a:bodyPr>
           <a:p>
@@ -9366,11 +9532,8 @@
               </a:rPr>
               <a:t>$.AJAX function</a:t>
             </a:r>
-            <a:endParaRPr b="0" lang="en-US" sz="5400" spc="-1" strike="noStrike">
-              <a:solidFill>
-                <a:srgbClr val="000000"/>
-              </a:solidFill>
-              <a:latin typeface="Rockwell"/>
+            <a:endParaRPr b="0" lang="en-IE" sz="5400" spc="-1" strike="noStrike">
+              <a:latin typeface="Arial"/>
             </a:endParaRPr>
           </a:p>
         </p:txBody>
@@ -9388,7 +9551,7 @@
         <p:spPr>
           <a:xfrm>
             <a:off x="1069920" y="2121480"/>
-            <a:ext cx="10058040" cy="1608840"/>
+            <a:ext cx="10057680" cy="1608480"/>
           </a:xfrm>
           <a:prstGeom prst="rect">
             <a:avLst/>
@@ -9399,7 +9562,7 @@
           </a:ln>
         </p:spPr>
         <p:txBody>
-          <a:bodyPr anchor="t">
+          <a:bodyPr lIns="90000" rIns="90000" tIns="45000" bIns="45000" anchor="t">
             <a:normAutofit/>
           </a:bodyPr>
           <a:p>
@@ -9426,11 +9589,8 @@
               </a:rPr>
               <a:t>We will use the $.AJAX function, it takes on parameter, a JSON Object that descrips everything</a:t>
             </a:r>
-            <a:endParaRPr b="0" lang="en-US" sz="2000" spc="-1" strike="noStrike">
-              <a:solidFill>
-                <a:srgbClr val="000000"/>
-              </a:solidFill>
-              <a:latin typeface="Rockwell"/>
+            <a:endParaRPr b="0" lang="en-IE" sz="2000" spc="-1" strike="noStrike">
+              <a:latin typeface="Arial"/>
             </a:endParaRPr>
           </a:p>
           <a:p>
@@ -9443,11 +9603,8 @@
               </a:spcBef>
               <a:buNone/>
             </a:pPr>
-            <a:endParaRPr b="0" lang="en-US" sz="2000" spc="-1" strike="noStrike">
-              <a:solidFill>
-                <a:srgbClr val="000000"/>
-              </a:solidFill>
-              <a:latin typeface="Rockwell"/>
+            <a:endParaRPr b="0" lang="en-IE" sz="2000" spc="-1" strike="noStrike">
+              <a:latin typeface="Arial"/>
             </a:endParaRPr>
           </a:p>
           <a:p>
@@ -9474,11 +9631,8 @@
               </a:rPr>
               <a:t>EG</a:t>
             </a:r>
-            <a:endParaRPr b="0" lang="en-US" sz="2000" spc="-1" strike="noStrike">
-              <a:solidFill>
-                <a:srgbClr val="000000"/>
-              </a:solidFill>
-              <a:latin typeface="Rockwell"/>
+            <a:endParaRPr b="0" lang="en-IE" sz="2000" spc="-1" strike="noStrike">
+              <a:latin typeface="Arial"/>
             </a:endParaRPr>
           </a:p>
         </p:txBody>
@@ -9492,7 +9646,7 @@
         <p:spPr>
           <a:xfrm>
             <a:off x="2282760" y="2772720"/>
-            <a:ext cx="6332400" cy="363960"/>
+            <a:ext cx="6332040" cy="363960"/>
           </a:xfrm>
           <a:prstGeom prst="rect">
             <a:avLst/>
@@ -9538,6 +9692,7 @@
                   <a:srgbClr val="ffffff"/>
                 </a:solidFill>
                 <a:latin typeface="Rockwell"/>
+                <a:ea typeface="DejaVu Sans"/>
               </a:rPr>
               <a:t>$.ajax({the object that describes everything});</a:t>
             </a:r>
@@ -9556,7 +9711,7 @@
         <p:spPr>
           <a:xfrm>
             <a:off x="2217960" y="3758040"/>
-            <a:ext cx="6917400" cy="2409480"/>
+            <a:ext cx="6917040" cy="2409120"/>
           </a:xfrm>
           <a:prstGeom prst="rect">
             <a:avLst/>
@@ -9586,7 +9741,7 @@
           <a:fontRef idx="minor"/>
         </p:style>
         <p:txBody>
-          <a:bodyPr numCol="1" spcCol="0" anchor="t">
+          <a:bodyPr numCol="1" spcCol="0" lIns="90000" rIns="90000" tIns="45000" bIns="45000" anchor="t">
             <a:noAutofit/>
           </a:bodyPr>
           <a:p>
@@ -10531,7 +10686,7 @@
         <p:spPr>
           <a:xfrm>
             <a:off x="1069920" y="3095640"/>
-            <a:ext cx="10058040" cy="3076200"/>
+            <a:ext cx="10057680" cy="3075840"/>
           </a:xfrm>
           <a:prstGeom prst="rect">
             <a:avLst/>
@@ -10542,7 +10697,7 @@
           </a:ln>
         </p:spPr>
         <p:txBody>
-          <a:bodyPr anchor="t">
+          <a:bodyPr lIns="90000" rIns="90000" tIns="45000" bIns="45000" anchor="t">
             <a:noAutofit/>
           </a:bodyPr>
           <a:p>
@@ -10596,11 +10751,8 @@
               </a:rPr>
               <a:t>: the url to call</a:t>
             </a:r>
-            <a:endParaRPr b="0" lang="en-US" sz="2000" spc="-1" strike="noStrike">
-              <a:solidFill>
-                <a:srgbClr val="000000"/>
-              </a:solidFill>
-              <a:latin typeface="Rockwell"/>
+            <a:endParaRPr b="0" lang="en-IE" sz="2000" spc="-1" strike="noStrike">
+              <a:latin typeface="Arial"/>
             </a:endParaRPr>
           </a:p>
           <a:p>
@@ -10645,11 +10797,8 @@
               </a:rPr>
               <a:t>: the HTTP method</a:t>
             </a:r>
-            <a:endParaRPr b="0" lang="en-US" sz="2000" spc="-1" strike="noStrike">
-              <a:solidFill>
-                <a:srgbClr val="000000"/>
-              </a:solidFill>
-              <a:latin typeface="Rockwell"/>
+            <a:endParaRPr b="0" lang="en-IE" sz="2000" spc="-1" strike="noStrike">
+              <a:latin typeface="Arial"/>
             </a:endParaRPr>
           </a:p>
           <a:p>
@@ -10703,11 +10852,8 @@
               </a:rPr>
               <a:t>: parameters (none in this case)</a:t>
             </a:r>
-            <a:endParaRPr b="0" lang="en-US" sz="2000" spc="-1" strike="noStrike">
-              <a:solidFill>
-                <a:srgbClr val="000000"/>
-              </a:solidFill>
-              <a:latin typeface="Rockwell"/>
+            <a:endParaRPr b="0" lang="en-IE" sz="2000" spc="-1" strike="noStrike">
+              <a:latin typeface="Arial"/>
             </a:endParaRPr>
           </a:p>
           <a:p>
@@ -10752,11 +10898,8 @@
               </a:rPr>
               <a:t>: that is returned JSON or HTML or XML</a:t>
             </a:r>
-            <a:endParaRPr b="0" lang="en-US" sz="2000" spc="-1" strike="noStrike">
-              <a:solidFill>
-                <a:srgbClr val="000000"/>
-              </a:solidFill>
-              <a:latin typeface="Rockwell"/>
+            <a:endParaRPr b="0" lang="en-IE" sz="2000" spc="-1" strike="noStrike">
+              <a:latin typeface="Arial"/>
             </a:endParaRPr>
           </a:p>
           <a:p>
@@ -10801,11 +10944,8 @@
               </a:rPr>
               <a:t>:  the function to call if this is a success (with the result from server)</a:t>
             </a:r>
-            <a:endParaRPr b="0" lang="en-US" sz="2000" spc="-1" strike="noStrike">
-              <a:solidFill>
-                <a:srgbClr val="000000"/>
-              </a:solidFill>
-              <a:latin typeface="Rockwell"/>
+            <a:endParaRPr b="0" lang="en-IE" sz="2000" spc="-1" strike="noStrike">
+              <a:latin typeface="Arial"/>
             </a:endParaRPr>
           </a:p>
           <a:p>
@@ -10859,11 +10999,8 @@
               </a:rPr>
               <a:t>: The function to call if we don’t get a status code in the 200s</a:t>
             </a:r>
-            <a:endParaRPr b="0" lang="en-US" sz="2000" spc="-1" strike="noStrike">
-              <a:solidFill>
-                <a:srgbClr val="000000"/>
-              </a:solidFill>
-              <a:latin typeface="Rockwell"/>
+            <a:endParaRPr b="0" lang="en-IE" sz="2000" spc="-1" strike="noStrike">
+              <a:latin typeface="Arial"/>
             </a:endParaRPr>
           </a:p>
         </p:txBody>
@@ -10877,7 +11014,7 @@
         <p:spPr>
           <a:xfrm>
             <a:off x="1748160" y="348120"/>
-            <a:ext cx="6917400" cy="2409480"/>
+            <a:ext cx="6917040" cy="2409120"/>
           </a:xfrm>
           <a:prstGeom prst="rect">
             <a:avLst/>
@@ -10907,7 +11044,7 @@
           <a:fontRef idx="minor"/>
         </p:style>
         <p:txBody>
-          <a:bodyPr numCol="1" spcCol="0" anchor="t">
+          <a:bodyPr numCol="1" spcCol="0" lIns="90000" rIns="90000" tIns="45000" bIns="45000" anchor="t">
             <a:noAutofit/>
           </a:bodyPr>
           <a:p>
@@ -11824,7 +11961,7 @@
         <p:spPr>
           <a:xfrm>
             <a:off x="2066760" y="1761120"/>
-            <a:ext cx="6229080" cy="4476240"/>
+            <a:ext cx="6228720" cy="4475880"/>
           </a:xfrm>
           <a:prstGeom prst="rect">
             <a:avLst/>
@@ -11854,7 +11991,7 @@
           <a:fontRef idx="minor"/>
         </p:style>
         <p:txBody>
-          <a:bodyPr numCol="1" spcCol="0" anchor="t">
+          <a:bodyPr numCol="1" spcCol="0" lIns="90000" rIns="90000" tIns="45000" bIns="45000" anchor="t">
             <a:noAutofit/>
           </a:bodyPr>
           <a:p>
@@ -13648,7 +13785,7 @@
         <p:spPr>
           <a:xfrm>
             <a:off x="1786680" y="746640"/>
-            <a:ext cx="7390440" cy="363960"/>
+            <a:ext cx="7390080" cy="363960"/>
           </a:xfrm>
           <a:prstGeom prst="rect">
             <a:avLst/>
@@ -13681,6 +13818,7 @@
                   <a:srgbClr val="000000"/>
                 </a:solidFill>
                 <a:latin typeface="Rockwell"/>
+                <a:ea typeface="DejaVu Sans"/>
               </a:rPr>
               <a:t>Putting the code together</a:t>
             </a:r>
@@ -13733,7 +13871,7 @@
         <p:spPr>
           <a:xfrm>
             <a:off x="1069920" y="484560"/>
-            <a:ext cx="10058040" cy="1608840"/>
+            <a:ext cx="10057680" cy="1608480"/>
           </a:xfrm>
           <a:prstGeom prst="rect">
             <a:avLst/>
@@ -13744,7 +13882,7 @@
           </a:ln>
         </p:spPr>
         <p:txBody>
-          <a:bodyPr anchor="ctr">
+          <a:bodyPr lIns="90000" rIns="90000" tIns="45000" bIns="45000" anchor="ctr">
             <a:noAutofit/>
           </a:bodyPr>
           <a:p>
@@ -13760,11 +13898,8 @@
               </a:rPr>
               <a:t>Read the euro price from the JSON</a:t>
             </a:r>
-            <a:endParaRPr b="0" lang="en-US" sz="5400" spc="-1" strike="noStrike">
-              <a:solidFill>
-                <a:srgbClr val="000000"/>
-              </a:solidFill>
-              <a:latin typeface="Rockwell"/>
+            <a:endParaRPr b="0" lang="en-IE" sz="5400" spc="-1" strike="noStrike">
+              <a:latin typeface="Arial"/>
             </a:endParaRPr>
           </a:p>
         </p:txBody>
@@ -13782,7 +13917,7 @@
         <p:spPr>
           <a:xfrm>
             <a:off x="1066680" y="1987200"/>
-            <a:ext cx="2909160" cy="2349720"/>
+            <a:ext cx="2908800" cy="2349360"/>
           </a:xfrm>
           <a:prstGeom prst="rect">
             <a:avLst/>
@@ -13793,7 +13928,7 @@
           </a:ln>
         </p:spPr>
         <p:txBody>
-          <a:bodyPr anchor="t">
+          <a:bodyPr lIns="90000" rIns="90000" tIns="45000" bIns="45000" anchor="t">
             <a:noAutofit/>
           </a:bodyPr>
           <a:p>
@@ -13820,11 +13955,8 @@
               </a:rPr>
               <a:t>Looking at the JSON you can see the value we are looking for is in the object:</a:t>
             </a:r>
-            <a:endParaRPr b="0" lang="en-US" sz="2000" spc="-1" strike="noStrike">
-              <a:solidFill>
-                <a:srgbClr val="000000"/>
-              </a:solidFill>
-              <a:latin typeface="Rockwell"/>
+            <a:endParaRPr b="0" lang="en-IE" sz="2000" spc="-1" strike="noStrike">
+              <a:latin typeface="Arial"/>
             </a:endParaRPr>
           </a:p>
           <a:p>
@@ -13861,11 +13993,8 @@
               </a:rPr>
               <a:t>bpi.EUR.rate</a:t>
             </a:r>
-            <a:endParaRPr b="0" lang="en-US" sz="1600" spc="-1" strike="noStrike">
-              <a:solidFill>
-                <a:srgbClr val="000000"/>
-              </a:solidFill>
-              <a:latin typeface="Rockwell"/>
+            <a:endParaRPr b="0" lang="en-IE" sz="1600" spc="-1" strike="noStrike">
+              <a:latin typeface="Arial"/>
             </a:endParaRPr>
           </a:p>
           <a:p>
@@ -13895,11 +14024,8 @@
               </a:rPr>
               <a:t>So the code to extract it is</a:t>
             </a:r>
-            <a:endParaRPr b="0" lang="en-US" sz="2000" spc="-1" strike="noStrike">
-              <a:solidFill>
-                <a:srgbClr val="000000"/>
-              </a:solidFill>
-              <a:latin typeface="Rockwell"/>
+            <a:endParaRPr b="0" lang="en-IE" sz="2000" spc="-1" strike="noStrike">
+              <a:latin typeface="Arial"/>
             </a:endParaRPr>
           </a:p>
         </p:txBody>
@@ -13913,7 +14039,7 @@
         <p:spPr>
           <a:xfrm>
             <a:off x="4892760" y="1700280"/>
-            <a:ext cx="6229080" cy="5157360"/>
+            <a:ext cx="6228720" cy="5157000"/>
           </a:xfrm>
           <a:prstGeom prst="rect">
             <a:avLst/>
@@ -13943,7 +14069,7 @@
           <a:fontRef idx="minor"/>
         </p:style>
         <p:txBody>
-          <a:bodyPr numCol="1" spcCol="0" anchor="t">
+          <a:bodyPr numCol="1" spcCol="0" lIns="90000" rIns="90000" tIns="45000" bIns="45000" anchor="t">
             <a:noAutofit/>
           </a:bodyPr>
           <a:p>
@@ -13959,6 +14085,7 @@
                   <a:srgbClr val="ffffff"/>
                 </a:solidFill>
                 <a:latin typeface="Consolas"/>
+                <a:ea typeface="DejaVu Sans"/>
               </a:rPr>
               <a:t>{</a:t>
             </a:r>
@@ -13979,6 +14106,7 @@
                   <a:srgbClr val="ffffff"/>
                 </a:solidFill>
                 <a:latin typeface="Consolas"/>
+                <a:ea typeface="DejaVu Sans"/>
               </a:rPr>
               <a:t>    </a:t>
             </a:r>
@@ -13988,6 +14116,7 @@
                   <a:srgbClr val="d4d4d4"/>
                 </a:solidFill>
                 <a:latin typeface="Consolas"/>
+                <a:ea typeface="DejaVu Sans"/>
               </a:rPr>
               <a:t>"time"</a:t>
             </a:r>
@@ -13997,6 +14126,7 @@
                   <a:srgbClr val="ffffff"/>
                 </a:solidFill>
                 <a:latin typeface="Consolas"/>
+                <a:ea typeface="DejaVu Sans"/>
               </a:rPr>
               <a:t>: {</a:t>
             </a:r>
@@ -14017,6 +14147,7 @@
                   <a:srgbClr val="ffffff"/>
                 </a:solidFill>
                 <a:latin typeface="Consolas"/>
+                <a:ea typeface="DejaVu Sans"/>
               </a:rPr>
               <a:t>        </a:t>
             </a:r>
@@ -14026,6 +14157,7 @@
                   <a:srgbClr val="d4d4d4"/>
                 </a:solidFill>
                 <a:latin typeface="Consolas"/>
+                <a:ea typeface="DejaVu Sans"/>
               </a:rPr>
               <a:t>"updated"</a:t>
             </a:r>
@@ -14035,6 +14167,7 @@
                   <a:srgbClr val="ffffff"/>
                 </a:solidFill>
                 <a:latin typeface="Consolas"/>
+                <a:ea typeface="DejaVu Sans"/>
               </a:rPr>
               <a:t>: </a:t>
             </a:r>
@@ -14044,6 +14177,7 @@
                   <a:srgbClr val="ce9178"/>
                 </a:solidFill>
                 <a:latin typeface="Consolas"/>
+                <a:ea typeface="DejaVu Sans"/>
               </a:rPr>
               <a:t>"Oct 25, 2022 14:16:00 UTC"</a:t>
             </a:r>
@@ -14053,6 +14187,7 @@
                   <a:srgbClr val="ffffff"/>
                 </a:solidFill>
                 <a:latin typeface="Consolas"/>
+                <a:ea typeface="DejaVu Sans"/>
               </a:rPr>
               <a:t>,</a:t>
             </a:r>
@@ -14073,6 +14208,7 @@
                   <a:srgbClr val="ffffff"/>
                 </a:solidFill>
                 <a:latin typeface="Consolas"/>
+                <a:ea typeface="DejaVu Sans"/>
               </a:rPr>
               <a:t>        </a:t>
             </a:r>
@@ -14082,6 +14218,7 @@
                   <a:srgbClr val="d4d4d4"/>
                 </a:solidFill>
                 <a:latin typeface="Consolas"/>
+                <a:ea typeface="DejaVu Sans"/>
               </a:rPr>
               <a:t>"updatedISO"</a:t>
             </a:r>
@@ -14091,6 +14228,7 @@
                   <a:srgbClr val="ffffff"/>
                 </a:solidFill>
                 <a:latin typeface="Consolas"/>
+                <a:ea typeface="DejaVu Sans"/>
               </a:rPr>
               <a:t>: </a:t>
             </a:r>
@@ -14100,6 +14238,7 @@
                   <a:srgbClr val="ce9178"/>
                 </a:solidFill>
                 <a:latin typeface="Consolas"/>
+                <a:ea typeface="DejaVu Sans"/>
               </a:rPr>
               <a:t>"2022-10-25T14:16:00+00:00"</a:t>
             </a:r>
@@ -14109,6 +14248,7 @@
                   <a:srgbClr val="ffffff"/>
                 </a:solidFill>
                 <a:latin typeface="Consolas"/>
+                <a:ea typeface="DejaVu Sans"/>
               </a:rPr>
               <a:t>,</a:t>
             </a:r>
@@ -14129,6 +14269,7 @@
                   <a:srgbClr val="ffffff"/>
                 </a:solidFill>
                 <a:latin typeface="Consolas"/>
+                <a:ea typeface="DejaVu Sans"/>
               </a:rPr>
               <a:t>        </a:t>
             </a:r>
@@ -14138,6 +14279,7 @@
                   <a:srgbClr val="d4d4d4"/>
                 </a:solidFill>
                 <a:latin typeface="Consolas"/>
+                <a:ea typeface="DejaVu Sans"/>
               </a:rPr>
               <a:t>"updateduk"</a:t>
             </a:r>
@@ -14147,6 +14289,7 @@
                   <a:srgbClr val="ffffff"/>
                 </a:solidFill>
                 <a:latin typeface="Consolas"/>
+                <a:ea typeface="DejaVu Sans"/>
               </a:rPr>
               <a:t>: </a:t>
             </a:r>
@@ -14156,6 +14299,7 @@
                   <a:srgbClr val="ce9178"/>
                 </a:solidFill>
                 <a:latin typeface="Consolas"/>
+                <a:ea typeface="DejaVu Sans"/>
               </a:rPr>
               <a:t>"Oct 25, 2022 at 15:16 BST"</a:t>
             </a:r>
@@ -14176,6 +14320,7 @@
                   <a:srgbClr val="ffffff"/>
                 </a:solidFill>
                 <a:latin typeface="Consolas"/>
+                <a:ea typeface="DejaVu Sans"/>
               </a:rPr>
               <a:t>    </a:t>
             </a:r>
@@ -14185,6 +14330,7 @@
                   <a:srgbClr val="ffffff"/>
                 </a:solidFill>
                 <a:latin typeface="Consolas"/>
+                <a:ea typeface="DejaVu Sans"/>
               </a:rPr>
               <a:t>},</a:t>
             </a:r>
@@ -14205,6 +14351,7 @@
                   <a:srgbClr val="ffffff"/>
                 </a:solidFill>
                 <a:latin typeface="Consolas"/>
+                <a:ea typeface="DejaVu Sans"/>
               </a:rPr>
               <a:t>    </a:t>
             </a:r>
@@ -14214,6 +14361,7 @@
                   <a:srgbClr val="d4d4d4"/>
                 </a:solidFill>
                 <a:latin typeface="Consolas"/>
+                <a:ea typeface="DejaVu Sans"/>
               </a:rPr>
               <a:t>"disclaimer"</a:t>
             </a:r>
@@ -14223,6 +14371,7 @@
                   <a:srgbClr val="ffffff"/>
                 </a:solidFill>
                 <a:latin typeface="Consolas"/>
+                <a:ea typeface="DejaVu Sans"/>
               </a:rPr>
               <a:t>: </a:t>
             </a:r>
@@ -14232,6 +14381,7 @@
                   <a:srgbClr val="ce9178"/>
                 </a:solidFill>
                 <a:latin typeface="Consolas"/>
+                <a:ea typeface="DejaVu Sans"/>
               </a:rPr>
               <a:t>"This data was produced from the CoinDesk Bitcoin Price Index (USD). Non-USD currency data converted using hourly conversion rate from openexchangerates.org"</a:t>
             </a:r>
@@ -14241,6 +14391,7 @@
                   <a:srgbClr val="ffffff"/>
                 </a:solidFill>
                 <a:latin typeface="Consolas"/>
+                <a:ea typeface="DejaVu Sans"/>
               </a:rPr>
               <a:t>,</a:t>
             </a:r>
@@ -14261,6 +14412,7 @@
                   <a:srgbClr val="ffffff"/>
                 </a:solidFill>
                 <a:latin typeface="Consolas"/>
+                <a:ea typeface="DejaVu Sans"/>
               </a:rPr>
               <a:t>    </a:t>
             </a:r>
@@ -14270,6 +14422,7 @@
                   <a:srgbClr val="d4d4d4"/>
                 </a:solidFill>
                 <a:latin typeface="Consolas"/>
+                <a:ea typeface="DejaVu Sans"/>
               </a:rPr>
               <a:t>"chartName"</a:t>
             </a:r>
@@ -14279,6 +14432,7 @@
                   <a:srgbClr val="ffffff"/>
                 </a:solidFill>
                 <a:latin typeface="Consolas"/>
+                <a:ea typeface="DejaVu Sans"/>
               </a:rPr>
               <a:t>: </a:t>
             </a:r>
@@ -14288,6 +14442,7 @@
                   <a:srgbClr val="ce9178"/>
                 </a:solidFill>
                 <a:latin typeface="Consolas"/>
+                <a:ea typeface="DejaVu Sans"/>
               </a:rPr>
               <a:t>"Bitcoin"</a:t>
             </a:r>
@@ -14297,6 +14452,7 @@
                   <a:srgbClr val="ffffff"/>
                 </a:solidFill>
                 <a:latin typeface="Consolas"/>
+                <a:ea typeface="DejaVu Sans"/>
               </a:rPr>
               <a:t>,</a:t>
             </a:r>
@@ -14317,6 +14473,7 @@
                   <a:srgbClr val="ffffff"/>
                 </a:solidFill>
                 <a:latin typeface="Consolas"/>
+                <a:ea typeface="DejaVu Sans"/>
               </a:rPr>
               <a:t>    </a:t>
             </a:r>
@@ -14326,6 +14483,7 @@
                   <a:srgbClr val="d4d4d4"/>
                 </a:solidFill>
                 <a:latin typeface="Consolas"/>
+                <a:ea typeface="DejaVu Sans"/>
               </a:rPr>
               <a:t>"bpi"</a:t>
             </a:r>
@@ -14335,6 +14493,7 @@
                   <a:srgbClr val="ffffff"/>
                 </a:solidFill>
                 <a:latin typeface="Consolas"/>
+                <a:ea typeface="DejaVu Sans"/>
               </a:rPr>
               <a:t>: {</a:t>
             </a:r>
@@ -14355,6 +14514,7 @@
                   <a:srgbClr val="ffffff"/>
                 </a:solidFill>
                 <a:latin typeface="Consolas"/>
+                <a:ea typeface="DejaVu Sans"/>
               </a:rPr>
               <a:t>        </a:t>
             </a:r>
@@ -14364,6 +14524,7 @@
                   <a:srgbClr val="d4d4d4"/>
                 </a:solidFill>
                 <a:latin typeface="Consolas"/>
+                <a:ea typeface="DejaVu Sans"/>
               </a:rPr>
               <a:t>"USD"</a:t>
             </a:r>
@@ -14373,6 +14534,7 @@
                   <a:srgbClr val="ffffff"/>
                 </a:solidFill>
                 <a:latin typeface="Consolas"/>
+                <a:ea typeface="DejaVu Sans"/>
               </a:rPr>
               <a:t>: {</a:t>
             </a:r>
@@ -14393,6 +14555,7 @@
                   <a:srgbClr val="ffffff"/>
                 </a:solidFill>
                 <a:latin typeface="Consolas"/>
+                <a:ea typeface="DejaVu Sans"/>
               </a:rPr>
               <a:t>            </a:t>
             </a:r>
@@ -14402,6 +14565,7 @@
                   <a:srgbClr val="d4d4d4"/>
                 </a:solidFill>
                 <a:latin typeface="Consolas"/>
+                <a:ea typeface="DejaVu Sans"/>
               </a:rPr>
               <a:t>"code"</a:t>
             </a:r>
@@ -14411,6 +14575,7 @@
                   <a:srgbClr val="ffffff"/>
                 </a:solidFill>
                 <a:latin typeface="Consolas"/>
+                <a:ea typeface="DejaVu Sans"/>
               </a:rPr>
               <a:t>: </a:t>
             </a:r>
@@ -14420,6 +14585,7 @@
                   <a:srgbClr val="ce9178"/>
                 </a:solidFill>
                 <a:latin typeface="Consolas"/>
+                <a:ea typeface="DejaVu Sans"/>
               </a:rPr>
               <a:t>"USD"</a:t>
             </a:r>
@@ -14429,6 +14595,7 @@
                   <a:srgbClr val="ffffff"/>
                 </a:solidFill>
                 <a:latin typeface="Consolas"/>
+                <a:ea typeface="DejaVu Sans"/>
               </a:rPr>
               <a:t>,</a:t>
             </a:r>
@@ -14449,6 +14616,7 @@
                   <a:srgbClr val="ffffff"/>
                 </a:solidFill>
                 <a:latin typeface="Consolas"/>
+                <a:ea typeface="DejaVu Sans"/>
               </a:rPr>
               <a:t>            </a:t>
             </a:r>
@@ -14458,6 +14626,7 @@
                   <a:srgbClr val="d4d4d4"/>
                 </a:solidFill>
                 <a:latin typeface="Consolas"/>
+                <a:ea typeface="DejaVu Sans"/>
               </a:rPr>
               <a:t>"symbol"</a:t>
             </a:r>
@@ -14467,6 +14636,7 @@
                   <a:srgbClr val="ffffff"/>
                 </a:solidFill>
                 <a:latin typeface="Consolas"/>
+                <a:ea typeface="DejaVu Sans"/>
               </a:rPr>
               <a:t>: </a:t>
             </a:r>
@@ -14476,6 +14646,7 @@
                   <a:srgbClr val="ce9178"/>
                 </a:solidFill>
                 <a:latin typeface="Consolas"/>
+                <a:ea typeface="DejaVu Sans"/>
               </a:rPr>
               <a:t>"&amp;#36;"</a:t>
             </a:r>
@@ -14485,6 +14656,7 @@
                   <a:srgbClr val="ffffff"/>
                 </a:solidFill>
                 <a:latin typeface="Consolas"/>
+                <a:ea typeface="DejaVu Sans"/>
               </a:rPr>
               <a:t>,</a:t>
             </a:r>
@@ -14505,6 +14677,7 @@
                   <a:srgbClr val="ffffff"/>
                 </a:solidFill>
                 <a:latin typeface="Consolas"/>
+                <a:ea typeface="DejaVu Sans"/>
               </a:rPr>
               <a:t>            </a:t>
             </a:r>
@@ -14514,6 +14687,7 @@
                   <a:srgbClr val="d4d4d4"/>
                 </a:solidFill>
                 <a:latin typeface="Consolas"/>
+                <a:ea typeface="DejaVu Sans"/>
               </a:rPr>
               <a:t>"rate"</a:t>
             </a:r>
@@ -14523,6 +14697,7 @@
                   <a:srgbClr val="ffffff"/>
                 </a:solidFill>
                 <a:latin typeface="Consolas"/>
+                <a:ea typeface="DejaVu Sans"/>
               </a:rPr>
               <a:t>: </a:t>
             </a:r>
@@ -14532,6 +14707,7 @@
                   <a:srgbClr val="ce9178"/>
                 </a:solidFill>
                 <a:latin typeface="Consolas"/>
+                <a:ea typeface="DejaVu Sans"/>
               </a:rPr>
               <a:t>"19,449.7231"</a:t>
             </a:r>
@@ -14541,6 +14717,7 @@
                   <a:srgbClr val="ffffff"/>
                 </a:solidFill>
                 <a:latin typeface="Consolas"/>
+                <a:ea typeface="DejaVu Sans"/>
               </a:rPr>
               <a:t>,</a:t>
             </a:r>
@@ -14561,6 +14738,7 @@
                   <a:srgbClr val="ffffff"/>
                 </a:solidFill>
                 <a:latin typeface="Consolas"/>
+                <a:ea typeface="DejaVu Sans"/>
               </a:rPr>
               <a:t>            </a:t>
             </a:r>
@@ -14570,6 +14748,7 @@
                   <a:srgbClr val="d4d4d4"/>
                 </a:solidFill>
                 <a:latin typeface="Consolas"/>
+                <a:ea typeface="DejaVu Sans"/>
               </a:rPr>
               <a:t>"description"</a:t>
             </a:r>
@@ -14579,6 +14758,7 @@
                   <a:srgbClr val="ffffff"/>
                 </a:solidFill>
                 <a:latin typeface="Consolas"/>
+                <a:ea typeface="DejaVu Sans"/>
               </a:rPr>
               <a:t>: </a:t>
             </a:r>
@@ -14588,6 +14768,7 @@
                   <a:srgbClr val="ce9178"/>
                 </a:solidFill>
                 <a:latin typeface="Consolas"/>
+                <a:ea typeface="DejaVu Sans"/>
               </a:rPr>
               <a:t>"United States Dollar"</a:t>
             </a:r>
@@ -14597,6 +14778,7 @@
                   <a:srgbClr val="ffffff"/>
                 </a:solidFill>
                 <a:latin typeface="Consolas"/>
+                <a:ea typeface="DejaVu Sans"/>
               </a:rPr>
               <a:t>,</a:t>
             </a:r>
@@ -14617,6 +14799,7 @@
                   <a:srgbClr val="ffffff"/>
                 </a:solidFill>
                 <a:latin typeface="Consolas"/>
+                <a:ea typeface="DejaVu Sans"/>
               </a:rPr>
               <a:t>            </a:t>
             </a:r>
@@ -14626,6 +14809,7 @@
                   <a:srgbClr val="d4d4d4"/>
                 </a:solidFill>
                 <a:latin typeface="Consolas"/>
+                <a:ea typeface="DejaVu Sans"/>
               </a:rPr>
               <a:t>"rate_float"</a:t>
             </a:r>
@@ -14635,6 +14819,7 @@
                   <a:srgbClr val="ffffff"/>
                 </a:solidFill>
                 <a:latin typeface="Consolas"/>
+                <a:ea typeface="DejaVu Sans"/>
               </a:rPr>
               <a:t>: </a:t>
             </a:r>
@@ -14644,6 +14829,7 @@
                   <a:srgbClr val="b5cea8"/>
                 </a:solidFill>
                 <a:latin typeface="Consolas"/>
+                <a:ea typeface="DejaVu Sans"/>
               </a:rPr>
               <a:t>19449.7231</a:t>
             </a:r>
@@ -14664,6 +14850,7 @@
                   <a:srgbClr val="ffffff"/>
                 </a:solidFill>
                 <a:latin typeface="Consolas"/>
+                <a:ea typeface="DejaVu Sans"/>
               </a:rPr>
               <a:t>        </a:t>
             </a:r>
@@ -14673,6 +14860,7 @@
                   <a:srgbClr val="ffffff"/>
                 </a:solidFill>
                 <a:latin typeface="Consolas"/>
+                <a:ea typeface="DejaVu Sans"/>
               </a:rPr>
               <a:t>},</a:t>
             </a:r>
@@ -14693,6 +14881,7 @@
                   <a:srgbClr val="ffffff"/>
                 </a:solidFill>
                 <a:latin typeface="Consolas"/>
+                <a:ea typeface="DejaVu Sans"/>
               </a:rPr>
               <a:t>        </a:t>
             </a:r>
@@ -14702,6 +14891,7 @@
                   <a:srgbClr val="d4d4d4"/>
                 </a:solidFill>
                 <a:latin typeface="Consolas"/>
+                <a:ea typeface="DejaVu Sans"/>
               </a:rPr>
               <a:t>"GBP"</a:t>
             </a:r>
@@ -14711,6 +14901,7 @@
                   <a:srgbClr val="ffffff"/>
                 </a:solidFill>
                 <a:latin typeface="Consolas"/>
+                <a:ea typeface="DejaVu Sans"/>
               </a:rPr>
               <a:t>: {</a:t>
             </a:r>
@@ -14731,6 +14922,7 @@
                   <a:srgbClr val="ffffff"/>
                 </a:solidFill>
                 <a:latin typeface="Consolas"/>
+                <a:ea typeface="DejaVu Sans"/>
               </a:rPr>
               <a:t>            </a:t>
             </a:r>
@@ -14740,6 +14932,7 @@
                   <a:srgbClr val="d4d4d4"/>
                 </a:solidFill>
                 <a:latin typeface="Consolas"/>
+                <a:ea typeface="DejaVu Sans"/>
               </a:rPr>
               <a:t>"code"</a:t>
             </a:r>
@@ -14749,6 +14942,7 @@
                   <a:srgbClr val="ffffff"/>
                 </a:solidFill>
                 <a:latin typeface="Consolas"/>
+                <a:ea typeface="DejaVu Sans"/>
               </a:rPr>
               <a:t>: </a:t>
             </a:r>
@@ -14758,6 +14952,7 @@
                   <a:srgbClr val="ce9178"/>
                 </a:solidFill>
                 <a:latin typeface="Consolas"/>
+                <a:ea typeface="DejaVu Sans"/>
               </a:rPr>
               <a:t>"GBP"</a:t>
             </a:r>
@@ -14767,6 +14962,7 @@
                   <a:srgbClr val="ffffff"/>
                 </a:solidFill>
                 <a:latin typeface="Consolas"/>
+                <a:ea typeface="DejaVu Sans"/>
               </a:rPr>
               <a:t>,</a:t>
             </a:r>
@@ -14787,6 +14983,7 @@
                   <a:srgbClr val="ffffff"/>
                 </a:solidFill>
                 <a:latin typeface="Consolas"/>
+                <a:ea typeface="DejaVu Sans"/>
               </a:rPr>
               <a:t>            </a:t>
             </a:r>
@@ -14796,6 +14993,7 @@
                   <a:srgbClr val="d4d4d4"/>
                 </a:solidFill>
                 <a:latin typeface="Consolas"/>
+                <a:ea typeface="DejaVu Sans"/>
               </a:rPr>
               <a:t>"symbol"</a:t>
             </a:r>
@@ -14805,6 +15003,7 @@
                   <a:srgbClr val="ffffff"/>
                 </a:solidFill>
                 <a:latin typeface="Consolas"/>
+                <a:ea typeface="DejaVu Sans"/>
               </a:rPr>
               <a:t>: </a:t>
             </a:r>
@@ -14814,6 +15013,7 @@
                   <a:srgbClr val="ce9178"/>
                 </a:solidFill>
                 <a:latin typeface="Consolas"/>
+                <a:ea typeface="DejaVu Sans"/>
               </a:rPr>
               <a:t>"&amp;pound;"</a:t>
             </a:r>
@@ -14823,6 +15023,7 @@
                   <a:srgbClr val="ffffff"/>
                 </a:solidFill>
                 <a:latin typeface="Consolas"/>
+                <a:ea typeface="DejaVu Sans"/>
               </a:rPr>
               <a:t>,</a:t>
             </a:r>
@@ -14843,6 +15044,7 @@
                   <a:srgbClr val="ffffff"/>
                 </a:solidFill>
                 <a:latin typeface="Consolas"/>
+                <a:ea typeface="DejaVu Sans"/>
               </a:rPr>
               <a:t>            </a:t>
             </a:r>
@@ -14852,6 +15054,7 @@
                   <a:srgbClr val="d4d4d4"/>
                 </a:solidFill>
                 <a:latin typeface="Consolas"/>
+                <a:ea typeface="DejaVu Sans"/>
               </a:rPr>
               <a:t>"rate"</a:t>
             </a:r>
@@ -14861,6 +15064,7 @@
                   <a:srgbClr val="ffffff"/>
                 </a:solidFill>
                 <a:latin typeface="Consolas"/>
+                <a:ea typeface="DejaVu Sans"/>
               </a:rPr>
               <a:t>: </a:t>
             </a:r>
@@ -14870,6 +15074,7 @@
                   <a:srgbClr val="ce9178"/>
                 </a:solidFill>
                 <a:latin typeface="Consolas"/>
+                <a:ea typeface="DejaVu Sans"/>
               </a:rPr>
               <a:t>"16,252.0330"</a:t>
             </a:r>
@@ -14879,6 +15084,7 @@
                   <a:srgbClr val="ffffff"/>
                 </a:solidFill>
                 <a:latin typeface="Consolas"/>
+                <a:ea typeface="DejaVu Sans"/>
               </a:rPr>
               <a:t>,</a:t>
             </a:r>
@@ -14899,6 +15105,7 @@
                   <a:srgbClr val="ffffff"/>
                 </a:solidFill>
                 <a:latin typeface="Consolas"/>
+                <a:ea typeface="DejaVu Sans"/>
               </a:rPr>
               <a:t>            </a:t>
             </a:r>
@@ -14908,6 +15115,7 @@
                   <a:srgbClr val="d4d4d4"/>
                 </a:solidFill>
                 <a:latin typeface="Consolas"/>
+                <a:ea typeface="DejaVu Sans"/>
               </a:rPr>
               <a:t>"description"</a:t>
             </a:r>
@@ -14917,6 +15125,7 @@
                   <a:srgbClr val="ffffff"/>
                 </a:solidFill>
                 <a:latin typeface="Consolas"/>
+                <a:ea typeface="DejaVu Sans"/>
               </a:rPr>
               <a:t>: </a:t>
             </a:r>
@@ -14926,6 +15135,7 @@
                   <a:srgbClr val="ce9178"/>
                 </a:solidFill>
                 <a:latin typeface="Consolas"/>
+                <a:ea typeface="DejaVu Sans"/>
               </a:rPr>
               <a:t>"British Pound Sterling"</a:t>
             </a:r>
@@ -14935,6 +15145,7 @@
                   <a:srgbClr val="ffffff"/>
                 </a:solidFill>
                 <a:latin typeface="Consolas"/>
+                <a:ea typeface="DejaVu Sans"/>
               </a:rPr>
               <a:t>,</a:t>
             </a:r>
@@ -14955,6 +15166,7 @@
                   <a:srgbClr val="ffffff"/>
                 </a:solidFill>
                 <a:latin typeface="Consolas"/>
+                <a:ea typeface="DejaVu Sans"/>
               </a:rPr>
               <a:t>            </a:t>
             </a:r>
@@ -14964,6 +15176,7 @@
                   <a:srgbClr val="d4d4d4"/>
                 </a:solidFill>
                 <a:latin typeface="Consolas"/>
+                <a:ea typeface="DejaVu Sans"/>
               </a:rPr>
               <a:t>"rate_float"</a:t>
             </a:r>
@@ -14973,6 +15186,7 @@
                   <a:srgbClr val="ffffff"/>
                 </a:solidFill>
                 <a:latin typeface="Consolas"/>
+                <a:ea typeface="DejaVu Sans"/>
               </a:rPr>
               <a:t>: </a:t>
             </a:r>
@@ -14982,6 +15196,7 @@
                   <a:srgbClr val="b5cea8"/>
                 </a:solidFill>
                 <a:latin typeface="Consolas"/>
+                <a:ea typeface="DejaVu Sans"/>
               </a:rPr>
               <a:t>16252.033</a:t>
             </a:r>
@@ -15002,6 +15217,7 @@
                   <a:srgbClr val="ffffff"/>
                 </a:solidFill>
                 <a:latin typeface="Consolas"/>
+                <a:ea typeface="DejaVu Sans"/>
               </a:rPr>
               <a:t>        </a:t>
             </a:r>
@@ -15011,6 +15227,7 @@
                   <a:srgbClr val="ffffff"/>
                 </a:solidFill>
                 <a:latin typeface="Consolas"/>
+                <a:ea typeface="DejaVu Sans"/>
               </a:rPr>
               <a:t>},</a:t>
             </a:r>
@@ -15031,6 +15248,7 @@
                   <a:srgbClr val="ffffff"/>
                 </a:solidFill>
                 <a:latin typeface="Consolas"/>
+                <a:ea typeface="DejaVu Sans"/>
               </a:rPr>
               <a:t>        </a:t>
             </a:r>
@@ -15040,6 +15258,7 @@
                   <a:srgbClr val="d4d4d4"/>
                 </a:solidFill>
                 <a:latin typeface="Consolas"/>
+                <a:ea typeface="DejaVu Sans"/>
               </a:rPr>
               <a:t>"EUR"</a:t>
             </a:r>
@@ -15049,6 +15268,7 @@
                   <a:srgbClr val="ffffff"/>
                 </a:solidFill>
                 <a:latin typeface="Consolas"/>
+                <a:ea typeface="DejaVu Sans"/>
               </a:rPr>
               <a:t>: {</a:t>
             </a:r>
@@ -15069,6 +15289,7 @@
                   <a:srgbClr val="ffffff"/>
                 </a:solidFill>
                 <a:latin typeface="Consolas"/>
+                <a:ea typeface="DejaVu Sans"/>
               </a:rPr>
               <a:t>            </a:t>
             </a:r>
@@ -15078,6 +15299,7 @@
                   <a:srgbClr val="d4d4d4"/>
                 </a:solidFill>
                 <a:latin typeface="Consolas"/>
+                <a:ea typeface="DejaVu Sans"/>
               </a:rPr>
               <a:t>"code"</a:t>
             </a:r>
@@ -15087,6 +15309,7 @@
                   <a:srgbClr val="ffffff"/>
                 </a:solidFill>
                 <a:latin typeface="Consolas"/>
+                <a:ea typeface="DejaVu Sans"/>
               </a:rPr>
               <a:t>: </a:t>
             </a:r>
@@ -15096,6 +15319,7 @@
                   <a:srgbClr val="ce9178"/>
                 </a:solidFill>
                 <a:latin typeface="Consolas"/>
+                <a:ea typeface="DejaVu Sans"/>
               </a:rPr>
               <a:t>"EUR"</a:t>
             </a:r>
@@ -15105,6 +15329,7 @@
                   <a:srgbClr val="ffffff"/>
                 </a:solidFill>
                 <a:latin typeface="Consolas"/>
+                <a:ea typeface="DejaVu Sans"/>
               </a:rPr>
               <a:t>,</a:t>
             </a:r>
@@ -15125,6 +15350,7 @@
                   <a:srgbClr val="ffffff"/>
                 </a:solidFill>
                 <a:latin typeface="Consolas"/>
+                <a:ea typeface="DejaVu Sans"/>
               </a:rPr>
               <a:t>            </a:t>
             </a:r>
@@ -15134,6 +15360,7 @@
                   <a:srgbClr val="d4d4d4"/>
                 </a:solidFill>
                 <a:latin typeface="Consolas"/>
+                <a:ea typeface="DejaVu Sans"/>
               </a:rPr>
               <a:t>"symbol"</a:t>
             </a:r>
@@ -15143,6 +15370,7 @@
                   <a:srgbClr val="ffffff"/>
                 </a:solidFill>
                 <a:latin typeface="Consolas"/>
+                <a:ea typeface="DejaVu Sans"/>
               </a:rPr>
               <a:t>: </a:t>
             </a:r>
@@ -15152,6 +15380,7 @@
                   <a:srgbClr val="ce9178"/>
                 </a:solidFill>
                 <a:latin typeface="Consolas"/>
+                <a:ea typeface="DejaVu Sans"/>
               </a:rPr>
               <a:t>"&amp;euro;"</a:t>
             </a:r>
@@ -15161,6 +15390,7 @@
                   <a:srgbClr val="ffffff"/>
                 </a:solidFill>
                 <a:latin typeface="Consolas"/>
+                <a:ea typeface="DejaVu Sans"/>
               </a:rPr>
               <a:t>,</a:t>
             </a:r>
@@ -15181,6 +15411,7 @@
                   <a:srgbClr val="ffffff"/>
                 </a:solidFill>
                 <a:latin typeface="Consolas"/>
+                <a:ea typeface="DejaVu Sans"/>
               </a:rPr>
               <a:t>            </a:t>
             </a:r>
@@ -15190,6 +15421,7 @@
                   <a:srgbClr val="d4d4d4"/>
                 </a:solidFill>
                 <a:latin typeface="Consolas"/>
+                <a:ea typeface="DejaVu Sans"/>
               </a:rPr>
               <a:t>"rate"</a:t>
             </a:r>
@@ -15199,6 +15431,7 @@
                   <a:srgbClr val="ffffff"/>
                 </a:solidFill>
                 <a:latin typeface="Consolas"/>
+                <a:ea typeface="DejaVu Sans"/>
               </a:rPr>
               <a:t>: </a:t>
             </a:r>
@@ -15208,6 +15441,7 @@
                   <a:srgbClr val="ce9178"/>
                 </a:solidFill>
                 <a:latin typeface="Consolas"/>
+                <a:ea typeface="DejaVu Sans"/>
               </a:rPr>
               <a:t>"18,946.8700"</a:t>
             </a:r>
@@ -15217,6 +15451,7 @@
                   <a:srgbClr val="ffffff"/>
                 </a:solidFill>
                 <a:latin typeface="Consolas"/>
+                <a:ea typeface="DejaVu Sans"/>
               </a:rPr>
               <a:t>,</a:t>
             </a:r>
@@ -15237,6 +15472,7 @@
                   <a:srgbClr val="ffffff"/>
                 </a:solidFill>
                 <a:latin typeface="Consolas"/>
+                <a:ea typeface="DejaVu Sans"/>
               </a:rPr>
               <a:t>            </a:t>
             </a:r>
@@ -15246,6 +15482,7 @@
                   <a:srgbClr val="d4d4d4"/>
                 </a:solidFill>
                 <a:latin typeface="Consolas"/>
+                <a:ea typeface="DejaVu Sans"/>
               </a:rPr>
               <a:t>"description"</a:t>
             </a:r>
@@ -15255,6 +15492,7 @@
                   <a:srgbClr val="ffffff"/>
                 </a:solidFill>
                 <a:latin typeface="Consolas"/>
+                <a:ea typeface="DejaVu Sans"/>
               </a:rPr>
               <a:t>: </a:t>
             </a:r>
@@ -15264,6 +15502,7 @@
                   <a:srgbClr val="ce9178"/>
                 </a:solidFill>
                 <a:latin typeface="Consolas"/>
+                <a:ea typeface="DejaVu Sans"/>
               </a:rPr>
               <a:t>"Euro"</a:t>
             </a:r>
@@ -15273,6 +15512,7 @@
                   <a:srgbClr val="ffffff"/>
                 </a:solidFill>
                 <a:latin typeface="Consolas"/>
+                <a:ea typeface="DejaVu Sans"/>
               </a:rPr>
               <a:t>,</a:t>
             </a:r>
@@ -15293,6 +15533,7 @@
                   <a:srgbClr val="ffffff"/>
                 </a:solidFill>
                 <a:latin typeface="Consolas"/>
+                <a:ea typeface="DejaVu Sans"/>
               </a:rPr>
               <a:t>            </a:t>
             </a:r>
@@ -15302,6 +15543,7 @@
                   <a:srgbClr val="d4d4d4"/>
                 </a:solidFill>
                 <a:latin typeface="Consolas"/>
+                <a:ea typeface="DejaVu Sans"/>
               </a:rPr>
               <a:t>"rate_float"</a:t>
             </a:r>
@@ -15311,6 +15553,7 @@
                   <a:srgbClr val="ffffff"/>
                 </a:solidFill>
                 <a:latin typeface="Consolas"/>
+                <a:ea typeface="DejaVu Sans"/>
               </a:rPr>
               <a:t>: </a:t>
             </a:r>
@@ -15320,6 +15563,7 @@
                   <a:srgbClr val="b5cea8"/>
                 </a:solidFill>
                 <a:latin typeface="Consolas"/>
+                <a:ea typeface="DejaVu Sans"/>
               </a:rPr>
               <a:t>18946.87</a:t>
             </a:r>
@@ -15340,6 +15584,7 @@
                   <a:srgbClr val="ffffff"/>
                 </a:solidFill>
                 <a:latin typeface="Consolas"/>
+                <a:ea typeface="DejaVu Sans"/>
               </a:rPr>
               <a:t>        </a:t>
             </a:r>
@@ -15349,6 +15594,7 @@
                   <a:srgbClr val="ffffff"/>
                 </a:solidFill>
                 <a:latin typeface="Consolas"/>
+                <a:ea typeface="DejaVu Sans"/>
               </a:rPr>
               <a:t>}</a:t>
             </a:r>
@@ -15369,6 +15615,7 @@
                   <a:srgbClr val="ffffff"/>
                 </a:solidFill>
                 <a:latin typeface="Consolas"/>
+                <a:ea typeface="DejaVu Sans"/>
               </a:rPr>
               <a:t>    </a:t>
             </a:r>
@@ -15378,6 +15625,7 @@
                   <a:srgbClr val="ffffff"/>
                 </a:solidFill>
                 <a:latin typeface="Consolas"/>
+                <a:ea typeface="DejaVu Sans"/>
               </a:rPr>
               <a:t>}</a:t>
             </a:r>
@@ -15398,6 +15646,7 @@
                   <a:srgbClr val="ffffff"/>
                 </a:solidFill>
                 <a:latin typeface="Consolas"/>
+                <a:ea typeface="DejaVu Sans"/>
               </a:rPr>
               <a:t>}</a:t>
             </a:r>
@@ -15458,7 +15707,7 @@
         <p:spPr>
           <a:xfrm>
             <a:off x="973080" y="4424400"/>
-            <a:ext cx="3461040" cy="1330200"/>
+            <a:ext cx="3460680" cy="1329840"/>
           </a:xfrm>
           <a:prstGeom prst="rect">
             <a:avLst/>
@@ -15488,7 +15737,7 @@
           <a:fontRef idx="minor"/>
         </p:style>
         <p:txBody>
-          <a:bodyPr numCol="1" spcCol="0" anchor="t">
+          <a:bodyPr numCol="1" spcCol="0" lIns="90000" rIns="90000" tIns="45000" bIns="45000" anchor="t">
             <a:noAutofit/>
           </a:bodyPr>
           <a:p>
